--- a/testing/AI/AI專案簡報.pptx
+++ b/testing/AI/AI專案簡報.pptx
@@ -1,27 +1,27 @@
 
 <file path=ppt/presentation.xml><?xml version="1.0" encoding="utf-8"?>
-<p:presentation xmlns:a="http://schemas.openxmlformats.org/drawingml/2006/main" xmlns:r="http://schemas.openxmlformats.org/officeDocument/2006/relationships" xmlns:p="http://schemas.openxmlformats.org/presentationml/2006/main" saveSubsetFonts="1">
+<p:presentation xmlns:a="http://schemas.openxmlformats.org/drawingml/2006/main" xmlns:r="http://schemas.openxmlformats.org/officeDocument/2006/relationships" xmlns:p="http://schemas.openxmlformats.org/presentationml/2006/main">
   <p:sldMasterIdLst>
-    <p:sldMasterId id="2147483738" r:id="rId1"/>
+    <p:sldMasterId id="2147483648" r:id="rId1"/>
   </p:sldMasterIdLst>
   <p:notesMasterIdLst>
-    <p:notesMasterId r:id="rId16"/>
+    <p:notesMasterId r:id="rId13"/>
   </p:notesMasterIdLst>
   <p:sldIdLst>
-    <p:sldId id="256" r:id="rId2"/>
-    <p:sldId id="259" r:id="rId3"/>
-    <p:sldId id="260" r:id="rId4"/>
-    <p:sldId id="261" r:id="rId5"/>
-    <p:sldId id="263" r:id="rId6"/>
-    <p:sldId id="264" r:id="rId7"/>
-    <p:sldId id="265" r:id="rId8"/>
-    <p:sldId id="267" r:id="rId9"/>
-    <p:sldId id="268" r:id="rId10"/>
-    <p:sldId id="273" r:id="rId11"/>
-    <p:sldId id="274" r:id="rId12"/>
-    <p:sldId id="275" r:id="rId13"/>
-    <p:sldId id="270" r:id="rId14"/>
-    <p:sldId id="272" r:id="rId15"/>
+    <p:sldId id="256" r:id="rId3"/>
+    <p:sldId id="259" r:id="rId4"/>
+    <p:sldId id="260" r:id="rId5"/>
+    <p:sldId id="261" r:id="rId6"/>
+    <p:sldId id="263" r:id="rId7"/>
+    <p:sldId id="264" r:id="rId8"/>
+    <p:sldId id="265" r:id="rId9"/>
+    <p:sldId id="267" r:id="rId10"/>
+    <p:sldId id="268" r:id="rId11"/>
+    <p:sldId id="273" r:id="rId12"/>
+    <p:sldId id="274" r:id="rId14"/>
+    <p:sldId id="275" r:id="rId15"/>
+    <p:sldId id="270" r:id="rId16"/>
+    <p:sldId id="272" r:id="rId17"/>
   </p:sldIdLst>
   <p:sldSz cx="12192000" cy="6858000"/>
   <p:notesSz cx="6858000" cy="9144000"/>
@@ -120,11 +120,6 @@
       </a:defRPr>
     </a:lvl9pPr>
   </p:defaultTextStyle>
-  <p:extLst>
-    <p:ext uri="{EFAFB233-063F-42B5-8137-9DF3F51BA10A}">
-      <p15:sldGuideLst xmlns:p15="http://schemas.microsoft.com/office/powerpoint/2012/main"/>
-    </p:ext>
-  </p:extLst>
 </p:presentation>
 </file>
 
@@ -210,7 +205,6 @@
           <a:p>
             <a:fld id="{66B2F6CB-2EA3-4458-881E-F1B086C629B9}" type="datetimeFigureOut">
               <a:rPr lang="zh-TW" altLang="en-US" smtClean="0"/>
-              <a:t>2024/12/17</a:t>
             </a:fld>
             <a:endParaRPr lang="zh-TW" altLang="en-US"/>
           </a:p>
@@ -277,6 +271,7 @@
               <a:rPr lang="zh-TW" altLang="en-US"/>
               <a:t>編輯母片文字樣式</a:t>
             </a:r>
+            <a:endParaRPr lang="zh-TW" altLang="en-US"/>
           </a:p>
           <a:p>
             <a:pPr lvl="1"/>
@@ -284,6 +279,7 @@
               <a:rPr lang="zh-TW" altLang="en-US"/>
               <a:t>第二層</a:t>
             </a:r>
+            <a:endParaRPr lang="zh-TW" altLang="en-US"/>
           </a:p>
           <a:p>
             <a:pPr lvl="2"/>
@@ -291,6 +287,7 @@
               <a:rPr lang="zh-TW" altLang="en-US"/>
               <a:t>第三層</a:t>
             </a:r>
+            <a:endParaRPr lang="zh-TW" altLang="en-US"/>
           </a:p>
           <a:p>
             <a:pPr lvl="3"/>
@@ -298,6 +295,7 @@
               <a:rPr lang="zh-TW" altLang="en-US"/>
               <a:t>第四層</a:t>
             </a:r>
+            <a:endParaRPr lang="zh-TW" altLang="en-US"/>
           </a:p>
           <a:p>
             <a:pPr lvl="4"/>
@@ -305,6 +303,7 @@
               <a:rPr lang="zh-TW" altLang="en-US"/>
               <a:t>第五層</a:t>
             </a:r>
+            <a:endParaRPr lang="zh-TW" altLang="en-US"/>
           </a:p>
         </p:txBody>
       </p:sp>
@@ -368,18 +367,12 @@
           <a:p>
             <a:fld id="{D4F1F71A-B430-45AA-867A-8EBFAD5078BA}" type="slidenum">
               <a:rPr lang="zh-TW" altLang="en-US" smtClean="0"/>
-              <a:t>‹#›</a:t>
             </a:fld>
             <a:endParaRPr lang="zh-TW" altLang="en-US"/>
           </a:p>
         </p:txBody>
       </p:sp>
     </p:spTree>
-    <p:extLst>
-      <p:ext uri="{BB962C8B-B14F-4D97-AF65-F5344CB8AC3E}">
-        <p14:creationId xmlns:p14="http://schemas.microsoft.com/office/powerpoint/2010/main" val="4257764894"/>
-      </p:ext>
-    </p:extLst>
   </p:cSld>
   <p:clrMap bg1="lt1" tx1="dk1" bg2="lt2" tx2="dk2" accent1="accent1" accent2="accent2" accent3="accent3" accent4="accent4" accent5="accent5" accent6="accent6" hlink="hlink" folHlink="folHlink"/>
   <p:notesStyle>
@@ -542,18 +535,12 @@
           <a:p>
             <a:fld id="{D4F1F71A-B430-45AA-867A-8EBFAD5078BA}" type="slidenum">
               <a:rPr lang="zh-TW" altLang="en-US" smtClean="0"/>
-              <a:t>10</a:t>
             </a:fld>
             <a:endParaRPr lang="zh-TW" altLang="en-US"/>
           </a:p>
         </p:txBody>
       </p:sp>
     </p:spTree>
-    <p:extLst>
-      <p:ext uri="{BB962C8B-B14F-4D97-AF65-F5344CB8AC3E}">
-        <p14:creationId xmlns:p14="http://schemas.microsoft.com/office/powerpoint/2010/main" val="1818381214"/>
-      </p:ext>
-    </p:extLst>
   </p:cSld>
   <p:clrMapOvr>
     <a:masterClrMapping/>
@@ -609,6 +596,7 @@
               <a:rPr lang="zh-TW" altLang="en-US" b="1" dirty="0"/>
               <a:t>顯著正相關性：</a:t>
             </a:r>
+            <a:endParaRPr lang="zh-TW" altLang="en-US" b="1" dirty="0"/>
           </a:p>
           <a:p>
             <a:r>
@@ -635,6 +623,7 @@
               <a:rPr lang="zh-TW" altLang="en-US" dirty="0"/>
               <a:t>）</a:t>
             </a:r>
+            <a:endParaRPr lang="zh-TW" altLang="en-US" dirty="0"/>
           </a:p>
           <a:p>
             <a:pPr lvl="1"/>
@@ -642,6 +631,7 @@
               <a:rPr lang="zh-TW" altLang="en-US" dirty="0"/>
               <a:t>表示電車登記數量和人口數量高度正相關，人口多的地方電車登記數量也越多。</a:t>
             </a:r>
+            <a:endParaRPr lang="zh-TW" altLang="en-US" dirty="0"/>
           </a:p>
           <a:p>
             <a:r>
@@ -668,6 +658,7 @@
               <a:rPr lang="zh-TW" altLang="en-US" dirty="0"/>
               <a:t>）</a:t>
             </a:r>
+            <a:endParaRPr lang="zh-TW" altLang="en-US" dirty="0"/>
           </a:p>
           <a:p>
             <a:pPr lvl="1"/>
@@ -675,6 +666,7 @@
               <a:rPr lang="zh-TW" altLang="en-US" dirty="0"/>
               <a:t>表示站點數量與人口數量正相關，人口多的地方設立的站點也越多。</a:t>
             </a:r>
+            <a:endParaRPr lang="zh-TW" altLang="en-US" dirty="0"/>
           </a:p>
           <a:p>
             <a:r>
@@ -693,6 +685,7 @@
               <a:rPr lang="zh-TW" altLang="en-US" dirty="0"/>
               <a:t>）</a:t>
             </a:r>
+            <a:endParaRPr lang="zh-TW" altLang="en-US" dirty="0"/>
           </a:p>
           <a:p>
             <a:pPr lvl="1"/>
@@ -700,12 +693,14 @@
               <a:rPr lang="zh-TW" altLang="en-US" dirty="0"/>
               <a:t>表示電車登記數量越多的地方，站點數量也越多。</a:t>
             </a:r>
+            <a:endParaRPr lang="zh-TW" altLang="en-US" dirty="0"/>
           </a:p>
           <a:p>
             <a:r>
               <a:rPr lang="zh-TW" altLang="en-US" b="1" dirty="0"/>
               <a:t>弱負相關性：</a:t>
             </a:r>
+            <a:endParaRPr lang="zh-TW" altLang="en-US" b="1" dirty="0"/>
           </a:p>
           <a:p>
             <a:r>
@@ -732,6 +727,7 @@
               <a:rPr lang="zh-TW" altLang="en-US" dirty="0"/>
               <a:t>）</a:t>
             </a:r>
+            <a:endParaRPr lang="zh-TW" altLang="en-US" dirty="0"/>
           </a:p>
           <a:p>
             <a:pPr lvl="1"/>
@@ -739,6 +735,7 @@
               <a:rPr lang="zh-TW" altLang="en-US" dirty="0"/>
               <a:t>表示土地面積與人口數量有輕微負相關，人口較密集的區域，土地面積相對較小。</a:t>
             </a:r>
+            <a:endParaRPr lang="zh-TW" altLang="en-US" dirty="0"/>
           </a:p>
           <a:p>
             <a:r>
@@ -765,6 +762,7 @@
               <a:rPr lang="zh-TW" altLang="en-US" dirty="0"/>
               <a:t>）</a:t>
             </a:r>
+            <a:endParaRPr lang="zh-TW" altLang="en-US" dirty="0"/>
           </a:p>
           <a:p>
             <a:pPr lvl="1"/>
@@ -772,12 +770,14 @@
               <a:rPr lang="zh-TW" altLang="en-US" dirty="0"/>
               <a:t>表示土地面積越大，人口密度越低，這是合乎邏輯的結果。</a:t>
             </a:r>
+            <a:endParaRPr lang="zh-TW" altLang="en-US" dirty="0"/>
           </a:p>
           <a:p>
             <a:r>
               <a:rPr lang="zh-TW" altLang="en-US" b="1" dirty="0"/>
               <a:t>中度正相關性：</a:t>
             </a:r>
+            <a:endParaRPr lang="zh-TW" altLang="en-US" b="1" dirty="0"/>
           </a:p>
           <a:p>
             <a:r>
@@ -812,6 +812,7 @@
               <a:rPr lang="zh-TW" altLang="en-US" dirty="0"/>
               <a:t>）</a:t>
             </a:r>
+            <a:endParaRPr lang="zh-TW" altLang="en-US" dirty="0"/>
           </a:p>
           <a:p>
             <a:pPr lvl="1"/>
@@ -819,6 +820,7 @@
               <a:rPr lang="zh-TW" altLang="en-US" dirty="0"/>
               <a:t>表示人口密度和總人口數有一定的正相關性。</a:t>
             </a:r>
+            <a:endParaRPr lang="zh-TW" altLang="en-US" dirty="0"/>
           </a:p>
           <a:p>
             <a:r>
@@ -845,6 +847,7 @@
               <a:rPr lang="zh-TW" altLang="en-US" dirty="0"/>
               <a:t>）</a:t>
             </a:r>
+            <a:endParaRPr lang="zh-TW" altLang="en-US" dirty="0"/>
           </a:p>
           <a:p>
             <a:pPr lvl="1"/>
@@ -852,6 +855,7 @@
               <a:rPr lang="zh-TW" altLang="en-US" dirty="0"/>
               <a:t>表示人口密度越高的地方，電車登記數量也傾向於較多。</a:t>
             </a:r>
+            <a:endParaRPr lang="zh-TW" altLang="en-US" dirty="0"/>
           </a:p>
           <a:p>
             <a:endParaRPr lang="zh-TW" altLang="en-US" dirty="0"/>
@@ -875,18 +879,12 @@
           <a:p>
             <a:fld id="{D4F1F71A-B430-45AA-867A-8EBFAD5078BA}" type="slidenum">
               <a:rPr lang="zh-TW" altLang="en-US" smtClean="0"/>
-              <a:t>11</a:t>
             </a:fld>
             <a:endParaRPr lang="zh-TW" altLang="en-US"/>
           </a:p>
         </p:txBody>
       </p:sp>
     </p:spTree>
-    <p:extLst>
-      <p:ext uri="{BB962C8B-B14F-4D97-AF65-F5344CB8AC3E}">
-        <p14:creationId xmlns:p14="http://schemas.microsoft.com/office/powerpoint/2010/main" val="2425521953"/>
-      </p:ext>
-    </p:extLst>
   </p:cSld>
   <p:clrMapOvr>
     <a:masterClrMapping/>
@@ -946,6 +944,7 @@
               <a:rPr lang="zh-TW" altLang="en-US" dirty="0"/>
               <a:t>：</a:t>
             </a:r>
+            <a:endParaRPr lang="zh-TW" altLang="en-US" dirty="0"/>
           </a:p>
           <a:p>
             <a:r>
@@ -956,6 +955,7 @@
               <a:rPr lang="zh-TW" altLang="en-US" dirty="0"/>
               <a:t> 個樣本被正確分類為「新增」。</a:t>
             </a:r>
+            <a:endParaRPr lang="zh-TW" altLang="en-US" dirty="0"/>
           </a:p>
           <a:p>
             <a:r>
@@ -970,12 +970,14 @@
               <a:rPr lang="zh-TW" altLang="en-US" dirty="0"/>
               <a:t> 個樣本被誤分類為「保持不變」。</a:t>
             </a:r>
+            <a:endParaRPr lang="zh-TW" altLang="en-US" dirty="0"/>
           </a:p>
           <a:p>
             <a:r>
               <a:rPr lang="zh-TW" altLang="en-US" dirty="0"/>
               <a:t>這表示模型對「新增」類別預測效果很好。</a:t>
             </a:r>
+            <a:endParaRPr lang="zh-TW" altLang="en-US" dirty="0"/>
           </a:p>
           <a:p>
             <a:r>
@@ -986,6 +988,7 @@
               <a:rPr lang="zh-TW" altLang="en-US" dirty="0"/>
               <a:t>：</a:t>
             </a:r>
+            <a:endParaRPr lang="zh-TW" altLang="en-US" dirty="0"/>
           </a:p>
           <a:p>
             <a:r>
@@ -996,6 +999,7 @@
               <a:rPr lang="zh-TW" altLang="en-US" dirty="0"/>
               <a:t> 個樣本被正確分類為「保持不變」。</a:t>
             </a:r>
+            <a:endParaRPr lang="zh-TW" altLang="en-US" dirty="0"/>
           </a:p>
           <a:p>
             <a:r>
@@ -1018,12 +1022,14 @@
               <a:rPr lang="zh-TW" altLang="en-US" dirty="0"/>
               <a:t> 個被分類為「減少」。</a:t>
             </a:r>
+            <a:endParaRPr lang="zh-TW" altLang="en-US" dirty="0"/>
           </a:p>
           <a:p>
             <a:r>
               <a:rPr lang="zh-TW" altLang="en-US" dirty="0"/>
               <a:t>表示模型對「保持不變」類別的辨識效果較差，誤判率較高。</a:t>
             </a:r>
+            <a:endParaRPr lang="zh-TW" altLang="en-US" dirty="0"/>
           </a:p>
           <a:p>
             <a:r>
@@ -1034,6 +1040,7 @@
               <a:rPr lang="zh-TW" altLang="en-US" dirty="0"/>
               <a:t>：</a:t>
             </a:r>
+            <a:endParaRPr lang="zh-TW" altLang="en-US" dirty="0"/>
           </a:p>
           <a:p>
             <a:r>
@@ -1044,6 +1051,7 @@
               <a:rPr lang="zh-TW" altLang="en-US" dirty="0"/>
               <a:t> 個樣本被正確分類為「減少」。</a:t>
             </a:r>
+            <a:endParaRPr lang="zh-TW" altLang="en-US" dirty="0"/>
           </a:p>
           <a:p>
             <a:r>
@@ -1066,12 +1074,14 @@
               <a:rPr lang="zh-TW" altLang="en-US" dirty="0"/>
               <a:t> 個被誤分類為「保持不變」。</a:t>
             </a:r>
+            <a:endParaRPr lang="zh-TW" altLang="en-US" dirty="0"/>
           </a:p>
           <a:p>
             <a:r>
               <a:rPr lang="zh-TW" altLang="en-US" dirty="0"/>
               <a:t>模型對「減少」類別預測還算不錯，但有一定誤分類現象。</a:t>
             </a:r>
+            <a:endParaRPr lang="zh-TW" altLang="en-US" dirty="0"/>
           </a:p>
           <a:p>
             <a:endParaRPr lang="zh-TW" altLang="en-US" dirty="0"/>
@@ -1095,18 +1105,56 @@
           <a:p>
             <a:fld id="{D4F1F71A-B430-45AA-867A-8EBFAD5078BA}" type="slidenum">
               <a:rPr lang="zh-TW" altLang="en-US" smtClean="0"/>
-              <a:t>12</a:t>
             </a:fld>
             <a:endParaRPr lang="zh-TW" altLang="en-US"/>
           </a:p>
         </p:txBody>
       </p:sp>
     </p:spTree>
-    <p:extLst>
-      <p:ext uri="{BB962C8B-B14F-4D97-AF65-F5344CB8AC3E}">
-        <p14:creationId xmlns:p14="http://schemas.microsoft.com/office/powerpoint/2010/main" val="2169812442"/>
-      </p:ext>
-    </p:extLst>
+  </p:cSld>
+  <p:clrMapOvr>
+    <a:masterClrMapping/>
+  </p:clrMapOvr>
+</p:notes>
+</file>
+
+<file path=ppt/notesSlides/notesSlide4.xml><?xml version="1.0" encoding="utf-8"?>
+<p:notes xmlns:a="http://schemas.openxmlformats.org/drawingml/2006/main" xmlns:r="http://schemas.openxmlformats.org/officeDocument/2006/relationships" xmlns:p="http://schemas.openxmlformats.org/presentationml/2006/main">
+  <p:cSld>
+    <p:spTree>
+      <p:nvGrpSpPr>
+        <p:cNvPr id="1" name=""/>
+        <p:cNvGrpSpPr/>
+        <p:nvPr/>
+      </p:nvGrpSpPr>
+      <p:grpSpPr/>
+      <p:sp>
+        <p:nvSpPr>
+          <p:cNvPr id="2" name="投影片圖像版面配置區 1"/>
+          <p:cNvSpPr/>
+          <p:nvPr>
+            <p:ph type="sldImg" idx="2"/>
+          </p:nvPr>
+        </p:nvSpPr>
+        <p:spPr/>
+      </p:sp>
+      <p:sp>
+        <p:nvSpPr>
+          <p:cNvPr id="3" name="文字版面配置區 2"/>
+          <p:cNvSpPr/>
+          <p:nvPr>
+            <p:ph type="body" idx="3"/>
+          </p:nvPr>
+        </p:nvSpPr>
+        <p:spPr/>
+        <p:txBody>
+          <a:bodyPr/>
+          <a:p>
+            <a:endParaRPr lang="zh-TW" altLang="en-US"/>
+          </a:p>
+        </p:txBody>
+      </p:sp>
+    </p:spTree>
   </p:cSld>
   <p:clrMapOvr>
     <a:masterClrMapping/>
@@ -1115,7 +1163,7 @@
 </file>
 
 <file path=ppt/slideLayouts/slideLayout1.xml><?xml version="1.0" encoding="utf-8"?>
-<p:sldLayout xmlns:a="http://schemas.openxmlformats.org/drawingml/2006/main" xmlns:r="http://schemas.openxmlformats.org/officeDocument/2006/relationships" xmlns:p="http://schemas.openxmlformats.org/presentationml/2006/main" showMasterSp="0" type="title" preserve="1">
+<p:sldLayout xmlns:a="http://schemas.openxmlformats.org/drawingml/2006/main" xmlns:r="http://schemas.openxmlformats.org/officeDocument/2006/relationships" xmlns:p="http://schemas.openxmlformats.org/presentationml/2006/main" type="title" preserve="1" showMasterSp="0">
   <p:cSld name="標題投影片">
     <p:spTree>
       <p:nvGrpSpPr>
@@ -1258,7 +1306,7 @@
             <a:spLocks noGrp="1"/>
           </p:cNvSpPr>
           <p:nvPr>
-            <p:ph type="subTitle" idx="1"/>
+            <p:ph type="subTitle" idx="1" hasCustomPrompt="1"/>
           </p:nvPr>
         </p:nvSpPr>
         <p:spPr>
@@ -1340,7 +1388,6 @@
           <a:p>
             <a:fld id="{B18E1FDE-DAE6-48C1-9253-ABC673793861}" type="datetimeFigureOut">
               <a:rPr lang="zh-TW" altLang="en-US" smtClean="0"/>
-              <a:t>2024/12/17</a:t>
             </a:fld>
             <a:endParaRPr lang="zh-TW" altLang="en-US"/>
           </a:p>
@@ -1382,18 +1429,12 @@
           <a:p>
             <a:fld id="{9951BBF5-78C6-41D8-B2B9-17873B17A19E}" type="slidenum">
               <a:rPr lang="zh-TW" altLang="en-US" smtClean="0"/>
-              <a:t>‹#›</a:t>
             </a:fld>
             <a:endParaRPr lang="zh-TW" altLang="en-US"/>
           </a:p>
         </p:txBody>
       </p:sp>
     </p:spTree>
-    <p:extLst>
-      <p:ext uri="{BB962C8B-B14F-4D97-AF65-F5344CB8AC3E}">
-        <p14:creationId xmlns:p14="http://schemas.microsoft.com/office/powerpoint/2010/main" val="1599510803"/>
-      </p:ext>
-    </p:extLst>
   </p:cSld>
   <p:clrMapOvr>
     <a:masterClrMapping/>
@@ -1448,7 +1489,7 @@
             <a:spLocks noGrp="1"/>
           </p:cNvSpPr>
           <p:nvPr>
-            <p:ph type="body" orient="vert" idx="1"/>
+            <p:ph type="body" orient="vert" idx="1" hasCustomPrompt="1"/>
           </p:nvPr>
         </p:nvSpPr>
         <p:spPr/>
@@ -1461,6 +1502,7 @@
               <a:rPr lang="zh-TW" altLang="en-US"/>
               <a:t>編輯母片文字樣式</a:t>
             </a:r>
+            <a:endParaRPr lang="zh-TW" altLang="en-US"/>
           </a:p>
           <a:p>
             <a:pPr lvl="1"/>
@@ -1468,6 +1510,7 @@
               <a:rPr lang="zh-TW" altLang="en-US"/>
               <a:t>第二層</a:t>
             </a:r>
+            <a:endParaRPr lang="zh-TW" altLang="en-US"/>
           </a:p>
           <a:p>
             <a:pPr lvl="2"/>
@@ -1475,6 +1518,7 @@
               <a:rPr lang="zh-TW" altLang="en-US"/>
               <a:t>第三層</a:t>
             </a:r>
+            <a:endParaRPr lang="zh-TW" altLang="en-US"/>
           </a:p>
           <a:p>
             <a:pPr lvl="3"/>
@@ -1482,6 +1526,7 @@
               <a:rPr lang="zh-TW" altLang="en-US"/>
               <a:t>第四層</a:t>
             </a:r>
+            <a:endParaRPr lang="zh-TW" altLang="en-US"/>
           </a:p>
           <a:p>
             <a:pPr lvl="4"/>
@@ -1510,7 +1555,6 @@
           <a:p>
             <a:fld id="{B18E1FDE-DAE6-48C1-9253-ABC673793861}" type="datetimeFigureOut">
               <a:rPr lang="zh-TW" altLang="en-US" smtClean="0"/>
-              <a:t>2024/12/17</a:t>
             </a:fld>
             <a:endParaRPr lang="zh-TW" altLang="en-US"/>
           </a:p>
@@ -1552,18 +1596,12 @@
           <a:p>
             <a:fld id="{9951BBF5-78C6-41D8-B2B9-17873B17A19E}" type="slidenum">
               <a:rPr lang="zh-TW" altLang="en-US" smtClean="0"/>
-              <a:t>‹#›</a:t>
             </a:fld>
             <a:endParaRPr lang="zh-TW" altLang="en-US"/>
           </a:p>
         </p:txBody>
       </p:sp>
     </p:spTree>
-    <p:extLst>
-      <p:ext uri="{BB962C8B-B14F-4D97-AF65-F5344CB8AC3E}">
-        <p14:creationId xmlns:p14="http://schemas.microsoft.com/office/powerpoint/2010/main" val="4256469401"/>
-      </p:ext>
-    </p:extLst>
   </p:cSld>
   <p:clrMapOvr>
     <a:masterClrMapping/>
@@ -1699,7 +1737,7 @@
             <a:spLocks noGrp="1"/>
           </p:cNvSpPr>
           <p:nvPr>
-            <p:ph type="body" orient="vert" idx="1"/>
+            <p:ph type="body" orient="vert" idx="1" hasCustomPrompt="1"/>
           </p:nvPr>
         </p:nvSpPr>
         <p:spPr>
@@ -1717,6 +1755,7 @@
               <a:rPr lang="zh-TW" altLang="en-US"/>
               <a:t>編輯母片文字樣式</a:t>
             </a:r>
+            <a:endParaRPr lang="zh-TW" altLang="en-US"/>
           </a:p>
           <a:p>
             <a:pPr lvl="1"/>
@@ -1724,6 +1763,7 @@
               <a:rPr lang="zh-TW" altLang="en-US"/>
               <a:t>第二層</a:t>
             </a:r>
+            <a:endParaRPr lang="zh-TW" altLang="en-US"/>
           </a:p>
           <a:p>
             <a:pPr lvl="2"/>
@@ -1731,6 +1771,7 @@
               <a:rPr lang="zh-TW" altLang="en-US"/>
               <a:t>第三層</a:t>
             </a:r>
+            <a:endParaRPr lang="zh-TW" altLang="en-US"/>
           </a:p>
           <a:p>
             <a:pPr lvl="3"/>
@@ -1738,6 +1779,7 @@
               <a:rPr lang="zh-TW" altLang="en-US"/>
               <a:t>第四層</a:t>
             </a:r>
+            <a:endParaRPr lang="zh-TW" altLang="en-US"/>
           </a:p>
           <a:p>
             <a:pPr lvl="4"/>
@@ -1766,7 +1808,6 @@
           <a:p>
             <a:fld id="{B18E1FDE-DAE6-48C1-9253-ABC673793861}" type="datetimeFigureOut">
               <a:rPr lang="zh-TW" altLang="en-US" smtClean="0"/>
-              <a:t>2024/12/17</a:t>
             </a:fld>
             <a:endParaRPr lang="zh-TW" altLang="en-US"/>
           </a:p>
@@ -1808,18 +1849,12 @@
           <a:p>
             <a:fld id="{9951BBF5-78C6-41D8-B2B9-17873B17A19E}" type="slidenum">
               <a:rPr lang="zh-TW" altLang="en-US" smtClean="0"/>
-              <a:t>‹#›</a:t>
             </a:fld>
             <a:endParaRPr lang="zh-TW" altLang="en-US"/>
           </a:p>
         </p:txBody>
       </p:sp>
     </p:spTree>
-    <p:extLst>
-      <p:ext uri="{BB962C8B-B14F-4D97-AF65-F5344CB8AC3E}">
-        <p14:creationId xmlns:p14="http://schemas.microsoft.com/office/powerpoint/2010/main" val="4044887205"/>
-      </p:ext>
-    </p:extLst>
   </p:cSld>
   <p:clrMapOvr>
     <a:masterClrMapping/>
@@ -1883,7 +1918,7 @@
             <a:spLocks noGrp="1"/>
           </p:cNvSpPr>
           <p:nvPr>
-            <p:ph idx="1"/>
+            <p:ph idx="1" hasCustomPrompt="1"/>
           </p:nvPr>
         </p:nvSpPr>
         <p:spPr/>
@@ -1896,6 +1931,7 @@
               <a:rPr lang="zh-TW" altLang="en-US"/>
               <a:t>編輯母片文字樣式</a:t>
             </a:r>
+            <a:endParaRPr lang="zh-TW" altLang="en-US"/>
           </a:p>
           <a:p>
             <a:pPr lvl="1"/>
@@ -1903,6 +1939,7 @@
               <a:rPr lang="zh-TW" altLang="en-US"/>
               <a:t>第二層</a:t>
             </a:r>
+            <a:endParaRPr lang="zh-TW" altLang="en-US"/>
           </a:p>
           <a:p>
             <a:pPr lvl="2"/>
@@ -1910,6 +1947,7 @@
               <a:rPr lang="zh-TW" altLang="en-US"/>
               <a:t>第三層</a:t>
             </a:r>
+            <a:endParaRPr lang="zh-TW" altLang="en-US"/>
           </a:p>
           <a:p>
             <a:pPr lvl="3"/>
@@ -1917,6 +1955,7 @@
               <a:rPr lang="zh-TW" altLang="en-US"/>
               <a:t>第四層</a:t>
             </a:r>
+            <a:endParaRPr lang="zh-TW" altLang="en-US"/>
           </a:p>
           <a:p>
             <a:pPr lvl="4"/>
@@ -1945,7 +1984,6 @@
           <a:p>
             <a:fld id="{B18E1FDE-DAE6-48C1-9253-ABC673793861}" type="datetimeFigureOut">
               <a:rPr lang="zh-TW" altLang="en-US" smtClean="0"/>
-              <a:t>2024/12/17</a:t>
             </a:fld>
             <a:endParaRPr lang="zh-TW" altLang="en-US"/>
           </a:p>
@@ -1987,7 +2025,6 @@
           <a:p>
             <a:fld id="{9951BBF5-78C6-41D8-B2B9-17873B17A19E}" type="slidenum">
               <a:rPr lang="zh-TW" altLang="en-US" smtClean="0"/>
-              <a:t>‹#›</a:t>
             </a:fld>
             <a:endParaRPr lang="zh-TW" altLang="en-US"/>
           </a:p>
@@ -1995,13 +2032,7 @@
       </p:sp>
       <p:cxnSp>
         <p:nvCxnSpPr>
-          <p:cNvPr id="7" name="Straight Connector 9">
-            <a:extLst>
-              <a:ext uri="{FF2B5EF4-FFF2-40B4-BE49-F238E27FC236}">
-                <a16:creationId xmlns:a16="http://schemas.microsoft.com/office/drawing/2014/main" id="{C4969669-9B2B-4C54-BE61-E48DC9BAAB21}"/>
-              </a:ext>
-            </a:extLst>
-          </p:cNvPr>
+          <p:cNvPr id="7" name="Straight Connector 9"/>
           <p:cNvCxnSpPr/>
           <p:nvPr userDrawn="1"/>
         </p:nvCxnSpPr>
@@ -2038,11 +2069,6 @@
         </p:style>
       </p:cxnSp>
     </p:spTree>
-    <p:extLst>
-      <p:ext uri="{BB962C8B-B14F-4D97-AF65-F5344CB8AC3E}">
-        <p14:creationId xmlns:p14="http://schemas.microsoft.com/office/powerpoint/2010/main" val="303194631"/>
-      </p:ext>
-    </p:extLst>
   </p:cSld>
   <p:clrMapOvr>
     <a:masterClrMapping/>
@@ -2194,7 +2220,7 @@
             <a:spLocks noGrp="1"/>
           </p:cNvSpPr>
           <p:nvPr>
-            <p:ph type="body" idx="1"/>
+            <p:ph type="body" idx="1" hasCustomPrompt="1"/>
           </p:nvPr>
         </p:nvSpPr>
         <p:spPr>
@@ -2304,6 +2330,7 @@
               <a:rPr lang="zh-TW" altLang="en-US"/>
               <a:t>編輯母片文字樣式</a:t>
             </a:r>
+            <a:endParaRPr lang="zh-TW" altLang="en-US"/>
           </a:p>
         </p:txBody>
       </p:sp>
@@ -2324,7 +2351,6 @@
           <a:p>
             <a:fld id="{B18E1FDE-DAE6-48C1-9253-ABC673793861}" type="datetimeFigureOut">
               <a:rPr lang="zh-TW" altLang="en-US" smtClean="0"/>
-              <a:t>2024/12/17</a:t>
             </a:fld>
             <a:endParaRPr lang="zh-TW" altLang="en-US"/>
           </a:p>
@@ -2366,7 +2392,6 @@
           <a:p>
             <a:fld id="{9951BBF5-78C6-41D8-B2B9-17873B17A19E}" type="slidenum">
               <a:rPr lang="zh-TW" altLang="en-US" smtClean="0"/>
-              <a:t>‹#›</a:t>
             </a:fld>
             <a:endParaRPr lang="zh-TW" altLang="en-US"/>
           </a:p>
@@ -2411,11 +2436,6 @@
         </p:style>
       </p:cxnSp>
     </p:spTree>
-    <p:extLst>
-      <p:ext uri="{BB962C8B-B14F-4D97-AF65-F5344CB8AC3E}">
-        <p14:creationId xmlns:p14="http://schemas.microsoft.com/office/powerpoint/2010/main" val="683604141"/>
-      </p:ext>
-    </p:extLst>
   </p:cSld>
   <p:clrMapOvr>
     <a:masterClrMapping/>
@@ -2475,7 +2495,7 @@
             <a:spLocks noGrp="1"/>
           </p:cNvSpPr>
           <p:nvPr>
-            <p:ph sz="half" idx="1"/>
+            <p:ph sz="half" idx="1" hasCustomPrompt="1"/>
           </p:nvPr>
         </p:nvSpPr>
         <p:spPr>
@@ -2493,6 +2513,7 @@
               <a:rPr lang="zh-TW" altLang="en-US"/>
               <a:t>編輯母片文字樣式</a:t>
             </a:r>
+            <a:endParaRPr lang="zh-TW" altLang="en-US"/>
           </a:p>
           <a:p>
             <a:pPr lvl="1"/>
@@ -2500,6 +2521,7 @@
               <a:rPr lang="zh-TW" altLang="en-US"/>
               <a:t>第二層</a:t>
             </a:r>
+            <a:endParaRPr lang="zh-TW" altLang="en-US"/>
           </a:p>
           <a:p>
             <a:pPr lvl="2"/>
@@ -2507,6 +2529,7 @@
               <a:rPr lang="zh-TW" altLang="en-US"/>
               <a:t>第三層</a:t>
             </a:r>
+            <a:endParaRPr lang="zh-TW" altLang="en-US"/>
           </a:p>
           <a:p>
             <a:pPr lvl="3"/>
@@ -2514,6 +2537,7 @@
               <a:rPr lang="zh-TW" altLang="en-US"/>
               <a:t>第四層</a:t>
             </a:r>
+            <a:endParaRPr lang="zh-TW" altLang="en-US"/>
           </a:p>
           <a:p>
             <a:pPr lvl="4"/>
@@ -2532,7 +2556,7 @@
             <a:spLocks noGrp="1"/>
           </p:cNvSpPr>
           <p:nvPr>
-            <p:ph sz="half" idx="2"/>
+            <p:ph sz="half" idx="2" hasCustomPrompt="1"/>
           </p:nvPr>
         </p:nvSpPr>
         <p:spPr>
@@ -2550,6 +2574,7 @@
               <a:rPr lang="zh-TW" altLang="en-US"/>
               <a:t>編輯母片文字樣式</a:t>
             </a:r>
+            <a:endParaRPr lang="zh-TW" altLang="en-US"/>
           </a:p>
           <a:p>
             <a:pPr lvl="1"/>
@@ -2557,6 +2582,7 @@
               <a:rPr lang="zh-TW" altLang="en-US"/>
               <a:t>第二層</a:t>
             </a:r>
+            <a:endParaRPr lang="zh-TW" altLang="en-US"/>
           </a:p>
           <a:p>
             <a:pPr lvl="2"/>
@@ -2564,6 +2590,7 @@
               <a:rPr lang="zh-TW" altLang="en-US"/>
               <a:t>第三層</a:t>
             </a:r>
+            <a:endParaRPr lang="zh-TW" altLang="en-US"/>
           </a:p>
           <a:p>
             <a:pPr lvl="3"/>
@@ -2571,6 +2598,7 @@
               <a:rPr lang="zh-TW" altLang="en-US"/>
               <a:t>第四層</a:t>
             </a:r>
+            <a:endParaRPr lang="zh-TW" altLang="en-US"/>
           </a:p>
           <a:p>
             <a:pPr lvl="4"/>
@@ -2599,7 +2627,6 @@
           <a:p>
             <a:fld id="{B18E1FDE-DAE6-48C1-9253-ABC673793861}" type="datetimeFigureOut">
               <a:rPr lang="zh-TW" altLang="en-US" smtClean="0"/>
-              <a:t>2024/12/17</a:t>
             </a:fld>
             <a:endParaRPr lang="zh-TW" altLang="en-US"/>
           </a:p>
@@ -2641,18 +2668,12 @@
           <a:p>
             <a:fld id="{9951BBF5-78C6-41D8-B2B9-17873B17A19E}" type="slidenum">
               <a:rPr lang="zh-TW" altLang="en-US" smtClean="0"/>
-              <a:t>‹#›</a:t>
             </a:fld>
             <a:endParaRPr lang="zh-TW" altLang="en-US"/>
           </a:p>
         </p:txBody>
       </p:sp>
     </p:spTree>
-    <p:extLst>
-      <p:ext uri="{BB962C8B-B14F-4D97-AF65-F5344CB8AC3E}">
-        <p14:creationId xmlns:p14="http://schemas.microsoft.com/office/powerpoint/2010/main" val="3137366155"/>
-      </p:ext>
-    </p:extLst>
   </p:cSld>
   <p:clrMapOvr>
     <a:masterClrMapping/>
@@ -2712,7 +2733,7 @@
             <a:spLocks noGrp="1"/>
           </p:cNvSpPr>
           <p:nvPr>
-            <p:ph type="body" idx="1"/>
+            <p:ph type="body" idx="1" hasCustomPrompt="1"/>
           </p:nvPr>
         </p:nvSpPr>
         <p:spPr>
@@ -2773,6 +2794,7 @@
               <a:rPr lang="zh-TW" altLang="en-US"/>
               <a:t>編輯母片文字樣式</a:t>
             </a:r>
+            <a:endParaRPr lang="zh-TW" altLang="en-US"/>
           </a:p>
         </p:txBody>
       </p:sp>
@@ -2783,7 +2805,7 @@
             <a:spLocks noGrp="1"/>
           </p:cNvSpPr>
           <p:nvPr>
-            <p:ph sz="half" idx="2"/>
+            <p:ph sz="half" idx="2" hasCustomPrompt="1"/>
           </p:nvPr>
         </p:nvSpPr>
         <p:spPr>
@@ -2801,6 +2823,7 @@
               <a:rPr lang="zh-TW" altLang="en-US"/>
               <a:t>編輯母片文字樣式</a:t>
             </a:r>
+            <a:endParaRPr lang="zh-TW" altLang="en-US"/>
           </a:p>
           <a:p>
             <a:pPr lvl="1"/>
@@ -2808,6 +2831,7 @@
               <a:rPr lang="zh-TW" altLang="en-US"/>
               <a:t>第二層</a:t>
             </a:r>
+            <a:endParaRPr lang="zh-TW" altLang="en-US"/>
           </a:p>
           <a:p>
             <a:pPr lvl="2"/>
@@ -2815,6 +2839,7 @@
               <a:rPr lang="zh-TW" altLang="en-US"/>
               <a:t>第三層</a:t>
             </a:r>
+            <a:endParaRPr lang="zh-TW" altLang="en-US"/>
           </a:p>
           <a:p>
             <a:pPr lvl="3"/>
@@ -2822,6 +2847,7 @@
               <a:rPr lang="zh-TW" altLang="en-US"/>
               <a:t>第四層</a:t>
             </a:r>
+            <a:endParaRPr lang="zh-TW" altLang="en-US"/>
           </a:p>
           <a:p>
             <a:pPr lvl="4"/>
@@ -2840,7 +2866,7 @@
             <a:spLocks noGrp="1"/>
           </p:cNvSpPr>
           <p:nvPr>
-            <p:ph type="body" sz="quarter" idx="3"/>
+            <p:ph type="body" sz="quarter" idx="3" hasCustomPrompt="1"/>
           </p:nvPr>
         </p:nvSpPr>
         <p:spPr>
@@ -2901,6 +2927,7 @@
               <a:rPr lang="zh-TW" altLang="en-US"/>
               <a:t>編輯母片文字樣式</a:t>
             </a:r>
+            <a:endParaRPr lang="zh-TW" altLang="en-US"/>
           </a:p>
         </p:txBody>
       </p:sp>
@@ -2911,7 +2938,7 @@
             <a:spLocks noGrp="1"/>
           </p:cNvSpPr>
           <p:nvPr>
-            <p:ph sz="quarter" idx="4"/>
+            <p:ph sz="quarter" idx="4" hasCustomPrompt="1"/>
           </p:nvPr>
         </p:nvSpPr>
         <p:spPr>
@@ -2929,6 +2956,7 @@
               <a:rPr lang="zh-TW" altLang="en-US"/>
               <a:t>編輯母片文字樣式</a:t>
             </a:r>
+            <a:endParaRPr lang="zh-TW" altLang="en-US"/>
           </a:p>
           <a:p>
             <a:pPr lvl="1"/>
@@ -2936,6 +2964,7 @@
               <a:rPr lang="zh-TW" altLang="en-US"/>
               <a:t>第二層</a:t>
             </a:r>
+            <a:endParaRPr lang="zh-TW" altLang="en-US"/>
           </a:p>
           <a:p>
             <a:pPr lvl="2"/>
@@ -2943,6 +2972,7 @@
               <a:rPr lang="zh-TW" altLang="en-US"/>
               <a:t>第三層</a:t>
             </a:r>
+            <a:endParaRPr lang="zh-TW" altLang="en-US"/>
           </a:p>
           <a:p>
             <a:pPr lvl="3"/>
@@ -2950,6 +2980,7 @@
               <a:rPr lang="zh-TW" altLang="en-US"/>
               <a:t>第四層</a:t>
             </a:r>
+            <a:endParaRPr lang="zh-TW" altLang="en-US"/>
           </a:p>
           <a:p>
             <a:pPr lvl="4"/>
@@ -2978,7 +3009,6 @@
           <a:p>
             <a:fld id="{B18E1FDE-DAE6-48C1-9253-ABC673793861}" type="datetimeFigureOut">
               <a:rPr lang="zh-TW" altLang="en-US" smtClean="0"/>
-              <a:t>2024/12/17</a:t>
             </a:fld>
             <a:endParaRPr lang="zh-TW" altLang="en-US"/>
           </a:p>
@@ -3020,18 +3050,12 @@
           <a:p>
             <a:fld id="{9951BBF5-78C6-41D8-B2B9-17873B17A19E}" type="slidenum">
               <a:rPr lang="zh-TW" altLang="en-US" smtClean="0"/>
-              <a:t>‹#›</a:t>
             </a:fld>
             <a:endParaRPr lang="zh-TW" altLang="en-US"/>
           </a:p>
         </p:txBody>
       </p:sp>
     </p:spTree>
-    <p:extLst>
-      <p:ext uri="{BB962C8B-B14F-4D97-AF65-F5344CB8AC3E}">
-        <p14:creationId xmlns:p14="http://schemas.microsoft.com/office/powerpoint/2010/main" val="206029971"/>
-      </p:ext>
-    </p:extLst>
   </p:cSld>
   <p:clrMapOvr>
     <a:masterClrMapping/>
@@ -3096,7 +3120,6 @@
           <a:p>
             <a:fld id="{B18E1FDE-DAE6-48C1-9253-ABC673793861}" type="datetimeFigureOut">
               <a:rPr lang="zh-TW" altLang="en-US" smtClean="0"/>
-              <a:t>2024/12/17</a:t>
             </a:fld>
             <a:endParaRPr lang="zh-TW" altLang="en-US"/>
           </a:p>
@@ -3138,18 +3161,12 @@
           <a:p>
             <a:fld id="{9951BBF5-78C6-41D8-B2B9-17873B17A19E}" type="slidenum">
               <a:rPr lang="zh-TW" altLang="en-US" smtClean="0"/>
-              <a:t>‹#›</a:t>
             </a:fld>
             <a:endParaRPr lang="zh-TW" altLang="en-US"/>
           </a:p>
         </p:txBody>
       </p:sp>
     </p:spTree>
-    <p:extLst>
-      <p:ext uri="{BB962C8B-B14F-4D97-AF65-F5344CB8AC3E}">
-        <p14:creationId xmlns:p14="http://schemas.microsoft.com/office/powerpoint/2010/main" val="1474466041"/>
-      </p:ext>
-    </p:extLst>
   </p:cSld>
   <p:clrMapOvr>
     <a:masterClrMapping/>
@@ -3267,7 +3284,6 @@
           <a:p>
             <a:fld id="{B18E1FDE-DAE6-48C1-9253-ABC673793861}" type="datetimeFigureOut">
               <a:rPr lang="zh-TW" altLang="en-US" smtClean="0"/>
-              <a:t>2024/12/17</a:t>
             </a:fld>
             <a:endParaRPr lang="zh-TW" altLang="en-US"/>
           </a:p>
@@ -3317,18 +3333,12 @@
           <a:p>
             <a:fld id="{9951BBF5-78C6-41D8-B2B9-17873B17A19E}" type="slidenum">
               <a:rPr lang="zh-TW" altLang="en-US" smtClean="0"/>
-              <a:t>‹#›</a:t>
             </a:fld>
             <a:endParaRPr lang="zh-TW" altLang="en-US"/>
           </a:p>
         </p:txBody>
       </p:sp>
     </p:spTree>
-    <p:extLst>
-      <p:ext uri="{BB962C8B-B14F-4D97-AF65-F5344CB8AC3E}">
-        <p14:creationId xmlns:p14="http://schemas.microsoft.com/office/powerpoint/2010/main" val="2776142014"/>
-      </p:ext>
-    </p:extLst>
   </p:cSld>
   <p:clrMapOvr>
     <a:masterClrMapping/>
@@ -3474,7 +3484,7 @@
             <a:spLocks noGrp="1"/>
           </p:cNvSpPr>
           <p:nvPr>
-            <p:ph idx="1"/>
+            <p:ph idx="1" hasCustomPrompt="1"/>
           </p:nvPr>
         </p:nvSpPr>
         <p:spPr>
@@ -3492,6 +3502,7 @@
               <a:rPr lang="zh-TW" altLang="en-US"/>
               <a:t>編輯母片文字樣式</a:t>
             </a:r>
+            <a:endParaRPr lang="zh-TW" altLang="en-US"/>
           </a:p>
           <a:p>
             <a:pPr lvl="1"/>
@@ -3499,6 +3510,7 @@
               <a:rPr lang="zh-TW" altLang="en-US"/>
               <a:t>第二層</a:t>
             </a:r>
+            <a:endParaRPr lang="zh-TW" altLang="en-US"/>
           </a:p>
           <a:p>
             <a:pPr lvl="2"/>
@@ -3506,6 +3518,7 @@
               <a:rPr lang="zh-TW" altLang="en-US"/>
               <a:t>第三層</a:t>
             </a:r>
+            <a:endParaRPr lang="zh-TW" altLang="en-US"/>
           </a:p>
           <a:p>
             <a:pPr lvl="3"/>
@@ -3513,6 +3526,7 @@
               <a:rPr lang="zh-TW" altLang="en-US"/>
               <a:t>第四層</a:t>
             </a:r>
+            <a:endParaRPr lang="zh-TW" altLang="en-US"/>
           </a:p>
           <a:p>
             <a:pPr lvl="4"/>
@@ -3531,7 +3545,7 @@
             <a:spLocks noGrp="1"/>
           </p:cNvSpPr>
           <p:nvPr>
-            <p:ph type="body" sz="half" idx="2"/>
+            <p:ph type="body" sz="half" idx="2" hasCustomPrompt="1"/>
           </p:nvPr>
         </p:nvSpPr>
         <p:spPr>
@@ -3592,6 +3606,7 @@
               <a:rPr lang="zh-TW" altLang="en-US"/>
               <a:t>編輯母片文字樣式</a:t>
             </a:r>
+            <a:endParaRPr lang="zh-TW" altLang="en-US"/>
           </a:p>
         </p:txBody>
       </p:sp>
@@ -3621,7 +3636,6 @@
           <a:p>
             <a:fld id="{B18E1FDE-DAE6-48C1-9253-ABC673793861}" type="datetimeFigureOut">
               <a:rPr lang="zh-TW" altLang="en-US" smtClean="0"/>
-              <a:t>2024/12/17</a:t>
             </a:fld>
             <a:endParaRPr lang="zh-TW" altLang="en-US"/>
           </a:p>
@@ -3684,18 +3698,12 @@
           <a:p>
             <a:fld id="{9951BBF5-78C6-41D8-B2B9-17873B17A19E}" type="slidenum">
               <a:rPr lang="zh-TW" altLang="en-US" smtClean="0"/>
-              <a:t>‹#›</a:t>
             </a:fld>
             <a:endParaRPr lang="zh-TW" altLang="en-US"/>
           </a:p>
         </p:txBody>
       </p:sp>
     </p:spTree>
-    <p:extLst>
-      <p:ext uri="{BB962C8B-B14F-4D97-AF65-F5344CB8AC3E}">
-        <p14:creationId xmlns:p14="http://schemas.microsoft.com/office/powerpoint/2010/main" val="4115140877"/>
-      </p:ext>
-    </p:extLst>
   </p:cSld>
   <p:clrMapOvr>
     <a:masterClrMapping/>
@@ -3916,7 +3924,7 @@
             <a:spLocks noGrp="1"/>
           </p:cNvSpPr>
           <p:nvPr>
-            <p:ph type="body" sz="half" idx="2"/>
+            <p:ph type="body" sz="half" idx="2" hasCustomPrompt="1"/>
           </p:nvPr>
         </p:nvSpPr>
         <p:spPr>
@@ -3983,6 +3991,7 @@
               <a:rPr lang="zh-TW" altLang="en-US"/>
               <a:t>編輯母片文字樣式</a:t>
             </a:r>
+            <a:endParaRPr lang="zh-TW" altLang="en-US"/>
           </a:p>
         </p:txBody>
       </p:sp>
@@ -4003,7 +4012,6 @@
           <a:p>
             <a:fld id="{B18E1FDE-DAE6-48C1-9253-ABC673793861}" type="datetimeFigureOut">
               <a:rPr lang="zh-TW" altLang="en-US" smtClean="0"/>
-              <a:t>2024/12/17</a:t>
             </a:fld>
             <a:endParaRPr lang="zh-TW" altLang="en-US"/>
           </a:p>
@@ -4045,18 +4053,12 @@
           <a:p>
             <a:fld id="{9951BBF5-78C6-41D8-B2B9-17873B17A19E}" type="slidenum">
               <a:rPr lang="zh-TW" altLang="en-US" smtClean="0"/>
-              <a:t>‹#›</a:t>
             </a:fld>
             <a:endParaRPr lang="zh-TW" altLang="en-US"/>
           </a:p>
         </p:txBody>
       </p:sp>
     </p:spTree>
-    <p:extLst>
-      <p:ext uri="{BB962C8B-B14F-4D97-AF65-F5344CB8AC3E}">
-        <p14:creationId xmlns:p14="http://schemas.microsoft.com/office/powerpoint/2010/main" val="1538663678"/>
-      </p:ext>
-    </p:extLst>
   </p:cSld>
   <p:clrMapOvr>
     <a:masterClrMapping/>
@@ -4255,6 +4257,7 @@
               <a:rPr lang="zh-TW" altLang="en-US"/>
               <a:t>編輯母片文字樣式</a:t>
             </a:r>
+            <a:endParaRPr lang="zh-TW" altLang="en-US"/>
           </a:p>
           <a:p>
             <a:pPr lvl="1"/>
@@ -4262,6 +4265,7 @@
               <a:rPr lang="zh-TW" altLang="en-US"/>
               <a:t>第二層</a:t>
             </a:r>
+            <a:endParaRPr lang="zh-TW" altLang="en-US"/>
           </a:p>
           <a:p>
             <a:pPr lvl="2"/>
@@ -4269,6 +4273,7 @@
               <a:rPr lang="zh-TW" altLang="en-US"/>
               <a:t>第三層</a:t>
             </a:r>
+            <a:endParaRPr lang="zh-TW" altLang="en-US"/>
           </a:p>
           <a:p>
             <a:pPr lvl="3"/>
@@ -4276,6 +4281,7 @@
               <a:rPr lang="zh-TW" altLang="en-US"/>
               <a:t>第四層</a:t>
             </a:r>
+            <a:endParaRPr lang="zh-TW" altLang="en-US"/>
           </a:p>
           <a:p>
             <a:pPr lvl="4"/>
@@ -4320,7 +4326,6 @@
           <a:p>
             <a:fld id="{B18E1FDE-DAE6-48C1-9253-ABC673793861}" type="datetimeFigureOut">
               <a:rPr lang="zh-TW" altLang="en-US" smtClean="0"/>
-              <a:t>2024/12/17</a:t>
             </a:fld>
             <a:endParaRPr lang="zh-TW" altLang="en-US"/>
           </a:p>
@@ -4394,32 +4399,26 @@
           <a:p>
             <a:fld id="{9951BBF5-78C6-41D8-B2B9-17873B17A19E}" type="slidenum">
               <a:rPr lang="zh-TW" altLang="en-US" smtClean="0"/>
-              <a:t>‹#›</a:t>
             </a:fld>
             <a:endParaRPr lang="zh-TW" altLang="en-US"/>
           </a:p>
         </p:txBody>
       </p:sp>
     </p:spTree>
-    <p:extLst>
-      <p:ext uri="{BB962C8B-B14F-4D97-AF65-F5344CB8AC3E}">
-        <p14:creationId xmlns:p14="http://schemas.microsoft.com/office/powerpoint/2010/main" val="3914554926"/>
-      </p:ext>
-    </p:extLst>
   </p:cSld>
   <p:clrMap bg1="lt1" tx1="dk1" bg2="lt2" tx2="dk2" accent1="accent1" accent2="accent2" accent3="accent3" accent4="accent4" accent5="accent5" accent6="accent6" hlink="hlink" folHlink="folHlink"/>
   <p:sldLayoutIdLst>
-    <p:sldLayoutId id="2147483739" r:id="rId1"/>
-    <p:sldLayoutId id="2147483740" r:id="rId2"/>
-    <p:sldLayoutId id="2147483741" r:id="rId3"/>
-    <p:sldLayoutId id="2147483742" r:id="rId4"/>
-    <p:sldLayoutId id="2147483743" r:id="rId5"/>
-    <p:sldLayoutId id="2147483744" r:id="rId6"/>
-    <p:sldLayoutId id="2147483745" r:id="rId7"/>
-    <p:sldLayoutId id="2147483746" r:id="rId8"/>
-    <p:sldLayoutId id="2147483747" r:id="rId9"/>
-    <p:sldLayoutId id="2147483748" r:id="rId10"/>
-    <p:sldLayoutId id="2147483749" r:id="rId11"/>
+    <p:sldLayoutId id="2147483649" r:id="rId1"/>
+    <p:sldLayoutId id="2147483650" r:id="rId2"/>
+    <p:sldLayoutId id="2147483651" r:id="rId3"/>
+    <p:sldLayoutId id="2147483652" r:id="rId4"/>
+    <p:sldLayoutId id="2147483653" r:id="rId5"/>
+    <p:sldLayoutId id="2147483654" r:id="rId6"/>
+    <p:sldLayoutId id="2147483655" r:id="rId7"/>
+    <p:sldLayoutId id="2147483656" r:id="rId8"/>
+    <p:sldLayoutId id="2147483657" r:id="rId9"/>
+    <p:sldLayoutId id="2147483658" r:id="rId10"/>
+    <p:sldLayoutId id="2147483659" r:id="rId11"/>
   </p:sldLayoutIdLst>
   <p:txStyles>
     <p:titleStyle>
@@ -4473,7 +4472,7 @@
           <a:cs typeface="+mn-cs"/>
         </a:defRPr>
       </a:lvl1pPr>
-      <a:lvl2pPr marL="384048" indent="-182880" algn="l" defTabSz="914400" rtl="0" eaLnBrk="1" latinLnBrk="0" hangingPunct="1">
+      <a:lvl2pPr marL="384175" indent="-182880" algn="l" defTabSz="914400" rtl="0" eaLnBrk="1" latinLnBrk="0" hangingPunct="1">
         <a:lnSpc>
           <a:spcPct val="90000"/>
         </a:lnSpc>
@@ -4486,7 +4485,7 @@
         <a:buClr>
           <a:schemeClr val="accent1"/>
         </a:buClr>
-        <a:buFont typeface="Calibri" pitchFamily="34" charset="0"/>
+        <a:buFont typeface="Calibri" panose="020F0502020204030204" pitchFamily="34" charset="0"/>
         <a:buChar char="◦"/>
         <a:defRPr sz="1800" kern="1200">
           <a:solidFill>
@@ -4500,7 +4499,7 @@
           <a:cs typeface="+mn-cs"/>
         </a:defRPr>
       </a:lvl2pPr>
-      <a:lvl3pPr marL="566928" indent="-182880" algn="l" defTabSz="914400" rtl="0" eaLnBrk="1" latinLnBrk="0" hangingPunct="1">
+      <a:lvl3pPr marL="567055" indent="-182880" algn="l" defTabSz="914400" rtl="0" eaLnBrk="1" latinLnBrk="0" hangingPunct="1">
         <a:lnSpc>
           <a:spcPct val="90000"/>
         </a:lnSpc>
@@ -4513,7 +4512,7 @@
         <a:buClr>
           <a:schemeClr val="accent1"/>
         </a:buClr>
-        <a:buFont typeface="Calibri" pitchFamily="34" charset="0"/>
+        <a:buFont typeface="Calibri" panose="020F0502020204030204" pitchFamily="34" charset="0"/>
         <a:buChar char="◦"/>
         <a:defRPr sz="1400" kern="1200">
           <a:solidFill>
@@ -4527,7 +4526,7 @@
           <a:cs typeface="+mn-cs"/>
         </a:defRPr>
       </a:lvl3pPr>
-      <a:lvl4pPr marL="749808" indent="-182880" algn="l" defTabSz="914400" rtl="0" eaLnBrk="1" latinLnBrk="0" hangingPunct="1">
+      <a:lvl4pPr marL="749935" indent="-182880" algn="l" defTabSz="914400" rtl="0" eaLnBrk="1" latinLnBrk="0" hangingPunct="1">
         <a:lnSpc>
           <a:spcPct val="90000"/>
         </a:lnSpc>
@@ -4540,7 +4539,7 @@
         <a:buClr>
           <a:schemeClr val="accent1"/>
         </a:buClr>
-        <a:buFont typeface="Calibri" pitchFamily="34" charset="0"/>
+        <a:buFont typeface="Calibri" panose="020F0502020204030204" pitchFamily="34" charset="0"/>
         <a:buChar char="◦"/>
         <a:defRPr sz="1400" kern="1200">
           <a:solidFill>
@@ -4554,7 +4553,7 @@
           <a:cs typeface="+mn-cs"/>
         </a:defRPr>
       </a:lvl4pPr>
-      <a:lvl5pPr marL="932688" indent="-182880" algn="l" defTabSz="914400" rtl="0" eaLnBrk="1" latinLnBrk="0" hangingPunct="1">
+      <a:lvl5pPr marL="932815" indent="-182880" algn="l" defTabSz="914400" rtl="0" eaLnBrk="1" latinLnBrk="0" hangingPunct="1">
         <a:lnSpc>
           <a:spcPct val="90000"/>
         </a:lnSpc>
@@ -4567,7 +4566,7 @@
         <a:buClr>
           <a:schemeClr val="accent1"/>
         </a:buClr>
-        <a:buFont typeface="Calibri" pitchFamily="34" charset="0"/>
+        <a:buFont typeface="Calibri" panose="020F0502020204030204" pitchFamily="34" charset="0"/>
         <a:buChar char="◦"/>
         <a:defRPr sz="1400" kern="1200">
           <a:solidFill>
@@ -4581,7 +4580,7 @@
           <a:cs typeface="+mn-cs"/>
         </a:defRPr>
       </a:lvl5pPr>
-      <a:lvl6pPr marL="1100000" indent="-228600" algn="l" defTabSz="914400" rtl="0" eaLnBrk="1" latinLnBrk="0" hangingPunct="1">
+      <a:lvl6pPr marL="1099820" indent="-228600" algn="l" defTabSz="914400" rtl="0" eaLnBrk="1" latinLnBrk="0" hangingPunct="1">
         <a:lnSpc>
           <a:spcPct val="90000"/>
         </a:lnSpc>
@@ -4594,7 +4593,7 @@
         <a:buClr>
           <a:schemeClr val="accent1"/>
         </a:buClr>
-        <a:buFont typeface="Calibri" pitchFamily="34" charset="0"/>
+        <a:buFont typeface="Calibri" panose="020F0502020204030204" pitchFamily="34" charset="0"/>
         <a:buChar char="◦"/>
         <a:defRPr sz="1400" kern="1200">
           <a:solidFill>
@@ -4608,7 +4607,7 @@
           <a:cs typeface="+mn-cs"/>
         </a:defRPr>
       </a:lvl6pPr>
-      <a:lvl7pPr marL="1300000" indent="-228600" algn="l" defTabSz="914400" rtl="0" eaLnBrk="1" latinLnBrk="0" hangingPunct="1">
+      <a:lvl7pPr marL="1299845" indent="-228600" algn="l" defTabSz="914400" rtl="0" eaLnBrk="1" latinLnBrk="0" hangingPunct="1">
         <a:lnSpc>
           <a:spcPct val="90000"/>
         </a:lnSpc>
@@ -4621,7 +4620,7 @@
         <a:buClr>
           <a:schemeClr val="accent1"/>
         </a:buClr>
-        <a:buFont typeface="Calibri" pitchFamily="34" charset="0"/>
+        <a:buFont typeface="Calibri" panose="020F0502020204030204" pitchFamily="34" charset="0"/>
         <a:buChar char="◦"/>
         <a:defRPr sz="1400" kern="1200">
           <a:solidFill>
@@ -4635,7 +4634,7 @@
           <a:cs typeface="+mn-cs"/>
         </a:defRPr>
       </a:lvl7pPr>
-      <a:lvl8pPr marL="1500000" indent="-228600" algn="l" defTabSz="914400" rtl="0" eaLnBrk="1" latinLnBrk="0" hangingPunct="1">
+      <a:lvl8pPr marL="1499870" indent="-228600" algn="l" defTabSz="914400" rtl="0" eaLnBrk="1" latinLnBrk="0" hangingPunct="1">
         <a:lnSpc>
           <a:spcPct val="90000"/>
         </a:lnSpc>
@@ -4648,7 +4647,7 @@
         <a:buClr>
           <a:schemeClr val="accent1"/>
         </a:buClr>
-        <a:buFont typeface="Calibri" pitchFamily="34" charset="0"/>
+        <a:buFont typeface="Calibri" panose="020F0502020204030204" pitchFamily="34" charset="0"/>
         <a:buChar char="◦"/>
         <a:defRPr sz="1400" kern="1200">
           <a:solidFill>
@@ -4662,7 +4661,7 @@
           <a:cs typeface="+mn-cs"/>
         </a:defRPr>
       </a:lvl8pPr>
-      <a:lvl9pPr marL="1700000" indent="-228600" algn="l" defTabSz="914400" rtl="0" eaLnBrk="1" latinLnBrk="0" hangingPunct="1">
+      <a:lvl9pPr marL="1699895" indent="-228600" algn="l" defTabSz="914400" rtl="0" eaLnBrk="1" latinLnBrk="0" hangingPunct="1">
         <a:lnSpc>
           <a:spcPct val="90000"/>
         </a:lnSpc>
@@ -4675,7 +4674,7 @@
         <a:buClr>
           <a:schemeClr val="accent1"/>
         </a:buClr>
-        <a:buFont typeface="Calibri" pitchFamily="34" charset="0"/>
+        <a:buFont typeface="Calibri" panose="020F0502020204030204" pitchFamily="34" charset="0"/>
         <a:buChar char="◦"/>
         <a:defRPr sz="1400" kern="1200">
           <a:solidFill>
@@ -4808,13 +4807,7 @@
       </p:grpSpPr>
       <p:sp>
         <p:nvSpPr>
-          <p:cNvPr id="2" name="標題 1">
-            <a:extLst>
-              <a:ext uri="{FF2B5EF4-FFF2-40B4-BE49-F238E27FC236}">
-                <a16:creationId xmlns:a16="http://schemas.microsoft.com/office/drawing/2014/main" id="{1878EE54-3A0B-463A-96AC-A9BD826BDC0B}"/>
-              </a:ext>
-            </a:extLst>
-          </p:cNvPr>
+          <p:cNvPr id="2" name="標題 1"/>
           <p:cNvSpPr>
             <a:spLocks noGrp="1"/>
           </p:cNvSpPr>
@@ -4870,18 +4863,21 @@
               </a:rPr>
               <a:t>電動機車充電站設點規劃</a:t>
             </a:r>
+            <a:endParaRPr lang="zh-TW" altLang="en-US" sz="4000" dirty="0">
+              <a:solidFill>
+                <a:schemeClr val="accent3">
+                  <a:lumMod val="75000"/>
+                </a:schemeClr>
+              </a:solidFill>
+              <a:latin typeface="標楷體" panose="03000509000000000000" pitchFamily="65" charset="-120"/>
+              <a:ea typeface="標楷體" panose="03000509000000000000" pitchFamily="65" charset="-120"/>
+            </a:endParaRPr>
           </a:p>
         </p:txBody>
       </p:sp>
       <p:sp>
         <p:nvSpPr>
-          <p:cNvPr id="3" name="副標題 2">
-            <a:extLst>
-              <a:ext uri="{FF2B5EF4-FFF2-40B4-BE49-F238E27FC236}">
-                <a16:creationId xmlns:a16="http://schemas.microsoft.com/office/drawing/2014/main" id="{EA36C61D-4751-4E2D-AD7E-EFAD9FDE9B27}"/>
-              </a:ext>
-            </a:extLst>
-          </p:cNvPr>
+          <p:cNvPr id="3" name="副標題 2"/>
           <p:cNvSpPr>
             <a:spLocks noGrp="1"/>
           </p:cNvSpPr>
@@ -4970,25 +4966,26 @@
               </a:rPr>
               <a:t>孫榕陽、賴豐文</a:t>
             </a:r>
+            <a:endParaRPr lang="zh-TW" altLang="en-US" sz="3200" dirty="0">
+              <a:solidFill>
+                <a:schemeClr val="tx1"/>
+              </a:solidFill>
+              <a:latin typeface="標楷體" panose="03000509000000000000" pitchFamily="65" charset="-120"/>
+              <a:ea typeface="標楷體" panose="03000509000000000000" pitchFamily="65" charset="-120"/>
+            </a:endParaRPr>
           </a:p>
         </p:txBody>
       </p:sp>
       <p:pic>
         <p:nvPicPr>
-          <p:cNvPr id="5" name="圖片 4">
-            <a:extLst>
-              <a:ext uri="{FF2B5EF4-FFF2-40B4-BE49-F238E27FC236}">
-                <a16:creationId xmlns:a16="http://schemas.microsoft.com/office/drawing/2014/main" id="{E8C34372-F3D9-4074-8F64-4D690D6BBB46}"/>
-              </a:ext>
-            </a:extLst>
-          </p:cNvPr>
+          <p:cNvPr id="5" name="圖片 4"/>
           <p:cNvPicPr>
             <a:picLocks noChangeAspect="1"/>
           </p:cNvPicPr>
           <p:nvPr/>
         </p:nvPicPr>
         <p:blipFill>
-          <a:blip r:embed="rId2">
+          <a:blip r:embed="rId1">
             <a:extLst>
               <a:ext uri="{28A0092B-C50C-407E-A947-70E740481C1C}">
                 <a14:useLocalDpi xmlns:a14="http://schemas.microsoft.com/office/drawing/2010/main" val="0"/>
@@ -5011,16 +5008,8 @@
       </p:pic>
       <p:cxnSp>
         <p:nvCxnSpPr>
-          <p:cNvPr id="7" name="直線接點 6">
-            <a:extLst>
-              <a:ext uri="{FF2B5EF4-FFF2-40B4-BE49-F238E27FC236}">
-                <a16:creationId xmlns:a16="http://schemas.microsoft.com/office/drawing/2014/main" id="{C4D24D44-3CEE-444C-9AB6-967310984DE5}"/>
-              </a:ext>
-            </a:extLst>
-          </p:cNvPr>
-          <p:cNvCxnSpPr>
-            <a:cxnSpLocks/>
-          </p:cNvCxnSpPr>
+          <p:cNvPr id="7" name="直線接點 6"/>
+          <p:cNvCxnSpPr/>
           <p:nvPr/>
         </p:nvCxnSpPr>
         <p:spPr>
@@ -5055,11 +5044,6 @@
         </p:style>
       </p:cxnSp>
     </p:spTree>
-    <p:extLst>
-      <p:ext uri="{BB962C8B-B14F-4D97-AF65-F5344CB8AC3E}">
-        <p14:creationId xmlns:p14="http://schemas.microsoft.com/office/powerpoint/2010/main" val="976131253"/>
-      </p:ext>
-    </p:extLst>
   </p:cSld>
   <p:clrMapOvr>
     <a:masterClrMapping/>
@@ -5086,16 +5070,8 @@
       </p:grpSpPr>
       <p:sp>
         <p:nvSpPr>
-          <p:cNvPr id="4" name="標題 1">
-            <a:extLst>
-              <a:ext uri="{FF2B5EF4-FFF2-40B4-BE49-F238E27FC236}">
-                <a16:creationId xmlns:a16="http://schemas.microsoft.com/office/drawing/2014/main" id="{D7E30C2A-9546-422A-9765-8814855E64F7}"/>
-              </a:ext>
-            </a:extLst>
-          </p:cNvPr>
-          <p:cNvSpPr txBox="1">
-            <a:spLocks/>
-          </p:cNvSpPr>
+          <p:cNvPr id="4" name="標題 1"/>
+          <p:cNvSpPr txBox="1"/>
           <p:nvPr/>
         </p:nvSpPr>
         <p:spPr>
@@ -5143,13 +5119,7 @@
       </p:sp>
       <p:sp>
         <p:nvSpPr>
-          <p:cNvPr id="27" name="矩形 26">
-            <a:extLst>
-              <a:ext uri="{FF2B5EF4-FFF2-40B4-BE49-F238E27FC236}">
-                <a16:creationId xmlns:a16="http://schemas.microsoft.com/office/drawing/2014/main" id="{7EC4CFB8-CFBF-4976-840B-94C383009C5A}"/>
-              </a:ext>
-            </a:extLst>
-          </p:cNvPr>
+          <p:cNvPr id="27" name="矩形 26"/>
           <p:cNvSpPr/>
           <p:nvPr/>
         </p:nvSpPr>
@@ -5211,6 +5181,10 @@
               </a:rPr>
               <a:t>:</a:t>
             </a:r>
+            <a:endParaRPr lang="en-US" altLang="zh-TW" b="1" dirty="0">
+              <a:latin typeface="微軟正黑體" panose="020B0604030504040204" pitchFamily="34" charset="-120"/>
+              <a:ea typeface="微軟正黑體" panose="020B0604030504040204" pitchFamily="34" charset="-120"/>
+            </a:endParaRPr>
           </a:p>
           <a:p>
             <a:pPr>
@@ -5305,6 +5279,10 @@
               </a:rPr>
               <a:t>（宏平均）</a:t>
             </a:r>
+            <a:endParaRPr lang="zh-TW" altLang="en-US" b="1" dirty="0">
+              <a:latin typeface="微軟正黑體" panose="020B0604030504040204" pitchFamily="34" charset="-120"/>
+              <a:ea typeface="微軟正黑體" panose="020B0604030504040204" pitchFamily="34" charset="-120"/>
+            </a:endParaRPr>
           </a:p>
           <a:p>
             <a:pPr>
@@ -5359,13 +5337,7 @@
       </p:sp>
       <p:sp>
         <p:nvSpPr>
-          <p:cNvPr id="11" name="標題 1">
-            <a:extLst>
-              <a:ext uri="{FF2B5EF4-FFF2-40B4-BE49-F238E27FC236}">
-                <a16:creationId xmlns:a16="http://schemas.microsoft.com/office/drawing/2014/main" id="{7782ACE9-24DA-4AE3-822A-7BAED55E9316}"/>
-              </a:ext>
-            </a:extLst>
-          </p:cNvPr>
+          <p:cNvPr id="11" name="標題 1"/>
           <p:cNvSpPr>
             <a:spLocks noGrp="1"/>
           </p:cNvSpPr>
@@ -5381,82 +5353,10 @@
         </p:spPr>
         <p:txBody>
           <a:bodyPr>
-            <a:normAutofit fontScale="90000"/>
+            <a:normAutofit/>
           </a:bodyPr>
           <a:lstStyle/>
           <a:p>
-            <a:br>
-              <a:rPr lang="en-US" altLang="zh-TW" dirty="0">
-                <a:latin typeface="標楷體" panose="03000509000000000000" pitchFamily="65" charset="-120"/>
-                <a:ea typeface="標楷體" panose="03000509000000000000" pitchFamily="65" charset="-120"/>
-              </a:rPr>
-            </a:br>
-            <a:br>
-              <a:rPr lang="en-US" altLang="zh-TW" dirty="0">
-                <a:latin typeface="標楷體" panose="03000509000000000000" pitchFamily="65" charset="-120"/>
-                <a:ea typeface="標楷體" panose="03000509000000000000" pitchFamily="65" charset="-120"/>
-              </a:rPr>
-            </a:br>
-            <a:br>
-              <a:rPr lang="en-US" altLang="zh-TW" dirty="0">
-                <a:latin typeface="標楷體" panose="03000509000000000000" pitchFamily="65" charset="-120"/>
-                <a:ea typeface="標楷體" panose="03000509000000000000" pitchFamily="65" charset="-120"/>
-              </a:rPr>
-            </a:br>
-            <a:br>
-              <a:rPr lang="en-US" altLang="zh-TW" dirty="0">
-                <a:latin typeface="標楷體" panose="03000509000000000000" pitchFamily="65" charset="-120"/>
-                <a:ea typeface="標楷體" panose="03000509000000000000" pitchFamily="65" charset="-120"/>
-              </a:rPr>
-            </a:br>
-            <a:br>
-              <a:rPr lang="en-US" altLang="zh-TW" dirty="0">
-                <a:latin typeface="標楷體" panose="03000509000000000000" pitchFamily="65" charset="-120"/>
-                <a:ea typeface="標楷體" panose="03000509000000000000" pitchFamily="65" charset="-120"/>
-              </a:rPr>
-            </a:br>
-            <a:br>
-              <a:rPr lang="en-US" altLang="zh-TW" dirty="0">
-                <a:latin typeface="標楷體" panose="03000509000000000000" pitchFamily="65" charset="-120"/>
-                <a:ea typeface="標楷體" panose="03000509000000000000" pitchFamily="65" charset="-120"/>
-              </a:rPr>
-            </a:br>
-            <a:br>
-              <a:rPr lang="en-US" altLang="zh-TW" dirty="0">
-                <a:latin typeface="標楷體" panose="03000509000000000000" pitchFamily="65" charset="-120"/>
-                <a:ea typeface="標楷體" panose="03000509000000000000" pitchFamily="65" charset="-120"/>
-              </a:rPr>
-            </a:br>
-            <a:br>
-              <a:rPr lang="en-US" altLang="zh-TW" sz="5300" dirty="0">
-                <a:latin typeface="標楷體" panose="03000509000000000000" pitchFamily="65" charset="-120"/>
-                <a:ea typeface="標楷體" panose="03000509000000000000" pitchFamily="65" charset="-120"/>
-              </a:rPr>
-            </a:br>
-            <a:br>
-              <a:rPr lang="en-US" altLang="zh-TW" dirty="0">
-                <a:latin typeface="標楷體" panose="03000509000000000000" pitchFamily="65" charset="-120"/>
-                <a:ea typeface="標楷體" panose="03000509000000000000" pitchFamily="65" charset="-120"/>
-              </a:rPr>
-            </a:br>
-            <a:br>
-              <a:rPr lang="en-US" altLang="zh-TW" dirty="0">
-                <a:latin typeface="標楷體" panose="03000509000000000000" pitchFamily="65" charset="-120"/>
-                <a:ea typeface="標楷體" panose="03000509000000000000" pitchFamily="65" charset="-120"/>
-              </a:rPr>
-            </a:br>
-            <a:br>
-              <a:rPr lang="en-US" altLang="zh-TW" dirty="0">
-                <a:latin typeface="標楷體" panose="03000509000000000000" pitchFamily="65" charset="-120"/>
-                <a:ea typeface="標楷體" panose="03000509000000000000" pitchFamily="65" charset="-120"/>
-              </a:rPr>
-            </a:br>
-            <a:br>
-              <a:rPr lang="en-US" altLang="zh-TW" dirty="0">
-                <a:latin typeface="標楷體" panose="03000509000000000000" pitchFamily="65" charset="-120"/>
-                <a:ea typeface="標楷體" panose="03000509000000000000" pitchFamily="65" charset="-120"/>
-              </a:rPr>
-            </a:br>
             <a:r>
               <a:rPr lang="zh-TW" altLang="en-US" dirty="0">
                 <a:latin typeface="標楷體" panose="03000509000000000000" pitchFamily="65" charset="-120"/>
@@ -5470,13 +5370,7 @@
       </p:sp>
       <p:sp>
         <p:nvSpPr>
-          <p:cNvPr id="12" name="矩形 11">
-            <a:extLst>
-              <a:ext uri="{FF2B5EF4-FFF2-40B4-BE49-F238E27FC236}">
-                <a16:creationId xmlns:a16="http://schemas.microsoft.com/office/drawing/2014/main" id="{B7958B2E-8414-40A1-BA54-B5BDF7E231F5}"/>
-              </a:ext>
-            </a:extLst>
-          </p:cNvPr>
+          <p:cNvPr id="12" name="矩形 11"/>
           <p:cNvSpPr/>
           <p:nvPr/>
         </p:nvSpPr>
@@ -5531,6 +5425,10 @@
               </a:rPr>
               <a:t>（加權平均）</a:t>
             </a:r>
+            <a:endParaRPr lang="zh-TW" altLang="en-US" b="1" dirty="0">
+              <a:latin typeface="微軟正黑體" panose="020B0604030504040204" pitchFamily="34" charset="-120"/>
+              <a:ea typeface="微軟正黑體" panose="020B0604030504040204" pitchFamily="34" charset="-120"/>
+            </a:endParaRPr>
           </a:p>
           <a:p>
             <a:pPr>
@@ -5571,20 +5469,14 @@
       </p:sp>
       <p:pic>
         <p:nvPicPr>
-          <p:cNvPr id="13" name="圖片 12">
-            <a:extLst>
-              <a:ext uri="{FF2B5EF4-FFF2-40B4-BE49-F238E27FC236}">
-                <a16:creationId xmlns:a16="http://schemas.microsoft.com/office/drawing/2014/main" id="{68F144B9-7087-4E0B-9BBD-6587A17390AA}"/>
-              </a:ext>
-            </a:extLst>
-          </p:cNvPr>
+          <p:cNvPr id="13" name="圖片 12"/>
           <p:cNvPicPr>
             <a:picLocks noChangeAspect="1"/>
           </p:cNvPicPr>
           <p:nvPr/>
         </p:nvPicPr>
         <p:blipFill>
-          <a:blip r:embed="rId3"/>
+          <a:blip r:embed="rId1"/>
           <a:stretch>
             <a:fillRect/>
           </a:stretch>
@@ -5600,11 +5492,6 @@
         </p:spPr>
       </p:pic>
     </p:spTree>
-    <p:extLst>
-      <p:ext uri="{BB962C8B-B14F-4D97-AF65-F5344CB8AC3E}">
-        <p14:creationId xmlns:p14="http://schemas.microsoft.com/office/powerpoint/2010/main" val="509605945"/>
-      </p:ext>
-    </p:extLst>
   </p:cSld>
   <p:clrMapOvr>
     <a:masterClrMapping/>
@@ -5631,13 +5518,7 @@
       </p:grpSpPr>
       <p:sp>
         <p:nvSpPr>
-          <p:cNvPr id="2" name="標題 1">
-            <a:extLst>
-              <a:ext uri="{FF2B5EF4-FFF2-40B4-BE49-F238E27FC236}">
-                <a16:creationId xmlns:a16="http://schemas.microsoft.com/office/drawing/2014/main" id="{77BEFE70-83AE-4475-9CFD-DB8B64904FD8}"/>
-              </a:ext>
-            </a:extLst>
-          </p:cNvPr>
+          <p:cNvPr id="2" name="標題 1"/>
           <p:cNvSpPr>
             <a:spLocks noGrp="1"/>
           </p:cNvSpPr>
@@ -5657,18 +5538,16 @@
               </a:rPr>
               <a:t>熱力圖</a:t>
             </a:r>
+            <a:endParaRPr lang="zh-TW" altLang="en-US" dirty="0">
+              <a:latin typeface="標楷體" panose="03000509000000000000" pitchFamily="65" charset="-120"/>
+              <a:ea typeface="標楷體" panose="03000509000000000000" pitchFamily="65" charset="-120"/>
+            </a:endParaRPr>
           </a:p>
         </p:txBody>
       </p:sp>
       <p:sp>
         <p:nvSpPr>
-          <p:cNvPr id="3" name="內容版面配置區 2">
-            <a:extLst>
-              <a:ext uri="{FF2B5EF4-FFF2-40B4-BE49-F238E27FC236}">
-                <a16:creationId xmlns:a16="http://schemas.microsoft.com/office/drawing/2014/main" id="{479F352A-0C34-48FA-AABE-DD17CE422418}"/>
-              </a:ext>
-            </a:extLst>
-          </p:cNvPr>
+          <p:cNvPr id="3" name="內容版面配置區 2"/>
           <p:cNvSpPr>
             <a:spLocks noGrp="1"/>
           </p:cNvSpPr>
@@ -5879,27 +5758,27 @@
               </a:rPr>
               <a:t>人口數 和 站點小計 可以作為重要特徵。</a:t>
             </a:r>
+            <a:endParaRPr lang="zh-TW" altLang="en-US" sz="1600" dirty="0">
+              <a:latin typeface="微軟正黑體" panose="020B0604030504040204" pitchFamily="34" charset="-120"/>
+              <a:ea typeface="微軟正黑體" panose="020B0604030504040204" pitchFamily="34" charset="-120"/>
+            </a:endParaRPr>
           </a:p>
         </p:txBody>
       </p:sp>
       <p:pic>
         <p:nvPicPr>
-          <p:cNvPr id="4" name="圖片 3">
-            <a:extLst>
-              <a:ext uri="{FF2B5EF4-FFF2-40B4-BE49-F238E27FC236}">
-                <a16:creationId xmlns:a16="http://schemas.microsoft.com/office/drawing/2014/main" id="{F7CE203D-397B-41AE-B916-BF915673D739}"/>
-              </a:ext>
-            </a:extLst>
-          </p:cNvPr>
+          <p:cNvPr id="4" name="圖片 3"/>
           <p:cNvPicPr>
             <a:picLocks noChangeAspect="1"/>
           </p:cNvPicPr>
           <p:nvPr/>
         </p:nvPicPr>
         <p:blipFill rotWithShape="1">
-          <a:blip r:embed="rId3"/>
+          <a:blip r:embed="rId1"/>
           <a:srcRect r="7117"/>
-          <a:stretch/>
+          <a:stretch>
+            <a:fillRect/>
+          </a:stretch>
         </p:blipFill>
         <p:spPr>
           <a:xfrm>
@@ -5912,11 +5791,6 @@
         </p:spPr>
       </p:pic>
     </p:spTree>
-    <p:extLst>
-      <p:ext uri="{BB962C8B-B14F-4D97-AF65-F5344CB8AC3E}">
-        <p14:creationId xmlns:p14="http://schemas.microsoft.com/office/powerpoint/2010/main" val="1074508507"/>
-      </p:ext>
-    </p:extLst>
   </p:cSld>
   <p:clrMapOvr>
     <a:masterClrMapping/>
@@ -5943,13 +5817,7 @@
       </p:grpSpPr>
       <p:sp>
         <p:nvSpPr>
-          <p:cNvPr id="2" name="標題 1">
-            <a:extLst>
-              <a:ext uri="{FF2B5EF4-FFF2-40B4-BE49-F238E27FC236}">
-                <a16:creationId xmlns:a16="http://schemas.microsoft.com/office/drawing/2014/main" id="{19612A61-405D-4673-BE4C-A8E56985DF87}"/>
-              </a:ext>
-            </a:extLst>
-          </p:cNvPr>
+          <p:cNvPr id="2" name="標題 1"/>
           <p:cNvSpPr>
             <a:spLocks noGrp="1"/>
           </p:cNvSpPr>
@@ -5969,27 +5837,27 @@
               </a:rPr>
               <a:t>混淆矩陣</a:t>
             </a:r>
+            <a:endParaRPr lang="zh-TW" altLang="en-US" dirty="0">
+              <a:latin typeface="標楷體" panose="03000509000000000000" pitchFamily="65" charset="-120"/>
+              <a:ea typeface="標楷體" panose="03000509000000000000" pitchFamily="65" charset="-120"/>
+            </a:endParaRPr>
           </a:p>
         </p:txBody>
       </p:sp>
       <p:pic>
         <p:nvPicPr>
-          <p:cNvPr id="4" name="圖片 3">
-            <a:extLst>
-              <a:ext uri="{FF2B5EF4-FFF2-40B4-BE49-F238E27FC236}">
-                <a16:creationId xmlns:a16="http://schemas.microsoft.com/office/drawing/2014/main" id="{11050C65-2DAB-4172-9695-8BB91CE6B982}"/>
-              </a:ext>
-            </a:extLst>
-          </p:cNvPr>
+          <p:cNvPr id="4" name="圖片 3"/>
           <p:cNvPicPr>
             <a:picLocks noChangeAspect="1"/>
           </p:cNvPicPr>
           <p:nvPr/>
         </p:nvPicPr>
         <p:blipFill rotWithShape="1">
-          <a:blip r:embed="rId3"/>
+          <a:blip r:embed="rId1"/>
           <a:srcRect r="10064"/>
-          <a:stretch/>
+          <a:stretch>
+            <a:fillRect/>
+          </a:stretch>
         </p:blipFill>
         <p:spPr>
           <a:xfrm>
@@ -6003,13 +5871,7 @@
       </p:pic>
       <p:sp>
         <p:nvSpPr>
-          <p:cNvPr id="5" name="Rectangle 1">
-            <a:extLst>
-              <a:ext uri="{FF2B5EF4-FFF2-40B4-BE49-F238E27FC236}">
-                <a16:creationId xmlns:a16="http://schemas.microsoft.com/office/drawing/2014/main" id="{77C485D7-D6FD-4C82-B128-5019B74E6F45}"/>
-              </a:ext>
-            </a:extLst>
-          </p:cNvPr>
+          <p:cNvPr id="5" name="Rectangle 1"/>
           <p:cNvSpPr>
             <a:spLocks noGrp="1" noChangeArrowheads="1"/>
           </p:cNvSpPr>
@@ -6061,9 +5923,6 @@
         </p:spPr>
         <p:txBody>
           <a:bodyPr vert="horz" wrap="square" lIns="91440" tIns="45720" rIns="91440" bIns="45720" numCol="1" anchor="ctr" anchorCtr="0" compatLnSpc="1">
-            <a:prstTxWarp prst="textNoShape">
-              <a:avLst/>
-            </a:prstTxWarp>
             <a:spAutoFit/>
           </a:bodyPr>
           <a:lstStyle/>
@@ -6075,7 +5934,6 @@
               <a:buClrTx/>
               <a:buSzTx/>
               <a:buNone/>
-              <a:tabLst/>
             </a:pPr>
             <a:r>
               <a:rPr lang="zh-TW" altLang="zh-TW" sz="1800" b="1" dirty="0">
@@ -6097,7 +5955,6 @@
               <a:buSzTx/>
               <a:buFont typeface="Wingdings" panose="05000000000000000000" pitchFamily="2" charset="2"/>
               <a:buChar char="l"/>
-              <a:tabLst/>
             </a:pPr>
             <a:r>
               <a:rPr lang="zh-TW" altLang="en-US" sz="1600" dirty="0">
@@ -6113,6 +5970,10 @@
               </a:rPr>
               <a:t>模型對「新增」類別的預測效果最好，正確率高，誤分類很少。</a:t>
             </a:r>
+            <a:endParaRPr lang="zh-TW" altLang="zh-TW" sz="1600" dirty="0">
+              <a:latin typeface="微軟正黑體" panose="020B0604030504040204" pitchFamily="34" charset="-120"/>
+              <a:ea typeface="微軟正黑體" panose="020B0604030504040204" pitchFamily="34" charset="-120"/>
+            </a:endParaRPr>
           </a:p>
           <a:p>
             <a:pPr marL="0" marR="0" lvl="0" indent="0" algn="l" defTabSz="914400" rtl="0" eaLnBrk="0" fontAlgn="base" latinLnBrk="0" hangingPunct="0">
@@ -6122,7 +5983,6 @@
               <a:buClrTx/>
               <a:buSzTx/>
               <a:buNone/>
-              <a:tabLst/>
             </a:pPr>
             <a:r>
               <a:rPr lang="zh-TW" altLang="zh-TW" sz="1800" b="1" dirty="0">
@@ -6144,7 +6004,6 @@
               <a:buSzTx/>
               <a:buFont typeface="Wingdings" panose="05000000000000000000" pitchFamily="2" charset="2"/>
               <a:buChar char="l"/>
-              <a:tabLst/>
             </a:pPr>
             <a:r>
               <a:rPr lang="zh-TW" altLang="en-US" sz="1600" dirty="0">
@@ -6160,6 +6019,10 @@
               </a:rPr>
               <a:t>模型對「保持不變」類別辨識較差，容易被誤判為其他類別。</a:t>
             </a:r>
+            <a:endParaRPr lang="zh-TW" altLang="zh-TW" sz="1600" dirty="0">
+              <a:latin typeface="微軟正黑體" panose="020B0604030504040204" pitchFamily="34" charset="-120"/>
+              <a:ea typeface="微軟正黑體" panose="020B0604030504040204" pitchFamily="34" charset="-120"/>
+            </a:endParaRPr>
           </a:p>
           <a:p>
             <a:pPr marL="0" marR="0" lvl="0" indent="0" algn="l" defTabSz="914400" rtl="0" eaLnBrk="0" fontAlgn="base" latinLnBrk="0" hangingPunct="0">
@@ -6169,7 +6032,6 @@
               <a:buClrTx/>
               <a:buSzTx/>
               <a:buNone/>
-              <a:tabLst/>
             </a:pPr>
             <a:r>
               <a:rPr lang="zh-TW" altLang="zh-TW" sz="1800" b="1" dirty="0">
@@ -6191,7 +6053,6 @@
               <a:buSzTx/>
               <a:buFont typeface="Wingdings" panose="05000000000000000000" pitchFamily="2" charset="2"/>
               <a:buChar char="l"/>
-              <a:tabLst/>
             </a:pPr>
             <a:r>
               <a:rPr lang="zh-TW" altLang="en-US" sz="1600" dirty="0">
@@ -6207,6 +6068,10 @@
               </a:rPr>
               <a:t>對角線的數值 表示預測正確的樣本數量。</a:t>
             </a:r>
+            <a:endParaRPr lang="zh-TW" altLang="zh-TW" sz="1600" dirty="0">
+              <a:latin typeface="微軟正黑體" panose="020B0604030504040204" pitchFamily="34" charset="-120"/>
+              <a:ea typeface="微軟正黑體" panose="020B0604030504040204" pitchFamily="34" charset="-120"/>
+            </a:endParaRPr>
           </a:p>
           <a:p>
             <a:pPr marR="0" lvl="0" algn="l" defTabSz="914400" rtl="0" eaLnBrk="0" fontAlgn="base" latinLnBrk="0" hangingPunct="0">
@@ -6216,7 +6081,6 @@
               <a:buSzTx/>
               <a:buFont typeface="Wingdings" panose="05000000000000000000" pitchFamily="2" charset="2"/>
               <a:buChar char="l"/>
-              <a:tabLst/>
             </a:pPr>
             <a:r>
               <a:rPr lang="zh-TW" altLang="en-US" sz="1600" dirty="0">
@@ -6245,7 +6109,6 @@
               <a:buSzTx/>
               <a:buFont typeface="Wingdings" panose="05000000000000000000" pitchFamily="2" charset="2"/>
               <a:buChar char="l"/>
-              <a:tabLst/>
             </a:pPr>
             <a:r>
               <a:rPr lang="zh-TW" altLang="en-US" sz="1600" dirty="0">
@@ -6261,15 +6124,14 @@
               </a:rPr>
               <a:t>藍色越深表示數量越多，從圖中可以看到「新增」類別的預測正確性最好。</a:t>
             </a:r>
+            <a:endParaRPr lang="zh-TW" altLang="zh-TW" sz="1600" dirty="0">
+              <a:latin typeface="微軟正黑體" panose="020B0604030504040204" pitchFamily="34" charset="-120"/>
+              <a:ea typeface="微軟正黑體" panose="020B0604030504040204" pitchFamily="34" charset="-120"/>
+            </a:endParaRPr>
           </a:p>
         </p:txBody>
       </p:sp>
     </p:spTree>
-    <p:extLst>
-      <p:ext uri="{BB962C8B-B14F-4D97-AF65-F5344CB8AC3E}">
-        <p14:creationId xmlns:p14="http://schemas.microsoft.com/office/powerpoint/2010/main" val="2053965341"/>
-      </p:ext>
-    </p:extLst>
   </p:cSld>
   <p:clrMapOvr>
     <a:masterClrMapping/>
@@ -6296,13 +6158,7 @@
       </p:grpSpPr>
       <p:sp>
         <p:nvSpPr>
-          <p:cNvPr id="2" name="標題 1">
-            <a:extLst>
-              <a:ext uri="{FF2B5EF4-FFF2-40B4-BE49-F238E27FC236}">
-                <a16:creationId xmlns:a16="http://schemas.microsoft.com/office/drawing/2014/main" id="{1D9DE2F2-6DA6-47EA-B55F-F24C7EDEF372}"/>
-              </a:ext>
-            </a:extLst>
-          </p:cNvPr>
+          <p:cNvPr id="2" name="標題 1"/>
           <p:cNvSpPr>
             <a:spLocks noGrp="1"/>
           </p:cNvSpPr>
@@ -6313,88 +6169,16 @@
         <p:spPr/>
         <p:txBody>
           <a:bodyPr>
-            <a:normAutofit fontScale="90000"/>
+            <a:normAutofit/>
           </a:bodyPr>
           <a:lstStyle/>
           <a:p>
-            <a:br>
-              <a:rPr lang="en-US" altLang="zh-TW" dirty="0">
-                <a:latin typeface="標楷體" panose="03000509000000000000" pitchFamily="65" charset="-120"/>
-                <a:ea typeface="標楷體" panose="03000509000000000000" pitchFamily="65" charset="-120"/>
-              </a:rPr>
-            </a:br>
-            <a:br>
-              <a:rPr lang="en-US" altLang="zh-TW" dirty="0">
-                <a:latin typeface="標楷體" panose="03000509000000000000" pitchFamily="65" charset="-120"/>
-                <a:ea typeface="標楷體" panose="03000509000000000000" pitchFamily="65" charset="-120"/>
-              </a:rPr>
-            </a:br>
-            <a:br>
-              <a:rPr lang="en-US" altLang="zh-TW" dirty="0">
-                <a:latin typeface="標楷體" panose="03000509000000000000" pitchFamily="65" charset="-120"/>
-                <a:ea typeface="標楷體" panose="03000509000000000000" pitchFamily="65" charset="-120"/>
-              </a:rPr>
-            </a:br>
-            <a:br>
-              <a:rPr lang="en-US" altLang="zh-TW" dirty="0">
-                <a:latin typeface="標楷體" panose="03000509000000000000" pitchFamily="65" charset="-120"/>
-                <a:ea typeface="標楷體" panose="03000509000000000000" pitchFamily="65" charset="-120"/>
-              </a:rPr>
-            </a:br>
-            <a:br>
-              <a:rPr lang="en-US" altLang="zh-TW" dirty="0">
-                <a:latin typeface="標楷體" panose="03000509000000000000" pitchFamily="65" charset="-120"/>
-                <a:ea typeface="標楷體" panose="03000509000000000000" pitchFamily="65" charset="-120"/>
-              </a:rPr>
-            </a:br>
-            <a:br>
-              <a:rPr lang="en-US" altLang="zh-TW" dirty="0">
-                <a:latin typeface="標楷體" panose="03000509000000000000" pitchFamily="65" charset="-120"/>
-                <a:ea typeface="標楷體" panose="03000509000000000000" pitchFamily="65" charset="-120"/>
-              </a:rPr>
-            </a:br>
-            <a:br>
-              <a:rPr lang="en-US" altLang="zh-TW" dirty="0">
-                <a:latin typeface="標楷體" panose="03000509000000000000" pitchFamily="65" charset="-120"/>
-                <a:ea typeface="標楷體" panose="03000509000000000000" pitchFamily="65" charset="-120"/>
-              </a:rPr>
-            </a:br>
-            <a:br>
-              <a:rPr lang="en-US" altLang="zh-TW" sz="5300" dirty="0">
-                <a:latin typeface="標楷體" panose="03000509000000000000" pitchFamily="65" charset="-120"/>
-                <a:ea typeface="標楷體" panose="03000509000000000000" pitchFamily="65" charset="-120"/>
-              </a:rPr>
-            </a:br>
-            <a:br>
-              <a:rPr lang="en-US" altLang="zh-TW" dirty="0">
-                <a:latin typeface="標楷體" panose="03000509000000000000" pitchFamily="65" charset="-120"/>
-                <a:ea typeface="標楷體" panose="03000509000000000000" pitchFamily="65" charset="-120"/>
-              </a:rPr>
-            </a:br>
-            <a:br>
-              <a:rPr lang="en-US" altLang="zh-TW" dirty="0">
-                <a:latin typeface="標楷體" panose="03000509000000000000" pitchFamily="65" charset="-120"/>
-                <a:ea typeface="標楷體" panose="03000509000000000000" pitchFamily="65" charset="-120"/>
-              </a:rPr>
-            </a:br>
-            <a:br>
-              <a:rPr lang="en-US" altLang="zh-TW" dirty="0">
-                <a:latin typeface="標楷體" panose="03000509000000000000" pitchFamily="65" charset="-120"/>
-                <a:ea typeface="標楷體" panose="03000509000000000000" pitchFamily="65" charset="-120"/>
-              </a:rPr>
-            </a:br>
-            <a:br>
-              <a:rPr lang="en-US" altLang="zh-TW" dirty="0">
-                <a:latin typeface="標楷體" panose="03000509000000000000" pitchFamily="65" charset="-120"/>
-                <a:ea typeface="標楷體" panose="03000509000000000000" pitchFamily="65" charset="-120"/>
-              </a:rPr>
-            </a:br>
             <a:r>
               <a:rPr lang="zh-TW" altLang="en-US" dirty="0">
                 <a:latin typeface="標楷體" panose="03000509000000000000" pitchFamily="65" charset="-120"/>
                 <a:ea typeface="標楷體" panose="03000509000000000000" pitchFamily="65" charset="-120"/>
               </a:rPr>
-              <a:t>結論與建議</a:t>
+              <a:t>結論</a:t>
             </a:r>
             <a:endParaRPr lang="zh-TW" altLang="en-US" dirty="0"/>
           </a:p>
@@ -6402,70 +6186,7 @@
       </p:sp>
       <p:sp>
         <p:nvSpPr>
-          <p:cNvPr id="4" name="標題 1">
-            <a:extLst>
-              <a:ext uri="{FF2B5EF4-FFF2-40B4-BE49-F238E27FC236}">
-                <a16:creationId xmlns:a16="http://schemas.microsoft.com/office/drawing/2014/main" id="{D7E30C2A-9546-422A-9765-8814855E64F7}"/>
-              </a:ext>
-            </a:extLst>
-          </p:cNvPr>
-          <p:cNvSpPr txBox="1">
-            <a:spLocks/>
-          </p:cNvSpPr>
-          <p:nvPr/>
-        </p:nvSpPr>
-        <p:spPr>
-          <a:xfrm>
-            <a:off x="1097280" y="286603"/>
-            <a:ext cx="10058400" cy="1450757"/>
-          </a:xfrm>
-          <a:prstGeom prst="rect">
-            <a:avLst/>
-          </a:prstGeom>
-        </p:spPr>
-        <p:txBody>
-          <a:bodyPr vert="horz" lIns="91440" tIns="45720" rIns="91440" bIns="45720" rtlCol="0" anchor="b">
-            <a:normAutofit/>
-          </a:bodyPr>
-          <a:lstStyle>
-            <a:lvl1pPr marL="0" algn="l" defTabSz="914400" rtl="0" eaLnBrk="1" latinLnBrk="0" hangingPunct="1">
-              <a:lnSpc>
-                <a:spcPct val="85000"/>
-              </a:lnSpc>
-              <a:spcBef>
-                <a:spcPct val="0"/>
-              </a:spcBef>
-              <a:buNone/>
-              <a:defRPr sz="4800" kern="1200" spc="-50" baseline="0">
-                <a:solidFill>
-                  <a:schemeClr val="tx1">
-                    <a:lumMod val="75000"/>
-                    <a:lumOff val="25000"/>
-                  </a:schemeClr>
-                </a:solidFill>
-                <a:latin typeface="+mj-lt"/>
-                <a:ea typeface="+mj-ea"/>
-                <a:cs typeface="+mj-cs"/>
-              </a:defRPr>
-            </a:lvl1pPr>
-          </a:lstStyle>
-          <a:p>
-            <a:endParaRPr lang="zh-TW" altLang="en-US" dirty="0">
-              <a:latin typeface="標楷體" panose="03000509000000000000" pitchFamily="65" charset="-120"/>
-              <a:ea typeface="標楷體" panose="03000509000000000000" pitchFamily="65" charset="-120"/>
-            </a:endParaRPr>
-          </a:p>
-        </p:txBody>
-      </p:sp>
-      <p:sp>
-        <p:nvSpPr>
-          <p:cNvPr id="5" name="Rectangle 1">
-            <a:extLst>
-              <a:ext uri="{FF2B5EF4-FFF2-40B4-BE49-F238E27FC236}">
-                <a16:creationId xmlns:a16="http://schemas.microsoft.com/office/drawing/2014/main" id="{0B8FC2EF-7685-4889-8E17-11DB51285029}"/>
-              </a:ext>
-            </a:extLst>
-          </p:cNvPr>
+          <p:cNvPr id="5" name="Rectangle 1"/>
           <p:cNvSpPr>
             <a:spLocks noGrp="1" noChangeArrowheads="1"/>
           </p:cNvSpPr>
@@ -6475,8 +6196,8 @@
         </p:nvSpPr>
         <p:spPr bwMode="auto">
           <a:xfrm>
-            <a:off x="718185" y="1465050"/>
-            <a:ext cx="4691878" cy="4401205"/>
+            <a:off x="718185" y="2077085"/>
+            <a:ext cx="4987925" cy="3177540"/>
           </a:xfrm>
           <a:prstGeom prst="rect">
             <a:avLst/>
@@ -6517,9 +6238,6 @@
         </p:spPr>
         <p:txBody>
           <a:bodyPr vert="horz" wrap="square" lIns="91440" tIns="45720" rIns="91440" bIns="45720" numCol="1" anchor="ctr" anchorCtr="0" compatLnSpc="1">
-            <a:prstTxWarp prst="textNoShape">
-              <a:avLst/>
-            </a:prstTxWarp>
             <a:spAutoFit/>
           </a:bodyPr>
           <a:lstStyle/>
@@ -6539,29 +6257,55 @@
               <a:buNone/>
             </a:pPr>
             <a:r>
-              <a:rPr lang="en-US" altLang="zh-TW" b="1" dirty="0">
+              <a:rPr kumimoji="0" lang="zh-TW" altLang="zh-TW" b="0" i="0" u="none" strike="noStrike" cap="none" normalizeH="0" baseline="0" dirty="0">
+                <a:ln>
+                  <a:noFill/>
+                </a:ln>
                 <a:solidFill>
                   <a:schemeClr val="tx1"/>
                 </a:solidFill>
+                <a:effectLst/>
                 <a:latin typeface="微軟正黑體" panose="020B0604030504040204" pitchFamily="34" charset="-120"/>
                 <a:ea typeface="微軟正黑體" panose="020B0604030504040204" pitchFamily="34" charset="-120"/>
               </a:rPr>
-              <a:t>Accuracy</a:t>
-            </a:r>
-            <a:r>
-              <a:rPr lang="zh-TW" altLang="en-US" dirty="0">
+              <a:t>透過上面的分析</a:t>
+            </a:r>
+            <a:r>
+              <a:rPr kumimoji="0" lang="zh-TW" altLang="zh-TW" b="0" i="0" u="none" strike="noStrike" cap="none" normalizeH="0" baseline="0" dirty="0">
+                <a:ln>
+                  <a:noFill/>
+                </a:ln>
                 <a:solidFill>
                   <a:schemeClr val="tx1"/>
                 </a:solidFill>
+                <a:effectLst/>
                 <a:latin typeface="微軟正黑體" panose="020B0604030504040204" pitchFamily="34" charset="-120"/>
                 <a:ea typeface="微軟正黑體" panose="020B0604030504040204" pitchFamily="34" charset="-120"/>
               </a:rPr>
-              <a:t>：</a:t>
-            </a:r>
-            <a:endParaRPr lang="en-US" altLang="zh-TW" dirty="0">
+              <a:t>我們可以發現新增跟減少的兩個分類誤判數量不多，保持不變的誤判數量反而很多</a:t>
+            </a:r>
+            <a:r>
+              <a:rPr kumimoji="0" lang="zh-TW" altLang="zh-TW" b="0" i="0" u="none" strike="noStrike" cap="none" normalizeH="0" baseline="0" dirty="0">
+                <a:ln>
+                  <a:noFill/>
+                </a:ln>
+                <a:solidFill>
+                  <a:schemeClr val="tx1"/>
+                </a:solidFill>
+                <a:effectLst/>
+                <a:latin typeface="微軟正黑體" panose="020B0604030504040204" pitchFamily="34" charset="-120"/>
+                <a:ea typeface="微軟正黑體" panose="020B0604030504040204" pitchFamily="34" charset="-120"/>
+              </a:rPr>
+              <a:t>。</a:t>
+            </a:r>
+            <a:endParaRPr kumimoji="0" lang="zh-TW" altLang="zh-TW" b="0" i="0" u="none" strike="noStrike" cap="none" normalizeH="0" baseline="0" dirty="0">
+              <a:ln>
+                <a:noFill/>
+              </a:ln>
               <a:solidFill>
                 <a:schemeClr val="tx1"/>
               </a:solidFill>
+              <a:effectLst/>
               <a:latin typeface="微軟正黑體" panose="020B0604030504040204" pitchFamily="34" charset="-120"/>
               <a:ea typeface="微軟正黑體" panose="020B0604030504040204" pitchFamily="34" charset="-120"/>
             </a:endParaRPr>
@@ -6582,39 +6326,41 @@
               <a:buNone/>
             </a:pPr>
             <a:r>
-              <a:rPr lang="zh-TW" altLang="en-US" dirty="0">
+              <a:rPr kumimoji="0" lang="zh-TW" altLang="zh-TW" b="0" i="0" u="none" strike="noStrike" cap="none" normalizeH="0" baseline="0" dirty="0">
+                <a:ln>
+                  <a:noFill/>
+                </a:ln>
                 <a:solidFill>
                   <a:schemeClr val="tx1"/>
                 </a:solidFill>
+                <a:effectLst/>
                 <a:latin typeface="微軟正黑體" panose="020B0604030504040204" pitchFamily="34" charset="-120"/>
                 <a:ea typeface="微軟正黑體" panose="020B0604030504040204" pitchFamily="34" charset="-120"/>
               </a:rPr>
-              <a:t>模型整體的準確率，</a:t>
-            </a:r>
-            <a:r>
-              <a:rPr lang="en-US" altLang="zh-TW" dirty="0">
+              <a:t>要改善保持不變這個類型的分類準確度我們可以</a:t>
+            </a:r>
+            <a:r>
+              <a:rPr kumimoji="0" lang="en-US" altLang="zh-TW" b="0" i="0" u="none" strike="noStrike" cap="none" normalizeH="0" baseline="0" dirty="0">
+                <a:ln>
+                  <a:noFill/>
+                </a:ln>
                 <a:solidFill>
                   <a:schemeClr val="tx1"/>
                 </a:solidFill>
+                <a:effectLst/>
                 <a:latin typeface="微軟正黑體" panose="020B0604030504040204" pitchFamily="34" charset="-120"/>
                 <a:ea typeface="微軟正黑體" panose="020B0604030504040204" pitchFamily="34" charset="-120"/>
               </a:rPr>
-              <a:t>75% </a:t>
-            </a:r>
-            <a:r>
-              <a:rPr lang="zh-TW" altLang="en-US" dirty="0">
-                <a:solidFill>
-                  <a:schemeClr val="tx1"/>
-                </a:solidFill>
-                <a:latin typeface="微軟正黑體" panose="020B0604030504040204" pitchFamily="34" charset="-120"/>
-                <a:ea typeface="微軟正黑體" panose="020B0604030504040204" pitchFamily="34" charset="-120"/>
-              </a:rPr>
-              <a:t>的預測正確。</a:t>
-            </a:r>
-            <a:endParaRPr lang="en-US" altLang="zh-TW" dirty="0">
+              <a:t>:</a:t>
+            </a:r>
+            <a:endParaRPr kumimoji="0" lang="en-US" altLang="zh-TW" b="0" i="0" u="none" strike="noStrike" cap="none" normalizeH="0" baseline="0" dirty="0">
+              <a:ln>
+                <a:noFill/>
+              </a:ln>
               <a:solidFill>
                 <a:schemeClr val="tx1"/>
               </a:solidFill>
+              <a:effectLst/>
               <a:latin typeface="微軟正黑體" panose="020B0604030504040204" pitchFamily="34" charset="-120"/>
               <a:ea typeface="微軟正黑體" panose="020B0604030504040204" pitchFamily="34" charset="-120"/>
             </a:endParaRPr>
@@ -6635,29 +6381,27 @@
               <a:buNone/>
             </a:pPr>
             <a:r>
-              <a:rPr lang="en-US" altLang="zh-TW" b="1" dirty="0">
+              <a:rPr kumimoji="0" lang="zh-TW" altLang="zh-TW" b="0" i="0" u="none" strike="noStrike" cap="none" normalizeH="0" baseline="0" dirty="0">
+                <a:ln>
+                  <a:noFill/>
+                </a:ln>
                 <a:solidFill>
                   <a:schemeClr val="tx1"/>
                 </a:solidFill>
+                <a:effectLst/>
                 <a:latin typeface="微軟正黑體" panose="020B0604030504040204" pitchFamily="34" charset="-120"/>
                 <a:ea typeface="微軟正黑體" panose="020B0604030504040204" pitchFamily="34" charset="-120"/>
               </a:rPr>
-              <a:t>Macro Avg</a:t>
-            </a:r>
-            <a:r>
-              <a:rPr lang="zh-TW" altLang="en-US" dirty="0">
-                <a:solidFill>
-                  <a:schemeClr val="tx1"/>
-                </a:solidFill>
-                <a:latin typeface="微軟正黑體" panose="020B0604030504040204" pitchFamily="34" charset="-120"/>
-                <a:ea typeface="微軟正黑體" panose="020B0604030504040204" pitchFamily="34" charset="-120"/>
-              </a:rPr>
-              <a:t>：</a:t>
-            </a:r>
-            <a:endParaRPr lang="en-US" altLang="zh-TW" dirty="0">
+              <a:t>1.增加樣本數，但是台灣行政區有限。</a:t>
+            </a:r>
+            <a:endParaRPr kumimoji="0" lang="zh-TW" altLang="zh-TW" b="0" i="0" u="none" strike="noStrike" cap="none" normalizeH="0" baseline="0" dirty="0">
+              <a:ln>
+                <a:noFill/>
+              </a:ln>
               <a:solidFill>
                 <a:schemeClr val="tx1"/>
               </a:solidFill>
+              <a:effectLst/>
               <a:latin typeface="微軟正黑體" panose="020B0604030504040204" pitchFamily="34" charset="-120"/>
               <a:ea typeface="微軟正黑體" panose="020B0604030504040204" pitchFamily="34" charset="-120"/>
             </a:endParaRPr>
@@ -6678,19 +6422,27 @@
               <a:buNone/>
             </a:pPr>
             <a:r>
-              <a:rPr lang="zh-TW" altLang="en-US" dirty="0">
+              <a:rPr kumimoji="0" lang="zh-TW" altLang="zh-TW" b="0" i="0" u="none" strike="noStrike" cap="none" normalizeH="0" baseline="0" dirty="0">
+                <a:ln>
+                  <a:noFill/>
+                </a:ln>
                 <a:solidFill>
                   <a:schemeClr val="tx1"/>
                 </a:solidFill>
+                <a:effectLst/>
                 <a:latin typeface="微軟正黑體" panose="020B0604030504040204" pitchFamily="34" charset="-120"/>
                 <a:ea typeface="微軟正黑體" panose="020B0604030504040204" pitchFamily="34" charset="-120"/>
               </a:rPr>
-              <a:t>每個類別的平均表現，不考慮類別樣本數，特別適合評估類別不平衡的模型。</a:t>
-            </a:r>
-            <a:endParaRPr lang="en-US" altLang="zh-TW" dirty="0">
+              <a:t>2.用更適合的分類模型或是調整參數</a:t>
+            </a:r>
+            <a:endParaRPr kumimoji="0" lang="zh-TW" altLang="zh-TW" b="0" i="0" u="none" strike="noStrike" cap="none" normalizeH="0" baseline="0" dirty="0">
+              <a:ln>
+                <a:noFill/>
+              </a:ln>
               <a:solidFill>
                 <a:schemeClr val="tx1"/>
               </a:solidFill>
+              <a:effectLst/>
               <a:latin typeface="微軟正黑體" panose="020B0604030504040204" pitchFamily="34" charset="-120"/>
               <a:ea typeface="微軟正黑體" panose="020B0604030504040204" pitchFamily="34" charset="-120"/>
             </a:endParaRPr>
@@ -6711,29 +6463,55 @@
               <a:buNone/>
             </a:pPr>
             <a:r>
-              <a:rPr lang="en-US" altLang="zh-TW" b="1" dirty="0">
+              <a:rPr kumimoji="0" lang="zh-TW" altLang="zh-TW" b="0" i="0" u="none" strike="noStrike" cap="none" normalizeH="0" baseline="0" dirty="0">
+                <a:ln>
+                  <a:noFill/>
+                </a:ln>
                 <a:solidFill>
                   <a:schemeClr val="tx1"/>
                 </a:solidFill>
+                <a:effectLst/>
                 <a:latin typeface="微軟正黑體" panose="020B0604030504040204" pitchFamily="34" charset="-120"/>
                 <a:ea typeface="微軟正黑體" panose="020B0604030504040204" pitchFamily="34" charset="-120"/>
               </a:rPr>
-              <a:t>Weighted Avg</a:t>
-            </a:r>
-            <a:r>
-              <a:rPr lang="zh-TW" altLang="en-US" dirty="0">
+              <a:t>3.找出幫助區分</a:t>
+            </a:r>
+            <a:r>
+              <a:rPr kumimoji="0" lang="zh-TW" altLang="zh-TW" b="1" i="0" u="none" strike="noStrike" cap="none" normalizeH="0" baseline="0" dirty="0">
+                <a:ln>
+                  <a:noFill/>
+                </a:ln>
                 <a:solidFill>
                   <a:schemeClr val="tx1"/>
                 </a:solidFill>
+                <a:effectLst/>
                 <a:latin typeface="微軟正黑體" panose="020B0604030504040204" pitchFamily="34" charset="-120"/>
                 <a:ea typeface="微軟正黑體" panose="020B0604030504040204" pitchFamily="34" charset="-120"/>
               </a:rPr>
-              <a:t>：</a:t>
-            </a:r>
-            <a:endParaRPr lang="en-US" altLang="zh-TW" dirty="0">
+              <a:t>保持不變</a:t>
+            </a:r>
+            <a:r>
+              <a:rPr kumimoji="0" lang="zh-TW" altLang="zh-TW" b="0" i="0" u="none" strike="noStrike" cap="none" normalizeH="0" baseline="0" dirty="0">
+                <a:ln>
+                  <a:noFill/>
+                </a:ln>
+                <a:solidFill>
+                  <a:schemeClr val="tx1"/>
+                </a:solidFill>
+                <a:effectLst/>
+                <a:latin typeface="微軟正黑體" panose="020B0604030504040204" pitchFamily="34" charset="-120"/>
+                <a:ea typeface="微軟正黑體" panose="020B0604030504040204" pitchFamily="34" charset="-120"/>
+              </a:rPr>
+              <a:t>類別的特徵</a:t>
+            </a:r>
+            <a:endParaRPr kumimoji="0" lang="zh-TW" altLang="zh-TW" b="0" i="0" u="none" strike="noStrike" cap="none" normalizeH="0" baseline="0" dirty="0">
+              <a:ln>
+                <a:noFill/>
+              </a:ln>
               <a:solidFill>
                 <a:schemeClr val="tx1"/>
               </a:solidFill>
+              <a:effectLst/>
               <a:latin typeface="微軟正黑體" panose="020B0604030504040204" pitchFamily="34" charset="-120"/>
               <a:ea typeface="微軟正黑體" panose="020B0604030504040204" pitchFamily="34" charset="-120"/>
             </a:endParaRPr>
@@ -6754,185 +6532,34 @@
               <a:buNone/>
             </a:pPr>
             <a:r>
-              <a:rPr lang="zh-TW" altLang="en-US" dirty="0">
+              <a:rPr kumimoji="0" lang="zh-TW" altLang="en-US" b="0" i="0" u="none" strike="noStrike" cap="none" normalizeH="0" baseline="0" dirty="0">
+                <a:ln>
+                  <a:noFill/>
+                </a:ln>
                 <a:solidFill>
                   <a:schemeClr val="tx1"/>
                 </a:solidFill>
+                <a:effectLst/>
                 <a:latin typeface="微軟正黑體" panose="020B0604030504040204" pitchFamily="34" charset="-120"/>
                 <a:ea typeface="微軟正黑體" panose="020B0604030504040204" pitchFamily="34" charset="-120"/>
               </a:rPr>
-              <a:t>考慮類別樣本數比例的加權平均，更能反映模型在整體資料上的真實性能。</a:t>
-            </a:r>
-            <a:endParaRPr lang="en-US" altLang="zh-TW" dirty="0">
-              <a:solidFill>
-                <a:schemeClr val="tx1"/>
-              </a:solidFill>
-              <a:latin typeface="微軟正黑體" panose="020B0604030504040204" pitchFamily="34" charset="-120"/>
-              <a:ea typeface="微軟正黑體" panose="020B0604030504040204" pitchFamily="34" charset="-120"/>
-            </a:endParaRPr>
-          </a:p>
-          <a:p>
-            <a:pPr marL="0" lvl="0" indent="0" eaLnBrk="0" fontAlgn="base" hangingPunct="0">
-              <a:lnSpc>
-                <a:spcPct val="100000"/>
-              </a:lnSpc>
-              <a:spcBef>
-                <a:spcPct val="0"/>
-              </a:spcBef>
-              <a:spcAft>
-                <a:spcPct val="0"/>
-              </a:spcAft>
-              <a:buClrTx/>
-              <a:buSzTx/>
-              <a:buNone/>
-            </a:pPr>
-            <a:endParaRPr lang="en-US" altLang="zh-TW" dirty="0">
-              <a:solidFill>
-                <a:schemeClr val="tx1"/>
-              </a:solidFill>
-              <a:latin typeface="微軟正黑體" panose="020B0604030504040204" pitchFamily="34" charset="-120"/>
-              <a:ea typeface="微軟正黑體" panose="020B0604030504040204" pitchFamily="34" charset="-120"/>
-            </a:endParaRPr>
-          </a:p>
-          <a:p>
-            <a:pPr marL="0" indent="0" eaLnBrk="0" fontAlgn="base" hangingPunct="0">
-              <a:lnSpc>
-                <a:spcPct val="100000"/>
-              </a:lnSpc>
-              <a:spcBef>
-                <a:spcPct val="0"/>
-              </a:spcBef>
-              <a:spcAft>
-                <a:spcPct val="0"/>
-              </a:spcAft>
-              <a:buClrTx/>
-              <a:buSzTx/>
-              <a:buNone/>
-            </a:pPr>
-            <a:r>
-              <a:rPr lang="zh-TW" altLang="zh-TW" dirty="0">
+              <a:t>例如氣候、經濟、</a:t>
+            </a:r>
+            <a:r>
+              <a:rPr kumimoji="0" lang="zh-TW" altLang="en-US" b="0" i="0" u="none" strike="noStrike" cap="none" normalizeH="0" baseline="0" dirty="0">
+                <a:ln>
+                  <a:noFill/>
+                </a:ln>
                 <a:solidFill>
                   <a:schemeClr val="tx1"/>
                 </a:solidFill>
+                <a:effectLst/>
                 <a:latin typeface="微軟正黑體" panose="020B0604030504040204" pitchFamily="34" charset="-120"/>
                 <a:ea typeface="微軟正黑體" panose="020B0604030504040204" pitchFamily="34" charset="-120"/>
               </a:rPr>
-              <a:t>這些指標表明模型對類別 1（需要新增站點）表現較好</a:t>
-            </a:r>
-            <a:endParaRPr lang="en-US" altLang="zh-TW" dirty="0">
-              <a:solidFill>
-                <a:schemeClr val="tx1"/>
-              </a:solidFill>
-              <a:latin typeface="微軟正黑體" panose="020B0604030504040204" pitchFamily="34" charset="-120"/>
-              <a:ea typeface="微軟正黑體" panose="020B0604030504040204" pitchFamily="34" charset="-120"/>
-            </a:endParaRPr>
-          </a:p>
-          <a:p>
-            <a:pPr marL="0" indent="0" eaLnBrk="0" fontAlgn="base" hangingPunct="0">
-              <a:lnSpc>
-                <a:spcPct val="100000"/>
-              </a:lnSpc>
-              <a:spcBef>
-                <a:spcPct val="0"/>
-              </a:spcBef>
-              <a:spcAft>
-                <a:spcPct val="0"/>
-              </a:spcAft>
-              <a:buClrTx/>
-              <a:buSzTx/>
-              <a:buNone/>
-            </a:pPr>
-            <a:r>
-              <a:rPr lang="zh-TW" altLang="zh-TW" dirty="0">
-                <a:solidFill>
-                  <a:schemeClr val="tx1"/>
-                </a:solidFill>
-                <a:latin typeface="微軟正黑體" panose="020B0604030504040204" pitchFamily="34" charset="-120"/>
-                <a:ea typeface="微軟正黑體" panose="020B0604030504040204" pitchFamily="34" charset="-120"/>
-              </a:rPr>
-              <a:t>而對類別 0</a:t>
-            </a:r>
-            <a:r>
-              <a:rPr lang="en-US" altLang="zh-TW" dirty="0">
-                <a:solidFill>
-                  <a:schemeClr val="tx1"/>
-                </a:solidFill>
-                <a:latin typeface="微軟正黑體" panose="020B0604030504040204" pitchFamily="34" charset="-120"/>
-                <a:ea typeface="微軟正黑體" panose="020B0604030504040204" pitchFamily="34" charset="-120"/>
-              </a:rPr>
-              <a:t>(</a:t>
-            </a:r>
-            <a:r>
-              <a:rPr lang="zh-TW" altLang="en-US" dirty="0">
-                <a:solidFill>
-                  <a:schemeClr val="tx1"/>
-                </a:solidFill>
-                <a:latin typeface="微軟正黑體" panose="020B0604030504040204" pitchFamily="34" charset="-120"/>
-                <a:ea typeface="微軟正黑體" panose="020B0604030504040204" pitchFamily="34" charset="-120"/>
-              </a:rPr>
-              <a:t>需要刪減站點</a:t>
-            </a:r>
-            <a:r>
-              <a:rPr lang="en-US" altLang="zh-TW" dirty="0">
-                <a:solidFill>
-                  <a:schemeClr val="tx1"/>
-                </a:solidFill>
-                <a:latin typeface="微軟正黑體" panose="020B0604030504040204" pitchFamily="34" charset="-120"/>
-                <a:ea typeface="微軟正黑體" panose="020B0604030504040204" pitchFamily="34" charset="-120"/>
-              </a:rPr>
-              <a:t>)</a:t>
-            </a:r>
-            <a:r>
-              <a:rPr lang="zh-TW" altLang="zh-TW" dirty="0">
-                <a:solidFill>
-                  <a:schemeClr val="tx1"/>
-                </a:solidFill>
-                <a:latin typeface="微軟正黑體" panose="020B0604030504040204" pitchFamily="34" charset="-120"/>
-                <a:ea typeface="微軟正黑體" panose="020B0604030504040204" pitchFamily="34" charset="-120"/>
-              </a:rPr>
-              <a:t> 和 2</a:t>
-            </a:r>
-            <a:r>
-              <a:rPr lang="en-US" altLang="zh-TW" dirty="0">
-                <a:solidFill>
-                  <a:schemeClr val="tx1"/>
-                </a:solidFill>
-                <a:latin typeface="微軟正黑體" panose="020B0604030504040204" pitchFamily="34" charset="-120"/>
-                <a:ea typeface="微軟正黑體" panose="020B0604030504040204" pitchFamily="34" charset="-120"/>
-              </a:rPr>
-              <a:t>(</a:t>
-            </a:r>
-            <a:r>
-              <a:rPr lang="zh-TW" altLang="en-US" dirty="0">
-                <a:solidFill>
-                  <a:schemeClr val="tx1"/>
-                </a:solidFill>
-                <a:latin typeface="微軟正黑體" panose="020B0604030504040204" pitchFamily="34" charset="-120"/>
-                <a:ea typeface="微軟正黑體" panose="020B0604030504040204" pitchFamily="34" charset="-120"/>
-              </a:rPr>
-              <a:t>站點數平衡</a:t>
-            </a:r>
-            <a:r>
-              <a:rPr lang="en-US" altLang="zh-TW" dirty="0">
-                <a:solidFill>
-                  <a:schemeClr val="tx1"/>
-                </a:solidFill>
-                <a:latin typeface="微軟正黑體" panose="020B0604030504040204" pitchFamily="34" charset="-120"/>
-                <a:ea typeface="微軟正黑體" panose="020B0604030504040204" pitchFamily="34" charset="-120"/>
-              </a:rPr>
-              <a:t>)</a:t>
-            </a:r>
-            <a:r>
-              <a:rPr lang="zh-TW" altLang="zh-TW" dirty="0">
-                <a:solidFill>
-                  <a:schemeClr val="tx1"/>
-                </a:solidFill>
-                <a:latin typeface="微軟正黑體" panose="020B0604030504040204" pitchFamily="34" charset="-120"/>
-                <a:ea typeface="微軟正黑體" panose="020B0604030504040204" pitchFamily="34" charset="-120"/>
-              </a:rPr>
-              <a:t> 的預測相對較弱 </a:t>
-            </a:r>
-            <a:endParaRPr kumimoji="0" lang="zh-TW" altLang="zh-TW" b="0" i="0" u="none" strike="noStrike" cap="none" normalizeH="0" baseline="0" dirty="0">
+              <a:t>政策</a:t>
+            </a:r>
+            <a:endParaRPr kumimoji="0" lang="zh-TW" altLang="en-US" b="0" i="0" u="none" strike="noStrike" cap="none" normalizeH="0" baseline="0" dirty="0">
               <a:ln>
                 <a:noFill/>
               </a:ln>
@@ -6946,48 +6573,84 @@
           </a:p>
         </p:txBody>
       </p:sp>
-      <p:pic>
-        <p:nvPicPr>
-          <p:cNvPr id="12" name="圖片 11">
-            <a:extLst>
-              <a:ext uri="{FF2B5EF4-FFF2-40B4-BE49-F238E27FC236}">
-                <a16:creationId xmlns:a16="http://schemas.microsoft.com/office/drawing/2014/main" id="{F0F1F492-A020-41A6-B872-9D11747BA8B5}"/>
-              </a:ext>
-            </a:extLst>
-          </p:cNvPr>
-          <p:cNvPicPr>
-            <a:picLocks noChangeAspect="1"/>
-          </p:cNvPicPr>
+      <p:grpSp>
+        <p:nvGrpSpPr>
+          <p:cNvPr id="6" name="群組 5"/>
+          <p:cNvGrpSpPr/>
           <p:nvPr/>
-        </p:nvPicPr>
-        <p:blipFill>
-          <a:blip r:embed="rId2">
-            <a:extLst>
-              <a:ext uri="{28A0092B-C50C-407E-A947-70E740481C1C}">
-                <a14:useLocalDpi xmlns:a14="http://schemas.microsoft.com/office/drawing/2010/main" val="0"/>
-              </a:ext>
-            </a:extLst>
-          </a:blip>
-          <a:stretch>
-            <a:fillRect/>
-          </a:stretch>
-        </p:blipFill>
-        <p:spPr>
+        </p:nvGrpSpPr>
+        <p:grpSpPr>
           <a:xfrm>
-            <a:off x="5609650" y="1465050"/>
-            <a:ext cx="5925125" cy="4559518"/>
+            <a:off x="6442710" y="1565275"/>
+            <a:ext cx="4750435" cy="4201160"/>
+            <a:chOff x="9567" y="2465"/>
+            <a:chExt cx="7481" cy="6616"/>
           </a:xfrm>
-          <a:prstGeom prst="rect">
-            <a:avLst/>
-          </a:prstGeom>
-        </p:spPr>
-      </p:pic>
+        </p:grpSpPr>
+        <p:pic>
+          <p:nvPicPr>
+            <p:cNvPr id="12" name="圖片 11"/>
+            <p:cNvPicPr>
+              <a:picLocks noChangeAspect="1"/>
+            </p:cNvPicPr>
+            <p:nvPr/>
+          </p:nvPicPr>
+          <p:blipFill>
+            <a:blip r:embed="rId1">
+              <a:extLst>
+                <a:ext uri="{28A0092B-C50C-407E-A947-70E740481C1C}">
+                  <a14:useLocalDpi xmlns:a14="http://schemas.microsoft.com/office/drawing/2010/main" val="0"/>
+                </a:ext>
+              </a:extLst>
+            </a:blip>
+            <a:srcRect r="26111"/>
+            <a:stretch>
+              <a:fillRect/>
+            </a:stretch>
+          </p:blipFill>
+          <p:spPr>
+            <a:xfrm>
+              <a:off x="9567" y="2465"/>
+              <a:ext cx="6353" cy="6616"/>
+            </a:xfrm>
+            <a:prstGeom prst="rect">
+              <a:avLst/>
+            </a:prstGeom>
+          </p:spPr>
+        </p:pic>
+        <p:pic>
+          <p:nvPicPr>
+            <p:cNvPr id="3" name="圖片 2"/>
+            <p:cNvPicPr>
+              <a:picLocks noChangeAspect="1"/>
+            </p:cNvPicPr>
+            <p:nvPr/>
+          </p:nvPicPr>
+          <p:blipFill>
+            <a:blip r:embed="rId2">
+              <a:extLst>
+                <a:ext uri="{28A0092B-C50C-407E-A947-70E740481C1C}">
+                  <a14:useLocalDpi xmlns:a14="http://schemas.microsoft.com/office/drawing/2010/main" val="0"/>
+                </a:ext>
+              </a:extLst>
+            </a:blip>
+            <a:srcRect l="86055"/>
+            <a:stretch>
+              <a:fillRect/>
+            </a:stretch>
+          </p:blipFill>
+          <p:spPr>
+            <a:xfrm>
+              <a:off x="15850" y="2465"/>
+              <a:ext cx="1199" cy="6616"/>
+            </a:xfrm>
+            <a:prstGeom prst="rect">
+              <a:avLst/>
+            </a:prstGeom>
+          </p:spPr>
+        </p:pic>
+      </p:grpSp>
     </p:spTree>
-    <p:extLst>
-      <p:ext uri="{BB962C8B-B14F-4D97-AF65-F5344CB8AC3E}">
-        <p14:creationId xmlns:p14="http://schemas.microsoft.com/office/powerpoint/2010/main" val="1528187978"/>
-      </p:ext>
-    </p:extLst>
   </p:cSld>
   <p:clrMapOvr>
     <a:masterClrMapping/>
@@ -7014,13 +6677,7 @@
       </p:grpSpPr>
       <p:sp>
         <p:nvSpPr>
-          <p:cNvPr id="2" name="標題 1">
-            <a:extLst>
-              <a:ext uri="{FF2B5EF4-FFF2-40B4-BE49-F238E27FC236}">
-                <a16:creationId xmlns:a16="http://schemas.microsoft.com/office/drawing/2014/main" id="{1D9DE2F2-6DA6-47EA-B55F-F24C7EDEF372}"/>
-              </a:ext>
-            </a:extLst>
-          </p:cNvPr>
+          <p:cNvPr id="2" name="標題 1"/>
           <p:cNvSpPr>
             <a:spLocks noGrp="1"/>
           </p:cNvSpPr>
@@ -7120,13 +6777,7 @@
       </p:sp>
       <p:sp>
         <p:nvSpPr>
-          <p:cNvPr id="3" name="內容版面配置區 2">
-            <a:extLst>
-              <a:ext uri="{FF2B5EF4-FFF2-40B4-BE49-F238E27FC236}">
-                <a16:creationId xmlns:a16="http://schemas.microsoft.com/office/drawing/2014/main" id="{20BC4187-CE33-4E7B-A292-A34F27529658}"/>
-              </a:ext>
-            </a:extLst>
-          </p:cNvPr>
+          <p:cNvPr id="3" name="內容版面配置區 2"/>
           <p:cNvSpPr>
             <a:spLocks noGrp="1"/>
           </p:cNvSpPr>
@@ -7141,107 +6792,428 @@
           </a:bodyPr>
           <a:lstStyle/>
           <a:p>
-            <a:r>
-              <a:rPr lang="zh-TW" altLang="en-US" sz="3200" b="1" dirty="0">
-                <a:latin typeface="標楷體" panose="03000509000000000000" pitchFamily="65" charset="-120"/>
+            <a:pPr marL="0" indent="0" fontAlgn="auto">
+              <a:lnSpc>
+                <a:spcPct val="100000"/>
+              </a:lnSpc>
+              <a:spcBef>
+                <a:spcPts val="0"/>
+              </a:spcBef>
+              <a:spcAft>
+                <a:spcPts val="0"/>
+              </a:spcAft>
+              <a:buNone/>
+            </a:pPr>
+            <a:r>
+              <a:rPr lang="zh-TW" altLang="en-US">
+                <a:solidFill>
+                  <a:schemeClr val="tx1">
+                    <a:lumMod val="75000"/>
+                    <a:lumOff val="25000"/>
+                  </a:schemeClr>
+                </a:solidFill>
+                <a:uFillTx/>
+                <a:latin typeface="Arial" panose="020B0604020202020204" pitchFamily="34" charset="0"/>
                 <a:ea typeface="標楷體" panose="03000509000000000000" pitchFamily="65" charset="-120"/>
-                <a:hlinkClick r:id="rId2"/>
               </a:rPr>
               <a:t>交通部公路局 統計查詢網</a:t>
             </a:r>
-            <a:endParaRPr lang="en-US" altLang="zh-TW" sz="3200" b="1" dirty="0">
-              <a:latin typeface="標楷體" panose="03000509000000000000" pitchFamily="65" charset="-120"/>
+            <a:endParaRPr lang="zh-TW" altLang="en-US">
+              <a:solidFill>
+                <a:schemeClr val="tx1">
+                  <a:lumMod val="75000"/>
+                  <a:lumOff val="25000"/>
+                </a:schemeClr>
+              </a:solidFill>
+              <a:uFillTx/>
+              <a:latin typeface="Arial" panose="020B0604020202020204" pitchFamily="34" charset="0"/>
               <a:ea typeface="標楷體" panose="03000509000000000000" pitchFamily="65" charset="-120"/>
             </a:endParaRPr>
           </a:p>
           <a:p>
-            <a:pPr marL="0" indent="0">
+            <a:pPr marL="0" indent="0" fontAlgn="auto">
+              <a:lnSpc>
+                <a:spcPct val="100000"/>
+              </a:lnSpc>
+              <a:spcBef>
+                <a:spcPts val="0"/>
+              </a:spcBef>
+              <a:spcAft>
+                <a:spcPts val="0"/>
+              </a:spcAft>
               <a:buNone/>
             </a:pPr>
             <a:r>
-              <a:rPr lang="zh-TW" altLang="en-US" sz="3200" dirty="0">
-                <a:latin typeface="標楷體" panose="03000509000000000000" pitchFamily="65" charset="-120"/>
+              <a:rPr lang="en-US" altLang="zh-TW">
+                <a:solidFill>
+                  <a:schemeClr val="tx1">
+                    <a:lumMod val="75000"/>
+                    <a:lumOff val="25000"/>
+                  </a:schemeClr>
+                </a:solidFill>
+                <a:uFillTx/>
+                <a:latin typeface="Arial" panose="020B0604020202020204" pitchFamily="34" charset="0"/>
                 <a:ea typeface="標楷體" panose="03000509000000000000" pitchFamily="65" charset="-120"/>
-              </a:rPr>
-              <a:t> </a:t>
-            </a:r>
-            <a:r>
-              <a:rPr lang="en-US" altLang="zh-TW" sz="3200" b="1" dirty="0">
-                <a:latin typeface="標楷體" panose="03000509000000000000" pitchFamily="65" charset="-120"/>
+                <a:hlinkClick r:id="rId1" tooltip="" action="ppaction://hlinkfile"/>
+              </a:rPr>
+              <a:t>https://stat.thb.gov.tw/hb01/webMain.aspx?sys=100&amp;funid=11100</a:t>
+            </a:r>
+            <a:endParaRPr lang="en-US" altLang="zh-TW">
+              <a:solidFill>
+                <a:schemeClr val="tx1">
+                  <a:lumMod val="75000"/>
+                  <a:lumOff val="25000"/>
+                </a:schemeClr>
+              </a:solidFill>
+              <a:uFillTx/>
+              <a:latin typeface="Arial" panose="020B0604020202020204" pitchFamily="34" charset="0"/>
+              <a:ea typeface="標楷體" panose="03000509000000000000" pitchFamily="65" charset="-120"/>
+              <a:hlinkClick r:id="rId1" tooltip="" action="ppaction://hlinkfile"/>
+            </a:endParaRPr>
+          </a:p>
+          <a:p>
+            <a:pPr marL="0" indent="0" fontAlgn="auto">
+              <a:lnSpc>
+                <a:spcPct val="100000"/>
+              </a:lnSpc>
+              <a:spcBef>
+                <a:spcPts val="0"/>
+              </a:spcBef>
+              <a:spcAft>
+                <a:spcPts val="0"/>
+              </a:spcAft>
+              <a:buNone/>
+            </a:pPr>
+            <a:r>
+              <a:rPr lang="en-US" altLang="zh-TW">
+                <a:solidFill>
+                  <a:schemeClr val="tx1">
+                    <a:lumMod val="75000"/>
+                    <a:lumOff val="25000"/>
+                  </a:schemeClr>
+                </a:solidFill>
+                <a:uFillTx/>
+                <a:latin typeface="Arial" panose="020B0604020202020204" pitchFamily="34" charset="0"/>
                 <a:ea typeface="標楷體" panose="03000509000000000000" pitchFamily="65" charset="-120"/>
-                <a:hlinkClick r:id="rId3"/>
               </a:rPr>
               <a:t>Gogoro</a:t>
             </a:r>
             <a:r>
-              <a:rPr lang="zh-TW" altLang="en-US" sz="3200" b="1" dirty="0">
-                <a:latin typeface="標楷體" panose="03000509000000000000" pitchFamily="65" charset="-120"/>
+              <a:rPr lang="zh-TW" altLang="en-US">
+                <a:solidFill>
+                  <a:schemeClr val="tx1">
+                    <a:lumMod val="75000"/>
+                    <a:lumOff val="25000"/>
+                  </a:schemeClr>
+                </a:solidFill>
+                <a:uFillTx/>
+                <a:latin typeface="Arial" panose="020B0604020202020204" pitchFamily="34" charset="0"/>
                 <a:ea typeface="標楷體" panose="03000509000000000000" pitchFamily="65" charset="-120"/>
-                <a:hlinkClick r:id="rId3"/>
               </a:rPr>
               <a:t>官方網站</a:t>
             </a:r>
-            <a:endParaRPr lang="en-US" altLang="zh-TW" sz="3200" b="1" dirty="0">
-              <a:latin typeface="標楷體" panose="03000509000000000000" pitchFamily="65" charset="-120"/>
+            <a:endParaRPr lang="zh-TW" altLang="en-US">
+              <a:solidFill>
+                <a:schemeClr val="tx1">
+                  <a:lumMod val="75000"/>
+                  <a:lumOff val="25000"/>
+                </a:schemeClr>
+              </a:solidFill>
+              <a:uFillTx/>
+              <a:latin typeface="Arial" panose="020B0604020202020204" pitchFamily="34" charset="0"/>
               <a:ea typeface="標楷體" panose="03000509000000000000" pitchFamily="65" charset="-120"/>
             </a:endParaRPr>
           </a:p>
           <a:p>
-            <a:pPr marL="0" indent="0">
+            <a:pPr marL="0" indent="0" fontAlgn="auto">
+              <a:lnSpc>
+                <a:spcPct val="100000"/>
+              </a:lnSpc>
+              <a:spcBef>
+                <a:spcPts val="0"/>
+              </a:spcBef>
+              <a:spcAft>
+                <a:spcPts val="0"/>
+              </a:spcAft>
               <a:buNone/>
             </a:pPr>
             <a:r>
-              <a:rPr lang="en-US" altLang="zh-TW" sz="3200" dirty="0">
-                <a:latin typeface="標楷體" panose="03000509000000000000" pitchFamily="65" charset="-120"/>
+              <a:rPr lang="en-US" altLang="zh-TW">
+                <a:solidFill>
+                  <a:schemeClr val="tx1">
+                    <a:lumMod val="75000"/>
+                    <a:lumOff val="25000"/>
+                  </a:schemeClr>
+                </a:solidFill>
+                <a:uFillTx/>
+                <a:latin typeface="Arial" panose="020B0604020202020204" pitchFamily="34" charset="0"/>
                 <a:ea typeface="標楷體" panose="03000509000000000000" pitchFamily="65" charset="-120"/>
-              </a:rPr>
-              <a:t> </a:t>
-            </a:r>
-            <a:r>
-              <a:rPr lang="en-US" altLang="zh-TW" sz="3200" b="1" dirty="0" err="1">
-                <a:latin typeface="標楷體" panose="03000509000000000000" pitchFamily="65" charset="-120"/>
+                <a:hlinkClick r:id="rId2" tooltip="" action="ppaction://hlinkfile"/>
+              </a:rPr>
+              <a:t>https://www.gogoro.com/tw/findus/</a:t>
+            </a:r>
+            <a:endParaRPr lang="en-US" altLang="zh-TW">
+              <a:solidFill>
+                <a:schemeClr val="tx1">
+                  <a:lumMod val="75000"/>
+                  <a:lumOff val="25000"/>
+                </a:schemeClr>
+              </a:solidFill>
+              <a:uFillTx/>
+              <a:latin typeface="Arial" panose="020B0604020202020204" pitchFamily="34" charset="0"/>
+              <a:ea typeface="標楷體" panose="03000509000000000000" pitchFamily="65" charset="-120"/>
+              <a:hlinkClick r:id="rId2" tooltip="" action="ppaction://hlinkfile"/>
+            </a:endParaRPr>
+          </a:p>
+          <a:p>
+            <a:pPr marL="0" indent="0" fontAlgn="auto">
+              <a:lnSpc>
+                <a:spcPct val="100000"/>
+              </a:lnSpc>
+              <a:spcBef>
+                <a:spcPts val="0"/>
+              </a:spcBef>
+              <a:spcAft>
+                <a:spcPts val="0"/>
+              </a:spcAft>
+              <a:buNone/>
+            </a:pPr>
+            <a:r>
+              <a:rPr lang="en-US" altLang="zh-TW">
+                <a:solidFill>
+                  <a:schemeClr val="tx1">
+                    <a:lumMod val="75000"/>
+                    <a:lumOff val="25000"/>
+                  </a:schemeClr>
+                </a:solidFill>
+                <a:uFillTx/>
+                <a:latin typeface="Arial" panose="020B0604020202020204" pitchFamily="34" charset="0"/>
                 <a:ea typeface="標楷體" panose="03000509000000000000" pitchFamily="65" charset="-120"/>
-                <a:hlinkClick r:id="rId4"/>
               </a:rPr>
               <a:t>ChatGPT</a:t>
             </a:r>
-            <a:endParaRPr lang="en-US" altLang="zh-TW" sz="3200" b="1" dirty="0">
-              <a:latin typeface="標楷體" panose="03000509000000000000" pitchFamily="65" charset="-120"/>
+            <a:endParaRPr lang="en-US" altLang="zh-TW">
+              <a:solidFill>
+                <a:schemeClr val="tx1">
+                  <a:lumMod val="75000"/>
+                  <a:lumOff val="25000"/>
+                </a:schemeClr>
+              </a:solidFill>
+              <a:uFillTx/>
+              <a:latin typeface="Arial" panose="020B0604020202020204" pitchFamily="34" charset="0"/>
               <a:ea typeface="標楷體" panose="03000509000000000000" pitchFamily="65" charset="-120"/>
             </a:endParaRPr>
           </a:p>
           <a:p>
-            <a:pPr marL="0" indent="0">
+            <a:pPr marL="0" indent="0" fontAlgn="auto">
+              <a:lnSpc>
+                <a:spcPct val="100000"/>
+              </a:lnSpc>
+              <a:spcBef>
+                <a:spcPts val="0"/>
+              </a:spcBef>
+              <a:spcAft>
+                <a:spcPts val="0"/>
+              </a:spcAft>
               <a:buNone/>
             </a:pPr>
-            <a:endParaRPr lang="en-US" altLang="zh-TW" sz="3200" b="1" dirty="0">
-              <a:latin typeface="標楷體" panose="03000509000000000000" pitchFamily="65" charset="-120"/>
+            <a:r>
+              <a:rPr lang="en-US" altLang="zh-TW">
+                <a:solidFill>
+                  <a:schemeClr val="tx1">
+                    <a:lumMod val="75000"/>
+                    <a:lumOff val="25000"/>
+                  </a:schemeClr>
+                </a:solidFill>
+                <a:uFillTx/>
+                <a:latin typeface="Arial" panose="020B0604020202020204" pitchFamily="34" charset="0"/>
+                <a:ea typeface="標楷體" panose="03000509000000000000" pitchFamily="65" charset="-120"/>
+                <a:hlinkClick r:id="rId3" tooltip="" action="ppaction://hlinkfile"/>
+              </a:rPr>
+              <a:t>https://openai.com/index/gpt-4/</a:t>
+            </a:r>
+            <a:endParaRPr lang="en-US" altLang="zh-TW">
+              <a:solidFill>
+                <a:schemeClr val="tx1">
+                  <a:lumMod val="75000"/>
+                  <a:lumOff val="25000"/>
+                </a:schemeClr>
+              </a:solidFill>
+              <a:uFillTx/>
+              <a:latin typeface="Arial" panose="020B0604020202020204" pitchFamily="34" charset="0"/>
+              <a:ea typeface="標楷體" panose="03000509000000000000" pitchFamily="65" charset="-120"/>
+              <a:hlinkClick r:id="rId3" tooltip="" action="ppaction://hlinkfile"/>
+            </a:endParaRPr>
+          </a:p>
+          <a:p>
+            <a:pPr marL="0" indent="0" fontAlgn="auto">
+              <a:lnSpc>
+                <a:spcPct val="100000"/>
+              </a:lnSpc>
+              <a:spcBef>
+                <a:spcPts val="0"/>
+              </a:spcBef>
+              <a:spcAft>
+                <a:spcPts val="0"/>
+              </a:spcAft>
+              <a:buNone/>
+            </a:pPr>
+            <a:r>
+              <a:rPr lang="zh-TW" altLang="en-US">
+                <a:solidFill>
+                  <a:schemeClr val="tx1">
+                    <a:lumMod val="75000"/>
+                    <a:lumOff val="25000"/>
+                  </a:schemeClr>
+                </a:solidFill>
+                <a:uFillTx/>
+                <a:latin typeface="Arial" panose="020B0604020202020204" pitchFamily="34" charset="0"/>
+                <a:ea typeface="標楷體" panose="03000509000000000000" pitchFamily="65" charset="-120"/>
+              </a:rPr>
+              <a:t>內政部戶政司</a:t>
+            </a:r>
+            <a:endParaRPr lang="zh-TW" altLang="en-US">
+              <a:solidFill>
+                <a:schemeClr val="tx1">
+                  <a:lumMod val="75000"/>
+                  <a:lumOff val="25000"/>
+                </a:schemeClr>
+              </a:solidFill>
+              <a:uFillTx/>
+              <a:latin typeface="Arial" panose="020B0604020202020204" pitchFamily="34" charset="0"/>
               <a:ea typeface="標楷體" panose="03000509000000000000" pitchFamily="65" charset="-120"/>
             </a:endParaRPr>
           </a:p>
           <a:p>
-            <a:pPr marL="0" indent="0">
+            <a:pPr marL="0" indent="0" fontAlgn="auto">
+              <a:lnSpc>
+                <a:spcPct val="100000"/>
+              </a:lnSpc>
+              <a:spcBef>
+                <a:spcPts val="0"/>
+              </a:spcBef>
+              <a:spcAft>
+                <a:spcPts val="0"/>
+              </a:spcAft>
               <a:buNone/>
             </a:pPr>
-            <a:endParaRPr lang="en-US" altLang="zh-TW" sz="3200" dirty="0">
-              <a:latin typeface="標楷體" panose="03000509000000000000" pitchFamily="65" charset="-120"/>
+            <a:r>
+              <a:rPr lang="zh-TW" altLang="en-US">
+                <a:solidFill>
+                  <a:schemeClr val="tx1">
+                    <a:lumMod val="75000"/>
+                    <a:lumOff val="25000"/>
+                  </a:schemeClr>
+                </a:solidFill>
+                <a:uFillTx/>
+                <a:latin typeface="Arial" panose="020B0604020202020204" pitchFamily="34" charset="0"/>
+                <a:ea typeface="標楷體" panose="03000509000000000000" pitchFamily="65" charset="-120"/>
+                <a:hlinkClick r:id="rId4" tooltip="" action="ppaction://hlinkfile"/>
+              </a:rPr>
+              <a:t>https://www.ris.gov.tw/app/portal/346</a:t>
+            </a:r>
+            <a:endParaRPr lang="zh-TW" altLang="en-US">
+              <a:solidFill>
+                <a:schemeClr val="tx1">
+                  <a:lumMod val="75000"/>
+                  <a:lumOff val="25000"/>
+                </a:schemeClr>
+              </a:solidFill>
+              <a:uFillTx/>
+              <a:latin typeface="Arial" panose="020B0604020202020204" pitchFamily="34" charset="0"/>
               <a:ea typeface="標楷體" panose="03000509000000000000" pitchFamily="65" charset="-120"/>
+              <a:hlinkClick r:id="rId4" tooltip="" action="ppaction://hlinkfile"/>
             </a:endParaRPr>
           </a:p>
+          <a:p>
+            <a:pPr marL="0" indent="0" fontAlgn="auto">
+              <a:lnSpc>
+                <a:spcPct val="100000"/>
+              </a:lnSpc>
+              <a:spcBef>
+                <a:spcPts val="0"/>
+              </a:spcBef>
+              <a:spcAft>
+                <a:spcPts val="0"/>
+              </a:spcAft>
+              <a:buNone/>
+            </a:pPr>
+            <a:r>
+              <a:rPr lang="zh-TW" altLang="en-US">
+                <a:solidFill>
+                  <a:schemeClr val="tx1">
+                    <a:lumMod val="75000"/>
+                    <a:lumOff val="25000"/>
+                  </a:schemeClr>
+                </a:solidFill>
+                <a:uFillTx/>
+                <a:latin typeface="Arial" panose="020B0604020202020204" pitchFamily="34" charset="0"/>
+                <a:ea typeface="標楷體" panose="03000509000000000000" pitchFamily="65" charset="-120"/>
+              </a:rPr>
+              <a:t>中華郵政全球資訊網</a:t>
+            </a:r>
+            <a:r>
+              <a:rPr lang="en-US" altLang="zh-TW">
+                <a:solidFill>
+                  <a:schemeClr val="tx1">
+                    <a:lumMod val="75000"/>
+                    <a:lumOff val="25000"/>
+                  </a:schemeClr>
+                </a:solidFill>
+                <a:uFillTx/>
+                <a:latin typeface="Arial" panose="020B0604020202020204" pitchFamily="34" charset="0"/>
+                <a:ea typeface="標楷體" panose="03000509000000000000" pitchFamily="65" charset="-120"/>
+              </a:rPr>
+              <a:t>-</a:t>
+            </a:r>
+            <a:r>
+              <a:rPr lang="zh-TW" altLang="en-US">
+                <a:solidFill>
+                  <a:schemeClr val="tx1">
+                    <a:lumMod val="75000"/>
+                    <a:lumOff val="25000"/>
+                  </a:schemeClr>
+                </a:solidFill>
+                <a:uFillTx/>
+                <a:latin typeface="Arial" panose="020B0604020202020204" pitchFamily="34" charset="0"/>
+                <a:ea typeface="標楷體" panose="03000509000000000000" pitchFamily="65" charset="-120"/>
+              </a:rPr>
+              <a:t>行政區經緯度</a:t>
+            </a:r>
+            <a:r>
+              <a:rPr lang="zh-TW" altLang="en-US">
+                <a:solidFill>
+                  <a:schemeClr val="tx1">
+                    <a:lumMod val="75000"/>
+                    <a:lumOff val="25000"/>
+                  </a:schemeClr>
+                </a:solidFill>
+                <a:uFillTx/>
+                <a:latin typeface="Arial" panose="020B0604020202020204" pitchFamily="34" charset="0"/>
+                <a:ea typeface="標楷體" panose="03000509000000000000" pitchFamily="65" charset="-120"/>
+                <a:hlinkClick r:id="rId5" tooltip="" action="ppaction://hlinkfile"/>
+              </a:rPr>
+              <a:t>https://www.post.gov.tw/post/download/1050429_%E8%A1%8C%E6%94%BF%E5%8D%80%E7%B6%93%E7%B7%AF%E5%BA%A6%28toPost%29.ods</a:t>
+            </a:r>
+            <a:endParaRPr lang="zh-TW" altLang="en-US" sz="3200" dirty="0">
+              <a:solidFill>
+                <a:schemeClr val="tx1">
+                  <a:lumMod val="75000"/>
+                  <a:lumOff val="25000"/>
+                </a:schemeClr>
+              </a:solidFill>
+              <a:uFillTx/>
+              <a:latin typeface="Arial" panose="020B0604020202020204" pitchFamily="34" charset="0"/>
+              <a:ea typeface="標楷體" panose="03000509000000000000" pitchFamily="65" charset="-120"/>
+              <a:hlinkClick r:id="rId5" tooltip="" action="ppaction://hlinkfile"/>
+            </a:endParaRPr>
+          </a:p>
         </p:txBody>
       </p:sp>
       <p:sp>
         <p:nvSpPr>
-          <p:cNvPr id="4" name="標題 1">
-            <a:extLst>
-              <a:ext uri="{FF2B5EF4-FFF2-40B4-BE49-F238E27FC236}">
-                <a16:creationId xmlns:a16="http://schemas.microsoft.com/office/drawing/2014/main" id="{D7E30C2A-9546-422A-9765-8814855E64F7}"/>
-              </a:ext>
-            </a:extLst>
-          </p:cNvPr>
-          <p:cNvSpPr txBox="1">
-            <a:spLocks/>
-          </p:cNvSpPr>
+          <p:cNvPr id="4" name="標題 1"/>
+          <p:cNvSpPr txBox="1"/>
           <p:nvPr/>
         </p:nvSpPr>
         <p:spPr>
@@ -7288,11 +7260,6 @@
         </p:txBody>
       </p:sp>
     </p:spTree>
-    <p:extLst>
-      <p:ext uri="{BB962C8B-B14F-4D97-AF65-F5344CB8AC3E}">
-        <p14:creationId xmlns:p14="http://schemas.microsoft.com/office/powerpoint/2010/main" val="4139084592"/>
-      </p:ext>
-    </p:extLst>
   </p:cSld>
   <p:clrMapOvr>
     <a:masterClrMapping/>
@@ -7319,13 +7286,7 @@
       </p:grpSpPr>
       <p:sp>
         <p:nvSpPr>
-          <p:cNvPr id="2" name="標題 1">
-            <a:extLst>
-              <a:ext uri="{FF2B5EF4-FFF2-40B4-BE49-F238E27FC236}">
-                <a16:creationId xmlns:a16="http://schemas.microsoft.com/office/drawing/2014/main" id="{1A2B777C-600A-4468-9FA2-95E9AAE5A9D0}"/>
-              </a:ext>
-            </a:extLst>
-          </p:cNvPr>
+          <p:cNvPr id="2" name="標題 1"/>
           <p:cNvSpPr>
             <a:spLocks noGrp="1"/>
           </p:cNvSpPr>
@@ -7352,18 +7313,16 @@
               </a:rPr>
               <a:t>報告大綱</a:t>
             </a:r>
+            <a:endParaRPr lang="zh-TW" altLang="en-US" sz="3800" dirty="0">
+              <a:latin typeface="標楷體" panose="03000509000000000000" pitchFamily="65" charset="-120"/>
+              <a:ea typeface="標楷體" panose="03000509000000000000" pitchFamily="65" charset="-120"/>
+            </a:endParaRPr>
           </a:p>
         </p:txBody>
       </p:sp>
       <p:sp>
         <p:nvSpPr>
-          <p:cNvPr id="3" name="內容版面配置區 2">
-            <a:extLst>
-              <a:ext uri="{FF2B5EF4-FFF2-40B4-BE49-F238E27FC236}">
-                <a16:creationId xmlns:a16="http://schemas.microsoft.com/office/drawing/2014/main" id="{B9C81BAD-482D-42B6-A2F1-72515FAA29AD}"/>
-              </a:ext>
-            </a:extLst>
-          </p:cNvPr>
+          <p:cNvPr id="3" name="內容版面配置區 2"/>
           <p:cNvSpPr>
             <a:spLocks noGrp="1"/>
           </p:cNvSpPr>
@@ -7535,11 +7494,6 @@
         </p:txBody>
       </p:sp>
     </p:spTree>
-    <p:extLst>
-      <p:ext uri="{BB962C8B-B14F-4D97-AF65-F5344CB8AC3E}">
-        <p14:creationId xmlns:p14="http://schemas.microsoft.com/office/powerpoint/2010/main" val="2225292154"/>
-      </p:ext>
-    </p:extLst>
   </p:cSld>
   <p:clrMapOvr>
     <a:masterClrMapping/>
@@ -7566,13 +7520,7 @@
       </p:grpSpPr>
       <p:sp>
         <p:nvSpPr>
-          <p:cNvPr id="2" name="標題 1">
-            <a:extLst>
-              <a:ext uri="{FF2B5EF4-FFF2-40B4-BE49-F238E27FC236}">
-                <a16:creationId xmlns:a16="http://schemas.microsoft.com/office/drawing/2014/main" id="{FE587EF4-7C5F-4285-B371-3383CA5B34E2}"/>
-              </a:ext>
-            </a:extLst>
-          </p:cNvPr>
+          <p:cNvPr id="2" name="標題 1"/>
           <p:cNvSpPr>
             <a:spLocks noGrp="1"/>
           </p:cNvSpPr>
@@ -7592,18 +7540,16 @@
               </a:rPr>
               <a:t>提案動機</a:t>
             </a:r>
+            <a:endParaRPr lang="zh-TW" altLang="en-US" dirty="0">
+              <a:latin typeface="標楷體" panose="03000509000000000000" pitchFamily="65" charset="-120"/>
+              <a:ea typeface="標楷體" panose="03000509000000000000" pitchFamily="65" charset="-120"/>
+            </a:endParaRPr>
           </a:p>
         </p:txBody>
       </p:sp>
       <p:sp>
         <p:nvSpPr>
-          <p:cNvPr id="3" name="內容版面配置區 2">
-            <a:extLst>
-              <a:ext uri="{FF2B5EF4-FFF2-40B4-BE49-F238E27FC236}">
-                <a16:creationId xmlns:a16="http://schemas.microsoft.com/office/drawing/2014/main" id="{F6EF829D-DF26-40BE-8520-362CECEC4705}"/>
-              </a:ext>
-            </a:extLst>
-          </p:cNvPr>
+          <p:cNvPr id="3" name="內容版面配置區 2"/>
           <p:cNvSpPr>
             <a:spLocks noGrp="1"/>
           </p:cNvSpPr>
@@ -7629,6 +7575,10 @@
               </a:rPr>
               <a:t>充電站設點策略分析</a:t>
             </a:r>
+            <a:endParaRPr lang="zh-TW" altLang="en-US" sz="3300" b="1" dirty="0">
+              <a:latin typeface="標楷體" panose="03000509000000000000" pitchFamily="65" charset="-120"/>
+              <a:ea typeface="標楷體" panose="03000509000000000000" pitchFamily="65" charset="-120"/>
+            </a:endParaRPr>
           </a:p>
           <a:p>
             <a:pPr marL="0" lvl="0" indent="0" eaLnBrk="0" fontAlgn="base" hangingPunct="0">
@@ -7651,6 +7601,10 @@
               </a:rPr>
               <a:t>分析現有充電站分布的效率與不足之處。</a:t>
             </a:r>
+            <a:endParaRPr lang="zh-TW" altLang="zh-TW" sz="2800" dirty="0">
+              <a:latin typeface="微軟正黑體" panose="020B0604030504040204" pitchFamily="34" charset="-120"/>
+              <a:ea typeface="微軟正黑體" panose="020B0604030504040204" pitchFamily="34" charset="-120"/>
+            </a:endParaRPr>
           </a:p>
           <a:p>
             <a:pPr marL="0" lvl="0" indent="0" eaLnBrk="0" fontAlgn="base" hangingPunct="0">
@@ -7673,6 +7627,10 @@
               </a:rPr>
               <a:t>預測未來可能需要新增的站點位置。</a:t>
             </a:r>
+            <a:endParaRPr lang="zh-TW" altLang="zh-TW" sz="2800" dirty="0">
+              <a:latin typeface="微軟正黑體" panose="020B0604030504040204" pitchFamily="34" charset="-120"/>
+              <a:ea typeface="微軟正黑體" panose="020B0604030504040204" pitchFamily="34" charset="-120"/>
+            </a:endParaRPr>
           </a:p>
           <a:p>
             <a:pPr marL="0" lvl="0" indent="0" eaLnBrk="0" fontAlgn="base" hangingPunct="0">
@@ -7695,29 +7653,27 @@
               </a:rPr>
               <a:t>提供策略建議，優化充電站設點的規劃。 </a:t>
             </a:r>
+            <a:endParaRPr lang="zh-TW" altLang="zh-TW" sz="2800" dirty="0">
+              <a:latin typeface="微軟正黑體" panose="020B0604030504040204" pitchFamily="34" charset="-120"/>
+              <a:ea typeface="微軟正黑體" panose="020B0604030504040204" pitchFamily="34" charset="-120"/>
+            </a:endParaRPr>
           </a:p>
         </p:txBody>
       </p:sp>
       <p:pic>
         <p:nvPicPr>
-          <p:cNvPr id="4" name="圖片 3">
-            <a:extLst>
-              <a:ext uri="{FF2B5EF4-FFF2-40B4-BE49-F238E27FC236}">
-                <a16:creationId xmlns:a16="http://schemas.microsoft.com/office/drawing/2014/main" id="{0DA5B92B-29F0-4613-AE3A-318E1825AF52}"/>
-              </a:ext>
-            </a:extLst>
-          </p:cNvPr>
+          <p:cNvPr id="4" name="圖片 3"/>
           <p:cNvPicPr>
             <a:picLocks noChangeAspect="1"/>
           </p:cNvPicPr>
           <p:nvPr/>
         </p:nvPicPr>
         <p:blipFill>
-          <a:blip r:embed="rId2">
+          <a:blip r:embed="rId1">
             <a:extLst>
               <a:ext uri="{BEBA8EAE-BF5A-486C-A8C5-ECC9F3942E4B}">
                 <a14:imgProps xmlns:a14="http://schemas.microsoft.com/office/drawing/2010/main">
-                  <a14:imgLayer r:embed="rId3">
+                  <a14:imgLayer r:embed="rId2">
                     <a14:imgEffect>
                       <a14:backgroundRemoval t="2353" b="97353" l="5340" r="99757">
                         <a14:foregroundMark x1="41748" y1="12647" x2="94660" y2="2941"/>
@@ -7787,11 +7743,6 @@
         </p:spPr>
       </p:pic>
     </p:spTree>
-    <p:extLst>
-      <p:ext uri="{BB962C8B-B14F-4D97-AF65-F5344CB8AC3E}">
-        <p14:creationId xmlns:p14="http://schemas.microsoft.com/office/powerpoint/2010/main" val="1816166298"/>
-      </p:ext>
-    </p:extLst>
   </p:cSld>
   <p:clrMapOvr>
     <a:masterClrMapping/>
@@ -7818,13 +7769,7 @@
       </p:grpSpPr>
       <p:sp>
         <p:nvSpPr>
-          <p:cNvPr id="2" name="標題 1">
-            <a:extLst>
-              <a:ext uri="{FF2B5EF4-FFF2-40B4-BE49-F238E27FC236}">
-                <a16:creationId xmlns:a16="http://schemas.microsoft.com/office/drawing/2014/main" id="{2EAA0250-3399-4BB0-B883-920496E9330B}"/>
-              </a:ext>
-            </a:extLst>
-          </p:cNvPr>
+          <p:cNvPr id="2" name="標題 1"/>
           <p:cNvSpPr>
             <a:spLocks noGrp="1"/>
           </p:cNvSpPr>
@@ -7844,18 +7789,16 @@
               </a:rPr>
               <a:t>專案時程進度表</a:t>
             </a:r>
+            <a:endParaRPr lang="zh-TW" altLang="en-US" dirty="0">
+              <a:latin typeface="標楷體" panose="03000509000000000000" pitchFamily="65" charset="-120"/>
+              <a:ea typeface="標楷體" panose="03000509000000000000" pitchFamily="65" charset="-120"/>
+            </a:endParaRPr>
           </a:p>
         </p:txBody>
       </p:sp>
       <p:pic>
         <p:nvPicPr>
-          <p:cNvPr id="5" name="內容版面配置區 4">
-            <a:extLst>
-              <a:ext uri="{FF2B5EF4-FFF2-40B4-BE49-F238E27FC236}">
-                <a16:creationId xmlns:a16="http://schemas.microsoft.com/office/drawing/2014/main" id="{28F715DB-CABF-4BE6-A0BF-3793388911C5}"/>
-              </a:ext>
-            </a:extLst>
-          </p:cNvPr>
+          <p:cNvPr id="5" name="內容版面配置區 4"/>
           <p:cNvPicPr>
             <a:picLocks noGrp="1" noChangeAspect="1"/>
           </p:cNvPicPr>
@@ -7864,7 +7807,7 @@
           </p:nvPr>
         </p:nvPicPr>
         <p:blipFill>
-          <a:blip r:embed="rId2">
+          <a:blip r:embed="rId1">
             <a:extLst>
               <a:ext uri="{28A0092B-C50C-407E-A947-70E740481C1C}">
                 <a14:useLocalDpi xmlns:a14="http://schemas.microsoft.com/office/drawing/2010/main" val="0"/>
@@ -7883,11 +7826,6 @@
         </p:spPr>
       </p:pic>
     </p:spTree>
-    <p:extLst>
-      <p:ext uri="{BB962C8B-B14F-4D97-AF65-F5344CB8AC3E}">
-        <p14:creationId xmlns:p14="http://schemas.microsoft.com/office/powerpoint/2010/main" val="1478138620"/>
-      </p:ext>
-    </p:extLst>
   </p:cSld>
   <p:clrMapOvr>
     <a:masterClrMapping/>
@@ -7914,13 +7852,7 @@
       </p:grpSpPr>
       <p:sp>
         <p:nvSpPr>
-          <p:cNvPr id="2" name="標題 1">
-            <a:extLst>
-              <a:ext uri="{FF2B5EF4-FFF2-40B4-BE49-F238E27FC236}">
-                <a16:creationId xmlns:a16="http://schemas.microsoft.com/office/drawing/2014/main" id="{6049DB2E-8A22-46DC-A9B5-F6BF519FCB85}"/>
-              </a:ext>
-            </a:extLst>
-          </p:cNvPr>
+          <p:cNvPr id="2" name="標題 1"/>
           <p:cNvSpPr>
             <a:spLocks noGrp="1"/>
           </p:cNvSpPr>
@@ -7940,18 +7872,16 @@
               </a:rPr>
               <a:t>數據來源及分析工具</a:t>
             </a:r>
+            <a:endParaRPr lang="zh-TW" altLang="en-US" dirty="0">
+              <a:latin typeface="標楷體" panose="03000509000000000000" pitchFamily="65" charset="-120"/>
+              <a:ea typeface="標楷體" panose="03000509000000000000" pitchFamily="65" charset="-120"/>
+            </a:endParaRPr>
           </a:p>
         </p:txBody>
       </p:sp>
       <p:sp>
         <p:nvSpPr>
-          <p:cNvPr id="3" name="內容版面配置區 2">
-            <a:extLst>
-              <a:ext uri="{FF2B5EF4-FFF2-40B4-BE49-F238E27FC236}">
-                <a16:creationId xmlns:a16="http://schemas.microsoft.com/office/drawing/2014/main" id="{14ADA2C6-C002-49E0-B82B-37F4D07DDB5B}"/>
-              </a:ext>
-            </a:extLst>
-          </p:cNvPr>
+          <p:cNvPr id="3" name="內容版面配置區 2"/>
           <p:cNvSpPr>
             <a:spLocks noGrp="1"/>
           </p:cNvSpPr>
@@ -8069,6 +7999,10 @@
               </a:rPr>
               <a:t>第三方平台（Google Maps API）。</a:t>
             </a:r>
+            <a:endParaRPr lang="zh-TW" altLang="zh-TW" sz="2800" dirty="0">
+              <a:latin typeface="微軟正黑體" panose="020B0604030504040204" pitchFamily="34" charset="-120"/>
+              <a:ea typeface="微軟正黑體" panose="020B0604030504040204" pitchFamily="34" charset="-120"/>
+            </a:endParaRPr>
           </a:p>
           <a:p>
             <a:pPr marL="0" lvl="0" indent="0" eaLnBrk="0" fontAlgn="base" hangingPunct="0">
@@ -8099,11 +8033,6 @@
         </p:txBody>
       </p:sp>
     </p:spTree>
-    <p:extLst>
-      <p:ext uri="{BB962C8B-B14F-4D97-AF65-F5344CB8AC3E}">
-        <p14:creationId xmlns:p14="http://schemas.microsoft.com/office/powerpoint/2010/main" val="4294277144"/>
-      </p:ext>
-    </p:extLst>
   </p:cSld>
   <p:clrMapOvr>
     <a:masterClrMapping/>
@@ -8130,23 +8059,11 @@
       </p:grpSpPr>
       <p:graphicFrame>
         <p:nvGraphicFramePr>
-          <p:cNvPr id="24" name="表格 23">
-            <a:extLst>
-              <a:ext uri="{FF2B5EF4-FFF2-40B4-BE49-F238E27FC236}">
-                <a16:creationId xmlns:a16="http://schemas.microsoft.com/office/drawing/2014/main" id="{27072444-4CD7-4D0B-AFBB-F8957EB2B2A8}"/>
-              </a:ext>
-            </a:extLst>
-          </p:cNvPr>
+          <p:cNvPr id="24" name="表格 23"/>
           <p:cNvGraphicFramePr>
             <a:graphicFrameLocks noGrp="1"/>
           </p:cNvGraphicFramePr>
-          <p:nvPr>
-            <p:extLst>
-              <p:ext uri="{D42A27DB-BD31-4B8C-83A1-F6EECF244321}">
-                <p14:modId xmlns:p14="http://schemas.microsoft.com/office/powerpoint/2010/main" val="3141526931"/>
-              </p:ext>
-            </p:extLst>
-          </p:nvPr>
+          <p:nvPr/>
         </p:nvGraphicFramePr>
         <p:xfrm>
           <a:off x="573741" y="938533"/>
@@ -8159,27 +8076,9 @@
                 <a:tableStyleId>{5C22544A-7EE6-4342-B048-85BDC9FD1C3A}</a:tableStyleId>
               </a:tblPr>
               <a:tblGrid>
-                <a:gridCol w="2632821">
-                  <a:extLst>
-                    <a:ext uri="{9D8B030D-6E8A-4147-A177-3AD203B41FA5}">
-                      <a16:colId xmlns:a16="http://schemas.microsoft.com/office/drawing/2014/main" val="2342964963"/>
-                    </a:ext>
-                  </a:extLst>
-                </a:gridCol>
-                <a:gridCol w="4181475">
-                  <a:extLst>
-                    <a:ext uri="{9D8B030D-6E8A-4147-A177-3AD203B41FA5}">
-                      <a16:colId xmlns:a16="http://schemas.microsoft.com/office/drawing/2014/main" val="1081108911"/>
-                    </a:ext>
-                  </a:extLst>
-                </a:gridCol>
-                <a:gridCol w="4230222">
-                  <a:extLst>
-                    <a:ext uri="{9D8B030D-6E8A-4147-A177-3AD203B41FA5}">
-                      <a16:colId xmlns:a16="http://schemas.microsoft.com/office/drawing/2014/main" val="1248034750"/>
-                    </a:ext>
-                  </a:extLst>
-                </a:gridCol>
+                <a:gridCol w="2632821"/>
+                <a:gridCol w="4181475"/>
+                <a:gridCol w="4230222"/>
               </a:tblGrid>
               <a:tr h="608623">
                 <a:tc>
@@ -8252,11 +8151,6 @@
                   </a:txBody>
                   <a:tcPr marL="9525" marR="9525" marT="9525" marB="0" anchor="ctr"/>
                 </a:tc>
-                <a:extLst>
-                  <a:ext uri="{0D108BD9-81ED-4DB2-BD59-A6C34878D82A}">
-                    <a16:rowId xmlns:a16="http://schemas.microsoft.com/office/drawing/2014/main" val="3568632635"/>
-                  </a:ext>
-                </a:extLst>
               </a:tr>
               <a:tr h="756442">
                 <a:tc>
@@ -8354,11 +8248,6 @@
                   </a:txBody>
                   <a:tcPr marL="9525" marR="9525" marT="9525" marB="0" anchor="ctr"/>
                 </a:tc>
-                <a:extLst>
-                  <a:ext uri="{0D108BD9-81ED-4DB2-BD59-A6C34878D82A}">
-                    <a16:rowId xmlns:a16="http://schemas.microsoft.com/office/drawing/2014/main" val="3330827476"/>
-                  </a:ext>
-                </a:extLst>
               </a:tr>
               <a:tr h="756442">
                 <a:tc>
@@ -8454,11 +8343,6 @@
                   </a:txBody>
                   <a:tcPr marL="9525" marR="9525" marT="9525" marB="0" anchor="ctr"/>
                 </a:tc>
-                <a:extLst>
-                  <a:ext uri="{0D108BD9-81ED-4DB2-BD59-A6C34878D82A}">
-                    <a16:rowId xmlns:a16="http://schemas.microsoft.com/office/drawing/2014/main" val="3375152089"/>
-                  </a:ext>
-                </a:extLst>
               </a:tr>
               <a:tr h="642056">
                 <a:tc>
@@ -8538,11 +8422,6 @@
                   </a:txBody>
                   <a:tcPr marL="9525" marR="9525" marT="9525" marB="0" anchor="ctr"/>
                 </a:tc>
-                <a:extLst>
-                  <a:ext uri="{0D108BD9-81ED-4DB2-BD59-A6C34878D82A}">
-                    <a16:rowId xmlns:a16="http://schemas.microsoft.com/office/drawing/2014/main" val="746108931"/>
-                  </a:ext>
-                </a:extLst>
               </a:tr>
               <a:tr h="756442">
                 <a:tc>
@@ -8638,11 +8517,6 @@
                   </a:txBody>
                   <a:tcPr marL="9525" marR="9525" marT="9525" marB="0" anchor="ctr"/>
                 </a:tc>
-                <a:extLst>
-                  <a:ext uri="{0D108BD9-81ED-4DB2-BD59-A6C34878D82A}">
-                    <a16:rowId xmlns:a16="http://schemas.microsoft.com/office/drawing/2014/main" val="2479480757"/>
-                  </a:ext>
-                </a:extLst>
               </a:tr>
               <a:tr h="687207">
                 <a:tc>
@@ -8722,11 +8596,6 @@
                   </a:txBody>
                   <a:tcPr marL="9525" marR="9525" marT="9525" marB="0" anchor="ctr"/>
                 </a:tc>
-                <a:extLst>
-                  <a:ext uri="{0D108BD9-81ED-4DB2-BD59-A6C34878D82A}">
-                    <a16:rowId xmlns:a16="http://schemas.microsoft.com/office/drawing/2014/main" val="3873751089"/>
-                  </a:ext>
-                </a:extLst>
               </a:tr>
               <a:tr h="773723">
                 <a:tc>
@@ -8806,22 +8675,12 @@
                   </a:txBody>
                   <a:tcPr marL="9525" marR="9525" marT="9525" marB="0" anchor="ctr"/>
                 </a:tc>
-                <a:extLst>
-                  <a:ext uri="{0D108BD9-81ED-4DB2-BD59-A6C34878D82A}">
-                    <a16:rowId xmlns:a16="http://schemas.microsoft.com/office/drawing/2014/main" val="1014060821"/>
-                  </a:ext>
-                </a:extLst>
               </a:tr>
             </a:tbl>
           </a:graphicData>
         </a:graphic>
       </p:graphicFrame>
     </p:spTree>
-    <p:extLst>
-      <p:ext uri="{BB962C8B-B14F-4D97-AF65-F5344CB8AC3E}">
-        <p14:creationId xmlns:p14="http://schemas.microsoft.com/office/powerpoint/2010/main" val="653453442"/>
-      </p:ext>
-    </p:extLst>
   </p:cSld>
   <p:clrMapOvr>
     <a:masterClrMapping/>
@@ -8848,13 +8707,7 @@
       </p:grpSpPr>
       <p:sp>
         <p:nvSpPr>
-          <p:cNvPr id="2" name="標題 1">
-            <a:extLst>
-              <a:ext uri="{FF2B5EF4-FFF2-40B4-BE49-F238E27FC236}">
-                <a16:creationId xmlns:a16="http://schemas.microsoft.com/office/drawing/2014/main" id="{DE24EC96-40B2-4FE2-99EA-8B4D5F7F03E4}"/>
-              </a:ext>
-            </a:extLst>
-          </p:cNvPr>
+          <p:cNvPr id="2" name="標題 1"/>
           <p:cNvSpPr>
             <a:spLocks noGrp="1"/>
           </p:cNvSpPr>
@@ -8879,18 +8732,16 @@
               </a:rPr>
               <a:t>資料處理流程</a:t>
             </a:r>
+            <a:endParaRPr lang="zh-TW" altLang="en-US" dirty="0">
+              <a:latin typeface="微軟正黑體" panose="020B0604030504040204" pitchFamily="34" charset="-120"/>
+              <a:ea typeface="微軟正黑體" panose="020B0604030504040204" pitchFamily="34" charset="-120"/>
+            </a:endParaRPr>
           </a:p>
         </p:txBody>
       </p:sp>
       <p:sp>
         <p:nvSpPr>
-          <p:cNvPr id="6" name="文字方塊 5">
-            <a:extLst>
-              <a:ext uri="{FF2B5EF4-FFF2-40B4-BE49-F238E27FC236}">
-                <a16:creationId xmlns:a16="http://schemas.microsoft.com/office/drawing/2014/main" id="{E3585570-9315-4E63-ADCD-3DE0EBD83ACB}"/>
-              </a:ext>
-            </a:extLst>
-          </p:cNvPr>
+          <p:cNvPr id="6" name="文字方塊 5"/>
           <p:cNvSpPr txBox="1"/>
           <p:nvPr/>
         </p:nvSpPr>
@@ -8984,18 +8835,16 @@
               </a:rPr>
               <a:t>進行站點增減設的判斷</a:t>
             </a:r>
+            <a:endParaRPr lang="zh-TW" altLang="en-US" sz="2400" dirty="0">
+              <a:latin typeface="微軟正黑體" panose="020B0604030504040204" pitchFamily="34" charset="-120"/>
+              <a:ea typeface="微軟正黑體" panose="020B0604030504040204" pitchFamily="34" charset="-120"/>
+            </a:endParaRPr>
           </a:p>
         </p:txBody>
       </p:sp>
       <p:grpSp>
         <p:nvGrpSpPr>
-          <p:cNvPr id="9" name="群組 8">
-            <a:extLst>
-              <a:ext uri="{FF2B5EF4-FFF2-40B4-BE49-F238E27FC236}">
-                <a16:creationId xmlns:a16="http://schemas.microsoft.com/office/drawing/2014/main" id="{B85E7AAF-9E5F-44E3-8495-B479126C60FE}"/>
-              </a:ext>
-            </a:extLst>
-          </p:cNvPr>
+          <p:cNvPr id="9" name="群組 8"/>
           <p:cNvGrpSpPr/>
           <p:nvPr/>
         </p:nvGrpSpPr>
@@ -9015,13 +8864,7 @@
         </p:grpSpPr>
         <p:grpSp>
           <p:nvGrpSpPr>
-            <p:cNvPr id="3" name="群組 2">
-              <a:extLst>
-                <a:ext uri="{FF2B5EF4-FFF2-40B4-BE49-F238E27FC236}">
-                  <a16:creationId xmlns:a16="http://schemas.microsoft.com/office/drawing/2014/main" id="{FB38A6F4-469F-4340-82B5-305A053E4105}"/>
-                </a:ext>
-              </a:extLst>
-            </p:cNvPr>
+            <p:cNvPr id="3" name="群組 2"/>
             <p:cNvGrpSpPr/>
             <p:nvPr/>
           </p:nvGrpSpPr>
@@ -9036,13 +8879,7 @@
           </p:grpSpPr>
           <p:sp>
             <p:nvSpPr>
-              <p:cNvPr id="4" name="流程圖: 替代程序 3">
-                <a:extLst>
-                  <a:ext uri="{FF2B5EF4-FFF2-40B4-BE49-F238E27FC236}">
-                    <a16:creationId xmlns:a16="http://schemas.microsoft.com/office/drawing/2014/main" id="{D494DA25-F319-4DCD-A183-13B9C158E799}"/>
-                  </a:ext>
-                </a:extLst>
-              </p:cNvPr>
+              <p:cNvPr id="4" name="流程圖: 替代程序 3"/>
               <p:cNvSpPr>
                 <a:spLocks noChangeAspect="1"/>
               </p:cNvSpPr>
@@ -9093,13 +8930,7 @@
           </p:sp>
           <p:sp>
             <p:nvSpPr>
-              <p:cNvPr id="27" name="流程圖: 替代程序 26">
-                <a:extLst>
-                  <a:ext uri="{FF2B5EF4-FFF2-40B4-BE49-F238E27FC236}">
-                    <a16:creationId xmlns:a16="http://schemas.microsoft.com/office/drawing/2014/main" id="{B34D4ECC-8BB6-4677-A716-67B213F0F6AF}"/>
-                  </a:ext>
-                </a:extLst>
-              </p:cNvPr>
+              <p:cNvPr id="27" name="流程圖: 替代程序 26"/>
               <p:cNvSpPr>
                 <a:spLocks noChangeAspect="1"/>
               </p:cNvSpPr>
@@ -9150,13 +8981,7 @@
           </p:sp>
           <p:sp>
             <p:nvSpPr>
-              <p:cNvPr id="30" name="流程圖: 替代程序 29">
-                <a:extLst>
-                  <a:ext uri="{FF2B5EF4-FFF2-40B4-BE49-F238E27FC236}">
-                    <a16:creationId xmlns:a16="http://schemas.microsoft.com/office/drawing/2014/main" id="{ED7B69BA-4514-42CD-AF1D-9066A73648EC}"/>
-                  </a:ext>
-                </a:extLst>
-              </p:cNvPr>
+              <p:cNvPr id="30" name="流程圖: 替代程序 29"/>
               <p:cNvSpPr>
                 <a:spLocks noChangeAspect="1"/>
               </p:cNvSpPr>
@@ -9207,13 +9032,7 @@
           </p:sp>
           <p:sp>
             <p:nvSpPr>
-              <p:cNvPr id="31" name="流程圖: 替代程序 30">
-                <a:extLst>
-                  <a:ext uri="{FF2B5EF4-FFF2-40B4-BE49-F238E27FC236}">
-                    <a16:creationId xmlns:a16="http://schemas.microsoft.com/office/drawing/2014/main" id="{BD3688D7-E468-4E73-9CE8-0C212BF4AF48}"/>
-                  </a:ext>
-                </a:extLst>
-              </p:cNvPr>
+              <p:cNvPr id="31" name="流程圖: 替代程序 30"/>
               <p:cNvSpPr>
                 <a:spLocks noChangeAspect="1"/>
               </p:cNvSpPr>
@@ -9264,13 +9083,7 @@
           </p:sp>
           <p:sp>
             <p:nvSpPr>
-              <p:cNvPr id="32" name="流程圖: 替代程序 31">
-                <a:extLst>
-                  <a:ext uri="{FF2B5EF4-FFF2-40B4-BE49-F238E27FC236}">
-                    <a16:creationId xmlns:a16="http://schemas.microsoft.com/office/drawing/2014/main" id="{A842F1E7-6259-4FB1-BC42-FE6D0A20385D}"/>
-                  </a:ext>
-                </a:extLst>
-              </p:cNvPr>
+              <p:cNvPr id="32" name="流程圖: 替代程序 31"/>
               <p:cNvSpPr>
                 <a:spLocks noChangeAspect="1"/>
               </p:cNvSpPr>
@@ -9321,13 +9134,7 @@
           </p:sp>
           <p:sp>
             <p:nvSpPr>
-              <p:cNvPr id="33" name="流程圖: 替代程序 32">
-                <a:extLst>
-                  <a:ext uri="{FF2B5EF4-FFF2-40B4-BE49-F238E27FC236}">
-                    <a16:creationId xmlns:a16="http://schemas.microsoft.com/office/drawing/2014/main" id="{0D261B01-E037-4C1F-B656-C330CB4A6552}"/>
-                  </a:ext>
-                </a:extLst>
-              </p:cNvPr>
+              <p:cNvPr id="33" name="流程圖: 替代程序 32"/>
               <p:cNvSpPr>
                 <a:spLocks noChangeAspect="1"/>
               </p:cNvSpPr>
@@ -9369,18 +9176,16 @@
                   </a:rPr>
                   <a:t>模型訓練</a:t>
                 </a:r>
+                <a:endParaRPr lang="zh-TW" altLang="en-US" sz="1400" b="1" dirty="0">
+                  <a:latin typeface="微軟正黑體" panose="020B0604030504040204" pitchFamily="34" charset="-120"/>
+                  <a:ea typeface="微軟正黑體" panose="020B0604030504040204" pitchFamily="34" charset="-120"/>
+                </a:endParaRPr>
               </a:p>
             </p:txBody>
           </p:sp>
           <p:sp>
             <p:nvSpPr>
-              <p:cNvPr id="34" name="流程圖: 替代程序 33">
-                <a:extLst>
-                  <a:ext uri="{FF2B5EF4-FFF2-40B4-BE49-F238E27FC236}">
-                    <a16:creationId xmlns:a16="http://schemas.microsoft.com/office/drawing/2014/main" id="{A43E6617-3AA7-4E5B-9183-F9D932C3CAC5}"/>
-                  </a:ext>
-                </a:extLst>
-              </p:cNvPr>
+              <p:cNvPr id="34" name="流程圖: 替代程序 33"/>
               <p:cNvSpPr>
                 <a:spLocks noChangeAspect="1"/>
               </p:cNvSpPr>
@@ -9431,13 +9236,7 @@
           </p:sp>
           <p:sp>
             <p:nvSpPr>
-              <p:cNvPr id="35" name="流程圖: 替代程序 34">
-                <a:extLst>
-                  <a:ext uri="{FF2B5EF4-FFF2-40B4-BE49-F238E27FC236}">
-                    <a16:creationId xmlns:a16="http://schemas.microsoft.com/office/drawing/2014/main" id="{E4B0E695-7B0E-406C-964A-DE6E4AE7049F}"/>
-                  </a:ext>
-                </a:extLst>
-              </p:cNvPr>
+              <p:cNvPr id="35" name="流程圖: 替代程序 34"/>
               <p:cNvSpPr>
                 <a:spLocks noChangeAspect="1"/>
               </p:cNvSpPr>
@@ -9488,13 +9287,7 @@
           </p:sp>
           <p:cxnSp>
             <p:nvCxnSpPr>
-              <p:cNvPr id="102" name="直線單箭頭接點 101">
-                <a:extLst>
-                  <a:ext uri="{FF2B5EF4-FFF2-40B4-BE49-F238E27FC236}">
-                    <a16:creationId xmlns:a16="http://schemas.microsoft.com/office/drawing/2014/main" id="{B540E847-BD25-4A61-9275-1F5CEF88BFCB}"/>
-                  </a:ext>
-                </a:extLst>
-              </p:cNvPr>
+              <p:cNvPr id="102" name="直線單箭頭接點 101"/>
               <p:cNvCxnSpPr>
                 <a:stCxn id="4" idx="3"/>
                 <a:endCxn id="27" idx="1"/>
@@ -9531,13 +9324,7 @@
           </p:cxnSp>
           <p:cxnSp>
             <p:nvCxnSpPr>
-              <p:cNvPr id="103" name="直線單箭頭接點 102">
-                <a:extLst>
-                  <a:ext uri="{FF2B5EF4-FFF2-40B4-BE49-F238E27FC236}">
-                    <a16:creationId xmlns:a16="http://schemas.microsoft.com/office/drawing/2014/main" id="{97E7B2DD-93B0-4354-A372-9BFAC9810D24}"/>
-                  </a:ext>
-                </a:extLst>
-              </p:cNvPr>
+              <p:cNvPr id="103" name="直線單箭頭接點 102"/>
               <p:cNvCxnSpPr/>
               <p:nvPr/>
             </p:nvCxnSpPr>
@@ -9571,13 +9358,7 @@
           </p:cxnSp>
           <p:cxnSp>
             <p:nvCxnSpPr>
-              <p:cNvPr id="105" name="直線單箭頭接點 104">
-                <a:extLst>
-                  <a:ext uri="{FF2B5EF4-FFF2-40B4-BE49-F238E27FC236}">
-                    <a16:creationId xmlns:a16="http://schemas.microsoft.com/office/drawing/2014/main" id="{8ED6A939-5540-44DF-9312-61A0B8F6C336}"/>
-                  </a:ext>
-                </a:extLst>
-              </p:cNvPr>
+              <p:cNvPr id="105" name="直線單箭頭接點 104"/>
               <p:cNvCxnSpPr/>
               <p:nvPr/>
             </p:nvCxnSpPr>
@@ -9611,13 +9392,7 @@
           </p:cxnSp>
           <p:cxnSp>
             <p:nvCxnSpPr>
-              <p:cNvPr id="106" name="直線單箭頭接點 105">
-                <a:extLst>
-                  <a:ext uri="{FF2B5EF4-FFF2-40B4-BE49-F238E27FC236}">
-                    <a16:creationId xmlns:a16="http://schemas.microsoft.com/office/drawing/2014/main" id="{66ABB9AD-DF21-49F6-B7F4-267F44743F1D}"/>
-                  </a:ext>
-                </a:extLst>
-              </p:cNvPr>
+              <p:cNvPr id="106" name="直線單箭頭接點 105"/>
               <p:cNvCxnSpPr/>
               <p:nvPr/>
             </p:nvCxnSpPr>
@@ -9651,13 +9426,7 @@
           </p:cxnSp>
           <p:cxnSp>
             <p:nvCxnSpPr>
-              <p:cNvPr id="108" name="直線單箭頭接點 107">
-                <a:extLst>
-                  <a:ext uri="{FF2B5EF4-FFF2-40B4-BE49-F238E27FC236}">
-                    <a16:creationId xmlns:a16="http://schemas.microsoft.com/office/drawing/2014/main" id="{DAA647D5-2F4A-4965-946B-013E3C8283F9}"/>
-                  </a:ext>
-                </a:extLst>
-              </p:cNvPr>
+              <p:cNvPr id="108" name="直線單箭頭接點 107"/>
               <p:cNvCxnSpPr/>
               <p:nvPr/>
             </p:nvCxnSpPr>
@@ -9691,13 +9460,7 @@
           </p:cxnSp>
           <p:cxnSp>
             <p:nvCxnSpPr>
-              <p:cNvPr id="110" name="直線單箭頭接點 109">
-                <a:extLst>
-                  <a:ext uri="{FF2B5EF4-FFF2-40B4-BE49-F238E27FC236}">
-                    <a16:creationId xmlns:a16="http://schemas.microsoft.com/office/drawing/2014/main" id="{29A2D890-A47A-4687-9C44-79A489040B4C}"/>
-                  </a:ext>
-                </a:extLst>
-              </p:cNvPr>
+              <p:cNvPr id="110" name="直線單箭頭接點 109"/>
               <p:cNvCxnSpPr/>
               <p:nvPr/>
             </p:nvCxnSpPr>
@@ -9732,13 +9495,7 @@
         </p:grpSp>
         <p:cxnSp>
           <p:nvCxnSpPr>
-            <p:cNvPr id="8" name="接點: 肘形 7">
-              <a:extLst>
-                <a:ext uri="{FF2B5EF4-FFF2-40B4-BE49-F238E27FC236}">
-                  <a16:creationId xmlns:a16="http://schemas.microsoft.com/office/drawing/2014/main" id="{309A22CB-B19B-4478-8A19-1A03D2AC9ACF}"/>
-                </a:ext>
-              </a:extLst>
-            </p:cNvPr>
+            <p:cNvPr id="8" name="接點: 肘形 7"/>
             <p:cNvCxnSpPr>
               <a:stCxn id="32" idx="3"/>
               <a:endCxn id="33" idx="0"/>
@@ -9778,11 +9535,6 @@
         </p:cxnSp>
       </p:grpSp>
     </p:spTree>
-    <p:extLst>
-      <p:ext uri="{BB962C8B-B14F-4D97-AF65-F5344CB8AC3E}">
-        <p14:creationId xmlns:p14="http://schemas.microsoft.com/office/powerpoint/2010/main" val="353089775"/>
-      </p:ext>
-    </p:extLst>
   </p:cSld>
   <p:clrMapOvr>
     <a:masterClrMapping/>
@@ -9809,13 +9561,7 @@
       </p:grpSpPr>
       <p:sp>
         <p:nvSpPr>
-          <p:cNvPr id="2" name="標題 1">
-            <a:extLst>
-              <a:ext uri="{FF2B5EF4-FFF2-40B4-BE49-F238E27FC236}">
-                <a16:creationId xmlns:a16="http://schemas.microsoft.com/office/drawing/2014/main" id="{1D9DE2F2-6DA6-47EA-B55F-F24C7EDEF372}"/>
-              </a:ext>
-            </a:extLst>
-          </p:cNvPr>
+          <p:cNvPr id="2" name="標題 1"/>
           <p:cNvSpPr>
             <a:spLocks noGrp="1"/>
           </p:cNvSpPr>
@@ -9848,16 +9594,8 @@
       </p:sp>
       <p:sp>
         <p:nvSpPr>
-          <p:cNvPr id="4" name="標題 1">
-            <a:extLst>
-              <a:ext uri="{FF2B5EF4-FFF2-40B4-BE49-F238E27FC236}">
-                <a16:creationId xmlns:a16="http://schemas.microsoft.com/office/drawing/2014/main" id="{D7E30C2A-9546-422A-9765-8814855E64F7}"/>
-              </a:ext>
-            </a:extLst>
-          </p:cNvPr>
-          <p:cNvSpPr txBox="1">
-            <a:spLocks/>
-          </p:cNvSpPr>
+          <p:cNvPr id="4" name="標題 1"/>
+          <p:cNvSpPr txBox="1"/>
           <p:nvPr/>
         </p:nvSpPr>
         <p:spPr>
@@ -9905,13 +9643,7 @@
       </p:sp>
       <p:pic>
         <p:nvPicPr>
-          <p:cNvPr id="7" name="內容版面配置區 6">
-            <a:extLst>
-              <a:ext uri="{FF2B5EF4-FFF2-40B4-BE49-F238E27FC236}">
-                <a16:creationId xmlns:a16="http://schemas.microsoft.com/office/drawing/2014/main" id="{8B257C86-0D32-4238-82DB-B90DE09D7EF3}"/>
-              </a:ext>
-            </a:extLst>
-          </p:cNvPr>
+          <p:cNvPr id="7" name="內容版面配置區 6"/>
           <p:cNvPicPr>
             <a:picLocks noGrp="1" noChangeAspect="1"/>
           </p:cNvPicPr>
@@ -9920,7 +9652,7 @@
           </p:nvPr>
         </p:nvPicPr>
         <p:blipFill rotWithShape="1">
-          <a:blip r:embed="rId2">
+          <a:blip r:embed="rId1">
             <a:extLst>
               <a:ext uri="{28A0092B-C50C-407E-A947-70E740481C1C}">
                 <a14:useLocalDpi xmlns:a14="http://schemas.microsoft.com/office/drawing/2010/main" val="0"/>
@@ -9928,7 +9660,9 @@
             </a:extLst>
           </a:blip>
           <a:srcRect l="14658" t="7940" r="10770" b="13498"/>
-          <a:stretch/>
+          <a:stretch>
+            <a:fillRect/>
+          </a:stretch>
         </p:blipFill>
         <p:spPr>
           <a:xfrm>
@@ -9938,11 +9672,6 @@
         </p:spPr>
       </p:pic>
     </p:spTree>
-    <p:extLst>
-      <p:ext uri="{BB962C8B-B14F-4D97-AF65-F5344CB8AC3E}">
-        <p14:creationId xmlns:p14="http://schemas.microsoft.com/office/powerpoint/2010/main" val="2008969090"/>
-      </p:ext>
-    </p:extLst>
   </p:cSld>
   <p:clrMapOvr>
     <a:masterClrMapping/>
@@ -9969,13 +9698,7 @@
       </p:grpSpPr>
       <p:sp>
         <p:nvSpPr>
-          <p:cNvPr id="2" name="標題 1">
-            <a:extLst>
-              <a:ext uri="{FF2B5EF4-FFF2-40B4-BE49-F238E27FC236}">
-                <a16:creationId xmlns:a16="http://schemas.microsoft.com/office/drawing/2014/main" id="{1D9DE2F2-6DA6-47EA-B55F-F24C7EDEF372}"/>
-              </a:ext>
-            </a:extLst>
-          </p:cNvPr>
+          <p:cNvPr id="2" name="標題 1"/>
           <p:cNvSpPr>
             <a:spLocks noGrp="1"/>
           </p:cNvSpPr>
@@ -9991,82 +9714,10 @@
         </p:spPr>
         <p:txBody>
           <a:bodyPr>
-            <a:normAutofit fontScale="90000"/>
+            <a:normAutofit/>
           </a:bodyPr>
           <a:lstStyle/>
           <a:p>
-            <a:br>
-              <a:rPr lang="en-US" altLang="zh-TW" dirty="0">
-                <a:latin typeface="標楷體" panose="03000509000000000000" pitchFamily="65" charset="-120"/>
-                <a:ea typeface="標楷體" panose="03000509000000000000" pitchFamily="65" charset="-120"/>
-              </a:rPr>
-            </a:br>
-            <a:br>
-              <a:rPr lang="en-US" altLang="zh-TW" dirty="0">
-                <a:latin typeface="標楷體" panose="03000509000000000000" pitchFamily="65" charset="-120"/>
-                <a:ea typeface="標楷體" panose="03000509000000000000" pitchFamily="65" charset="-120"/>
-              </a:rPr>
-            </a:br>
-            <a:br>
-              <a:rPr lang="en-US" altLang="zh-TW" dirty="0">
-                <a:latin typeface="標楷體" panose="03000509000000000000" pitchFamily="65" charset="-120"/>
-                <a:ea typeface="標楷體" panose="03000509000000000000" pitchFamily="65" charset="-120"/>
-              </a:rPr>
-            </a:br>
-            <a:br>
-              <a:rPr lang="en-US" altLang="zh-TW" dirty="0">
-                <a:latin typeface="標楷體" panose="03000509000000000000" pitchFamily="65" charset="-120"/>
-                <a:ea typeface="標楷體" panose="03000509000000000000" pitchFamily="65" charset="-120"/>
-              </a:rPr>
-            </a:br>
-            <a:br>
-              <a:rPr lang="en-US" altLang="zh-TW" dirty="0">
-                <a:latin typeface="標楷體" panose="03000509000000000000" pitchFamily="65" charset="-120"/>
-                <a:ea typeface="標楷體" panose="03000509000000000000" pitchFamily="65" charset="-120"/>
-              </a:rPr>
-            </a:br>
-            <a:br>
-              <a:rPr lang="en-US" altLang="zh-TW" dirty="0">
-                <a:latin typeface="標楷體" panose="03000509000000000000" pitchFamily="65" charset="-120"/>
-                <a:ea typeface="標楷體" panose="03000509000000000000" pitchFamily="65" charset="-120"/>
-              </a:rPr>
-            </a:br>
-            <a:br>
-              <a:rPr lang="en-US" altLang="zh-TW" dirty="0">
-                <a:latin typeface="標楷體" panose="03000509000000000000" pitchFamily="65" charset="-120"/>
-                <a:ea typeface="標楷體" panose="03000509000000000000" pitchFamily="65" charset="-120"/>
-              </a:rPr>
-            </a:br>
-            <a:br>
-              <a:rPr lang="en-US" altLang="zh-TW" sz="5300" dirty="0">
-                <a:latin typeface="標楷體" panose="03000509000000000000" pitchFamily="65" charset="-120"/>
-                <a:ea typeface="標楷體" panose="03000509000000000000" pitchFamily="65" charset="-120"/>
-              </a:rPr>
-            </a:br>
-            <a:br>
-              <a:rPr lang="en-US" altLang="zh-TW" dirty="0">
-                <a:latin typeface="標楷體" panose="03000509000000000000" pitchFamily="65" charset="-120"/>
-                <a:ea typeface="標楷體" panose="03000509000000000000" pitchFamily="65" charset="-120"/>
-              </a:rPr>
-            </a:br>
-            <a:br>
-              <a:rPr lang="en-US" altLang="zh-TW" dirty="0">
-                <a:latin typeface="標楷體" panose="03000509000000000000" pitchFamily="65" charset="-120"/>
-                <a:ea typeface="標楷體" panose="03000509000000000000" pitchFamily="65" charset="-120"/>
-              </a:rPr>
-            </a:br>
-            <a:br>
-              <a:rPr lang="en-US" altLang="zh-TW" dirty="0">
-                <a:latin typeface="標楷體" panose="03000509000000000000" pitchFamily="65" charset="-120"/>
-                <a:ea typeface="標楷體" panose="03000509000000000000" pitchFamily="65" charset="-120"/>
-              </a:rPr>
-            </a:br>
-            <a:br>
-              <a:rPr lang="en-US" altLang="zh-TW" dirty="0">
-                <a:latin typeface="標楷體" panose="03000509000000000000" pitchFamily="65" charset="-120"/>
-                <a:ea typeface="標楷體" panose="03000509000000000000" pitchFamily="65" charset="-120"/>
-              </a:rPr>
-            </a:br>
             <a:r>
               <a:rPr lang="zh-TW" altLang="en-US" dirty="0">
                 <a:latin typeface="標楷體" panose="03000509000000000000" pitchFamily="65" charset="-120"/>
@@ -10080,77 +9731,14 @@
       </p:sp>
       <p:sp>
         <p:nvSpPr>
-          <p:cNvPr id="4" name="標題 1">
-            <a:extLst>
-              <a:ext uri="{FF2B5EF4-FFF2-40B4-BE49-F238E27FC236}">
-                <a16:creationId xmlns:a16="http://schemas.microsoft.com/office/drawing/2014/main" id="{D7E30C2A-9546-422A-9765-8814855E64F7}"/>
-              </a:ext>
-            </a:extLst>
-          </p:cNvPr>
-          <p:cNvSpPr txBox="1">
-            <a:spLocks/>
-          </p:cNvSpPr>
-          <p:nvPr/>
-        </p:nvSpPr>
-        <p:spPr>
-          <a:xfrm>
-            <a:off x="952500" y="286603"/>
-            <a:ext cx="10203180" cy="342047"/>
-          </a:xfrm>
-          <a:prstGeom prst="rect">
-            <a:avLst/>
-          </a:prstGeom>
-        </p:spPr>
-        <p:txBody>
-          <a:bodyPr vert="horz" lIns="91440" tIns="45720" rIns="91440" bIns="45720" rtlCol="0" anchor="b">
-            <a:normAutofit fontScale="47500" lnSpcReduction="20000"/>
-          </a:bodyPr>
-          <a:lstStyle>
-            <a:lvl1pPr marL="0" algn="l" defTabSz="914400" rtl="0" eaLnBrk="1" latinLnBrk="0" hangingPunct="1">
-              <a:lnSpc>
-                <a:spcPct val="85000"/>
-              </a:lnSpc>
-              <a:spcBef>
-                <a:spcPct val="0"/>
-              </a:spcBef>
-              <a:buNone/>
-              <a:defRPr sz="4800" kern="1200" spc="-50" baseline="0">
-                <a:solidFill>
-                  <a:schemeClr val="tx1">
-                    <a:lumMod val="75000"/>
-                    <a:lumOff val="25000"/>
-                  </a:schemeClr>
-                </a:solidFill>
-                <a:latin typeface="+mj-lt"/>
-                <a:ea typeface="+mj-ea"/>
-                <a:cs typeface="+mj-cs"/>
-              </a:defRPr>
-            </a:lvl1pPr>
-          </a:lstStyle>
-          <a:p>
-            <a:endParaRPr lang="zh-TW" altLang="en-US" dirty="0">
-              <a:latin typeface="標楷體" panose="03000509000000000000" pitchFamily="65" charset="-120"/>
-              <a:ea typeface="標楷體" panose="03000509000000000000" pitchFamily="65" charset="-120"/>
-            </a:endParaRPr>
-          </a:p>
-        </p:txBody>
-      </p:sp>
-      <p:sp>
-        <p:nvSpPr>
-          <p:cNvPr id="27" name="矩形 26">
-            <a:extLst>
-              <a:ext uri="{FF2B5EF4-FFF2-40B4-BE49-F238E27FC236}">
-                <a16:creationId xmlns:a16="http://schemas.microsoft.com/office/drawing/2014/main" id="{7EC4CFB8-CFBF-4976-840B-94C383009C5A}"/>
-              </a:ext>
-            </a:extLst>
-          </p:cNvPr>
+          <p:cNvPr id="27" name="矩形 26"/>
           <p:cNvSpPr/>
           <p:nvPr/>
         </p:nvSpPr>
         <p:spPr>
           <a:xfrm>
             <a:off x="1097280" y="1055078"/>
-            <a:ext cx="10058400" cy="3027495"/>
+            <a:ext cx="10058400" cy="3037840"/>
           </a:xfrm>
           <a:prstGeom prst="rect">
             <a:avLst/>
@@ -10364,6 +9952,10 @@
               </a:rPr>
               <a:t>是正確的。</a:t>
             </a:r>
+            <a:endParaRPr lang="zh-TW" altLang="en-US" dirty="0">
+              <a:latin typeface="微軟正黑體" panose="020B0604030504040204" pitchFamily="34" charset="-120"/>
+              <a:ea typeface="微軟正黑體" panose="020B0604030504040204" pitchFamily="34" charset="-120"/>
+            </a:endParaRPr>
           </a:p>
           <a:p>
             <a:pPr>
@@ -10404,8 +9996,19 @@
                 <a:latin typeface="微軟正黑體" panose="020B0604030504040204" pitchFamily="34" charset="-120"/>
                 <a:ea typeface="微軟正黑體" panose="020B0604030504040204" pitchFamily="34" charset="-120"/>
               </a:rPr>
-              <a:t>被正確預測。</a:t>
-            </a:r>
+              <a:t>被正確預測</a:t>
+            </a:r>
+            <a:r>
+              <a:rPr lang="zh-TW" altLang="en-US" dirty="0">
+                <a:latin typeface="微軟正黑體" panose="020B0604030504040204" pitchFamily="34" charset="-120"/>
+                <a:ea typeface="微軟正黑體" panose="020B0604030504040204" pitchFamily="34" charset="-120"/>
+              </a:rPr>
+              <a:t>。</a:t>
+            </a:r>
+            <a:endParaRPr lang="zh-TW" altLang="en-US" dirty="0">
+              <a:latin typeface="微軟正黑體" panose="020B0604030504040204" pitchFamily="34" charset="-120"/>
+              <a:ea typeface="微軟正黑體" panose="020B0604030504040204" pitchFamily="34" charset="-120"/>
+            </a:endParaRPr>
           </a:p>
           <a:p>
             <a:pPr>
@@ -10450,20 +10053,14 @@
       </p:sp>
       <p:pic>
         <p:nvPicPr>
-          <p:cNvPr id="12" name="圖片 11">
-            <a:extLst>
-              <a:ext uri="{FF2B5EF4-FFF2-40B4-BE49-F238E27FC236}">
-                <a16:creationId xmlns:a16="http://schemas.microsoft.com/office/drawing/2014/main" id="{D7EBC7CC-7289-4B22-B4C2-2B6738F726C0}"/>
-              </a:ext>
-            </a:extLst>
-          </p:cNvPr>
+          <p:cNvPr id="12" name="圖片 11"/>
           <p:cNvPicPr>
             <a:picLocks noChangeAspect="1"/>
           </p:cNvPicPr>
           <p:nvPr/>
         </p:nvPicPr>
         <p:blipFill>
-          <a:blip r:embed="rId2"/>
+          <a:blip r:embed="rId1"/>
           <a:stretch>
             <a:fillRect/>
           </a:stretch>
@@ -10479,11 +10076,6 @@
         </p:spPr>
       </p:pic>
     </p:spTree>
-    <p:extLst>
-      <p:ext uri="{BB962C8B-B14F-4D97-AF65-F5344CB8AC3E}">
-        <p14:creationId xmlns:p14="http://schemas.microsoft.com/office/powerpoint/2010/main" val="636495709"/>
-      </p:ext>
-    </p:extLst>
   </p:cSld>
   <p:clrMapOvr>
     <a:masterClrMapping/>
@@ -10534,7 +10126,7 @@
     </a:clrScheme>
     <a:fontScheme name="回顧">
       <a:majorFont>
-        <a:latin typeface="Calibri Light" panose="020F0302020204030204"/>
+        <a:latin typeface="Calibri Light"/>
         <a:ea typeface=""/>
         <a:cs typeface=""/>
         <a:font script="Jpan" typeface="ＭＳ Ｐゴシック"/>
@@ -10569,7 +10161,7 @@
         <a:font script="Geor" typeface="Sylfaen"/>
       </a:majorFont>
       <a:minorFont>
-        <a:latin typeface="Calibri" panose="020F0502020204030204"/>
+        <a:latin typeface="Calibri"/>
         <a:ea typeface=""/>
         <a:cs typeface=""/>
         <a:font script="Jpan" typeface="ＭＳ Ｐゴシック"/>
@@ -10764,11 +10356,9 @@
       </a:bgFillStyleLst>
     </a:fmtScheme>
   </a:themeElements>
-  <a:objectDefaults/>
-  <a:extraClrSchemeLst/>
   <a:extLst>
     <a:ext uri="{05A4C25C-085E-4340-85A3-A5531E510DB2}">
-      <thm15:themeFamily xmlns:thm15="http://schemas.microsoft.com/office/thememl/2012/main" name="Retrospect" id="{5F128B03-DCCA-4EEB-AB3B-CF2899314A46}" vid="{3F1AAB62-24C6-49D2-8E01-B56FAC9A3DCD}"/>
+      <thm15:themeFamily xmlns:thm15="http://schemas.microsoft.com/office/thememl/2012/main" name="Office Theme" id="{62F939B6-93AF-4DB8-9C6B-D6C7DFDC589F}" vid="{4A3C46E8-61CC-4603-A589-7422A47A8E4A}"/>
     </a:ext>
   </a:extLst>
 </a:theme>
@@ -10817,7 +10407,7 @@
     </a:clrScheme>
     <a:fontScheme name="Office">
       <a:majorFont>
-        <a:latin typeface="Calibri Light" panose="020F0302020204030204"/>
+        <a:latin typeface="Calibri Light"/>
         <a:ea typeface=""/>
         <a:cs typeface=""/>
         <a:font script="Jpan" typeface="游ゴシック Light"/>
@@ -10850,26 +10440,9 @@
         <a:font script="Viet" typeface="Times New Roman"/>
         <a:font script="Uigh" typeface="Microsoft Uighur"/>
         <a:font script="Geor" typeface="Sylfaen"/>
-        <a:font script="Armn" typeface="Arial"/>
-        <a:font script="Bugi" typeface="Leelawadee UI"/>
-        <a:font script="Bopo" typeface="Microsoft JhengHei"/>
-        <a:font script="Java" typeface="Javanese Text"/>
-        <a:font script="Lisu" typeface="Segoe UI"/>
-        <a:font script="Mymr" typeface="Myanmar Text"/>
-        <a:font script="Nkoo" typeface="Ebrima"/>
-        <a:font script="Olck" typeface="Nirmala UI"/>
-        <a:font script="Osma" typeface="Ebrima"/>
-        <a:font script="Phag" typeface="Phagspa"/>
-        <a:font script="Syrn" typeface="Estrangelo Edessa"/>
-        <a:font script="Syrj" typeface="Estrangelo Edessa"/>
-        <a:font script="Syre" typeface="Estrangelo Edessa"/>
-        <a:font script="Sora" typeface="Nirmala UI"/>
-        <a:font script="Tale" typeface="Microsoft Tai Le"/>
-        <a:font script="Talu" typeface="Microsoft New Tai Lue"/>
-        <a:font script="Tfng" typeface="Ebrima"/>
       </a:majorFont>
       <a:minorFont>
-        <a:latin typeface="Calibri" panose="020F0502020204030204"/>
+        <a:latin typeface="Calibri"/>
         <a:ea typeface=""/>
         <a:cs typeface=""/>
         <a:font script="Jpan" typeface="游ゴシック"/>
@@ -10902,23 +10475,6 @@
         <a:font script="Viet" typeface="Arial"/>
         <a:font script="Uigh" typeface="Microsoft Uighur"/>
         <a:font script="Geor" typeface="Sylfaen"/>
-        <a:font script="Armn" typeface="Arial"/>
-        <a:font script="Bugi" typeface="Leelawadee UI"/>
-        <a:font script="Bopo" typeface="Microsoft JhengHei"/>
-        <a:font script="Java" typeface="Javanese Text"/>
-        <a:font script="Lisu" typeface="Segoe UI"/>
-        <a:font script="Mymr" typeface="Myanmar Text"/>
-        <a:font script="Nkoo" typeface="Ebrima"/>
-        <a:font script="Olck" typeface="Nirmala UI"/>
-        <a:font script="Osma" typeface="Ebrima"/>
-        <a:font script="Phag" typeface="Phagspa"/>
-        <a:font script="Syrn" typeface="Estrangelo Edessa"/>
-        <a:font script="Syrj" typeface="Estrangelo Edessa"/>
-        <a:font script="Syre" typeface="Estrangelo Edessa"/>
-        <a:font script="Sora" typeface="Nirmala UI"/>
-        <a:font script="Tale" typeface="Microsoft Tai Le"/>
-        <a:font script="Talu" typeface="Microsoft New Tai Lue"/>
-        <a:font script="Tfng" typeface="Ebrima"/>
       </a:minorFont>
     </a:fontScheme>
     <a:fmtScheme name="Office">
@@ -11059,8 +10615,6 @@
       </a:bgFillStyleLst>
     </a:fmtScheme>
   </a:themeElements>
-  <a:objectDefaults/>
-  <a:extraClrSchemeLst/>
   <a:extLst>
     <a:ext uri="{05A4C25C-085E-4340-85A3-A5531E510DB2}">
       <thm15:themeFamily xmlns:thm15="http://schemas.microsoft.com/office/thememl/2012/main" name="Office Theme" id="{62F939B6-93AF-4DB8-9C6B-D6C7DFDC589F}" vid="{4A3C46E8-61CC-4603-A589-7422A47A8E4A}"/>

--- a/testing/AI/AI專案簡報.pptx
+++ b/testing/AI/AI專案簡報.pptx
@@ -5,23 +5,23 @@
     <p:sldMasterId id="2147483648" r:id="rId1"/>
   </p:sldMasterIdLst>
   <p:notesMasterIdLst>
-    <p:notesMasterId r:id="rId13"/>
+    <p:notesMasterId r:id="rId16"/>
   </p:notesMasterIdLst>
   <p:sldIdLst>
-    <p:sldId id="256" r:id="rId3"/>
-    <p:sldId id="259" r:id="rId4"/>
-    <p:sldId id="260" r:id="rId5"/>
-    <p:sldId id="261" r:id="rId6"/>
-    <p:sldId id="263" r:id="rId7"/>
-    <p:sldId id="264" r:id="rId8"/>
-    <p:sldId id="265" r:id="rId9"/>
-    <p:sldId id="267" r:id="rId10"/>
-    <p:sldId id="268" r:id="rId11"/>
-    <p:sldId id="273" r:id="rId12"/>
-    <p:sldId id="274" r:id="rId14"/>
-    <p:sldId id="275" r:id="rId15"/>
-    <p:sldId id="270" r:id="rId16"/>
-    <p:sldId id="272" r:id="rId17"/>
+    <p:sldId id="256" r:id="rId2"/>
+    <p:sldId id="259" r:id="rId3"/>
+    <p:sldId id="260" r:id="rId4"/>
+    <p:sldId id="261" r:id="rId5"/>
+    <p:sldId id="263" r:id="rId6"/>
+    <p:sldId id="264" r:id="rId7"/>
+    <p:sldId id="265" r:id="rId8"/>
+    <p:sldId id="267" r:id="rId9"/>
+    <p:sldId id="268" r:id="rId10"/>
+    <p:sldId id="273" r:id="rId11"/>
+    <p:sldId id="274" r:id="rId12"/>
+    <p:sldId id="275" r:id="rId13"/>
+    <p:sldId id="270" r:id="rId14"/>
+    <p:sldId id="272" r:id="rId15"/>
   </p:sldIdLst>
   <p:sldSz cx="12192000" cy="6858000"/>
   <p:notesSz cx="6858000" cy="9144000"/>
@@ -120,6 +120,11 @@
       </a:defRPr>
     </a:lvl9pPr>
   </p:defaultTextStyle>
+  <p:extLst>
+    <p:ext uri="{EFAFB233-063F-42B5-8137-9DF3F51BA10A}">
+      <p15:sldGuideLst xmlns:p15="http://schemas.microsoft.com/office/powerpoint/2012/main"/>
+    </p:ext>
+  </p:extLst>
 </p:presentation>
 </file>
 
@@ -205,6 +210,7 @@
           <a:p>
             <a:fld id="{66B2F6CB-2EA3-4458-881E-F1B086C629B9}" type="datetimeFigureOut">
               <a:rPr lang="zh-TW" altLang="en-US" smtClean="0"/>
+              <a:t>2024/12/18</a:t>
             </a:fld>
             <a:endParaRPr lang="zh-TW" altLang="en-US"/>
           </a:p>
@@ -271,7 +277,6 @@
               <a:rPr lang="zh-TW" altLang="en-US"/>
               <a:t>編輯母片文字樣式</a:t>
             </a:r>
-            <a:endParaRPr lang="zh-TW" altLang="en-US"/>
           </a:p>
           <a:p>
             <a:pPr lvl="1"/>
@@ -279,7 +284,6 @@
               <a:rPr lang="zh-TW" altLang="en-US"/>
               <a:t>第二層</a:t>
             </a:r>
-            <a:endParaRPr lang="zh-TW" altLang="en-US"/>
           </a:p>
           <a:p>
             <a:pPr lvl="2"/>
@@ -287,7 +291,6 @@
               <a:rPr lang="zh-TW" altLang="en-US"/>
               <a:t>第三層</a:t>
             </a:r>
-            <a:endParaRPr lang="zh-TW" altLang="en-US"/>
           </a:p>
           <a:p>
             <a:pPr lvl="3"/>
@@ -295,7 +298,6 @@
               <a:rPr lang="zh-TW" altLang="en-US"/>
               <a:t>第四層</a:t>
             </a:r>
-            <a:endParaRPr lang="zh-TW" altLang="en-US"/>
           </a:p>
           <a:p>
             <a:pPr lvl="4"/>
@@ -303,7 +305,6 @@
               <a:rPr lang="zh-TW" altLang="en-US"/>
               <a:t>第五層</a:t>
             </a:r>
-            <a:endParaRPr lang="zh-TW" altLang="en-US"/>
           </a:p>
         </p:txBody>
       </p:sp>
@@ -367,6 +368,7 @@
           <a:p>
             <a:fld id="{D4F1F71A-B430-45AA-867A-8EBFAD5078BA}" type="slidenum">
               <a:rPr lang="zh-TW" altLang="en-US" smtClean="0"/>
+              <a:t>‹#›</a:t>
             </a:fld>
             <a:endParaRPr lang="zh-TW" altLang="en-US"/>
           </a:p>
@@ -535,6 +537,7 @@
           <a:p>
             <a:fld id="{D4F1F71A-B430-45AA-867A-8EBFAD5078BA}" type="slidenum">
               <a:rPr lang="zh-TW" altLang="en-US" smtClean="0"/>
+              <a:t>10</a:t>
             </a:fld>
             <a:endParaRPr lang="zh-TW" altLang="en-US"/>
           </a:p>
@@ -596,7 +599,6 @@
               <a:rPr lang="zh-TW" altLang="en-US" b="1" dirty="0"/>
               <a:t>顯著正相關性：</a:t>
             </a:r>
-            <a:endParaRPr lang="zh-TW" altLang="en-US" b="1" dirty="0"/>
           </a:p>
           <a:p>
             <a:r>
@@ -623,7 +625,6 @@
               <a:rPr lang="zh-TW" altLang="en-US" dirty="0"/>
               <a:t>）</a:t>
             </a:r>
-            <a:endParaRPr lang="zh-TW" altLang="en-US" dirty="0"/>
           </a:p>
           <a:p>
             <a:pPr lvl="1"/>
@@ -631,7 +632,6 @@
               <a:rPr lang="zh-TW" altLang="en-US" dirty="0"/>
               <a:t>表示電車登記數量和人口數量高度正相關，人口多的地方電車登記數量也越多。</a:t>
             </a:r>
-            <a:endParaRPr lang="zh-TW" altLang="en-US" dirty="0"/>
           </a:p>
           <a:p>
             <a:r>
@@ -658,7 +658,6 @@
               <a:rPr lang="zh-TW" altLang="en-US" dirty="0"/>
               <a:t>）</a:t>
             </a:r>
-            <a:endParaRPr lang="zh-TW" altLang="en-US" dirty="0"/>
           </a:p>
           <a:p>
             <a:pPr lvl="1"/>
@@ -666,7 +665,6 @@
               <a:rPr lang="zh-TW" altLang="en-US" dirty="0"/>
               <a:t>表示站點數量與人口數量正相關，人口多的地方設立的站點也越多。</a:t>
             </a:r>
-            <a:endParaRPr lang="zh-TW" altLang="en-US" dirty="0"/>
           </a:p>
           <a:p>
             <a:r>
@@ -685,7 +683,6 @@
               <a:rPr lang="zh-TW" altLang="en-US" dirty="0"/>
               <a:t>）</a:t>
             </a:r>
-            <a:endParaRPr lang="zh-TW" altLang="en-US" dirty="0"/>
           </a:p>
           <a:p>
             <a:pPr lvl="1"/>
@@ -693,14 +690,12 @@
               <a:rPr lang="zh-TW" altLang="en-US" dirty="0"/>
               <a:t>表示電車登記數量越多的地方，站點數量也越多。</a:t>
             </a:r>
-            <a:endParaRPr lang="zh-TW" altLang="en-US" dirty="0"/>
           </a:p>
           <a:p>
             <a:r>
               <a:rPr lang="zh-TW" altLang="en-US" b="1" dirty="0"/>
               <a:t>弱負相關性：</a:t>
             </a:r>
-            <a:endParaRPr lang="zh-TW" altLang="en-US" b="1" dirty="0"/>
           </a:p>
           <a:p>
             <a:r>
@@ -727,7 +722,6 @@
               <a:rPr lang="zh-TW" altLang="en-US" dirty="0"/>
               <a:t>）</a:t>
             </a:r>
-            <a:endParaRPr lang="zh-TW" altLang="en-US" dirty="0"/>
           </a:p>
           <a:p>
             <a:pPr lvl="1"/>
@@ -735,7 +729,6 @@
               <a:rPr lang="zh-TW" altLang="en-US" dirty="0"/>
               <a:t>表示土地面積與人口數量有輕微負相關，人口較密集的區域，土地面積相對較小。</a:t>
             </a:r>
-            <a:endParaRPr lang="zh-TW" altLang="en-US" dirty="0"/>
           </a:p>
           <a:p>
             <a:r>
@@ -762,7 +755,6 @@
               <a:rPr lang="zh-TW" altLang="en-US" dirty="0"/>
               <a:t>）</a:t>
             </a:r>
-            <a:endParaRPr lang="zh-TW" altLang="en-US" dirty="0"/>
           </a:p>
           <a:p>
             <a:pPr lvl="1"/>
@@ -770,14 +762,12 @@
               <a:rPr lang="zh-TW" altLang="en-US" dirty="0"/>
               <a:t>表示土地面積越大，人口密度越低，這是合乎邏輯的結果。</a:t>
             </a:r>
-            <a:endParaRPr lang="zh-TW" altLang="en-US" dirty="0"/>
           </a:p>
           <a:p>
             <a:r>
               <a:rPr lang="zh-TW" altLang="en-US" b="1" dirty="0"/>
               <a:t>中度正相關性：</a:t>
             </a:r>
-            <a:endParaRPr lang="zh-TW" altLang="en-US" b="1" dirty="0"/>
           </a:p>
           <a:p>
             <a:r>
@@ -812,7 +802,6 @@
               <a:rPr lang="zh-TW" altLang="en-US" dirty="0"/>
               <a:t>）</a:t>
             </a:r>
-            <a:endParaRPr lang="zh-TW" altLang="en-US" dirty="0"/>
           </a:p>
           <a:p>
             <a:pPr lvl="1"/>
@@ -820,7 +809,6 @@
               <a:rPr lang="zh-TW" altLang="en-US" dirty="0"/>
               <a:t>表示人口密度和總人口數有一定的正相關性。</a:t>
             </a:r>
-            <a:endParaRPr lang="zh-TW" altLang="en-US" dirty="0"/>
           </a:p>
           <a:p>
             <a:r>
@@ -847,7 +835,6 @@
               <a:rPr lang="zh-TW" altLang="en-US" dirty="0"/>
               <a:t>）</a:t>
             </a:r>
-            <a:endParaRPr lang="zh-TW" altLang="en-US" dirty="0"/>
           </a:p>
           <a:p>
             <a:pPr lvl="1"/>
@@ -855,7 +842,6 @@
               <a:rPr lang="zh-TW" altLang="en-US" dirty="0"/>
               <a:t>表示人口密度越高的地方，電車登記數量也傾向於較多。</a:t>
             </a:r>
-            <a:endParaRPr lang="zh-TW" altLang="en-US" dirty="0"/>
           </a:p>
           <a:p>
             <a:endParaRPr lang="zh-TW" altLang="en-US" dirty="0"/>
@@ -879,6 +865,7 @@
           <a:p>
             <a:fld id="{D4F1F71A-B430-45AA-867A-8EBFAD5078BA}" type="slidenum">
               <a:rPr lang="zh-TW" altLang="en-US" smtClean="0"/>
+              <a:t>11</a:t>
             </a:fld>
             <a:endParaRPr lang="zh-TW" altLang="en-US"/>
           </a:p>
@@ -944,7 +931,6 @@
               <a:rPr lang="zh-TW" altLang="en-US" dirty="0"/>
               <a:t>：</a:t>
             </a:r>
-            <a:endParaRPr lang="zh-TW" altLang="en-US" dirty="0"/>
           </a:p>
           <a:p>
             <a:r>
@@ -955,7 +941,6 @@
               <a:rPr lang="zh-TW" altLang="en-US" dirty="0"/>
               <a:t> 個樣本被正確分類為「新增」。</a:t>
             </a:r>
-            <a:endParaRPr lang="zh-TW" altLang="en-US" dirty="0"/>
           </a:p>
           <a:p>
             <a:r>
@@ -970,14 +955,12 @@
               <a:rPr lang="zh-TW" altLang="en-US" dirty="0"/>
               <a:t> 個樣本被誤分類為「保持不變」。</a:t>
             </a:r>
-            <a:endParaRPr lang="zh-TW" altLang="en-US" dirty="0"/>
           </a:p>
           <a:p>
             <a:r>
               <a:rPr lang="zh-TW" altLang="en-US" dirty="0"/>
               <a:t>這表示模型對「新增」類別預測效果很好。</a:t>
             </a:r>
-            <a:endParaRPr lang="zh-TW" altLang="en-US" dirty="0"/>
           </a:p>
           <a:p>
             <a:r>
@@ -988,7 +971,6 @@
               <a:rPr lang="zh-TW" altLang="en-US" dirty="0"/>
               <a:t>：</a:t>
             </a:r>
-            <a:endParaRPr lang="zh-TW" altLang="en-US" dirty="0"/>
           </a:p>
           <a:p>
             <a:r>
@@ -999,7 +981,6 @@
               <a:rPr lang="zh-TW" altLang="en-US" dirty="0"/>
               <a:t> 個樣本被正確分類為「保持不變」。</a:t>
             </a:r>
-            <a:endParaRPr lang="zh-TW" altLang="en-US" dirty="0"/>
           </a:p>
           <a:p>
             <a:r>
@@ -1022,14 +1003,12 @@
               <a:rPr lang="zh-TW" altLang="en-US" dirty="0"/>
               <a:t> 個被分類為「減少」。</a:t>
             </a:r>
-            <a:endParaRPr lang="zh-TW" altLang="en-US" dirty="0"/>
           </a:p>
           <a:p>
             <a:r>
               <a:rPr lang="zh-TW" altLang="en-US" dirty="0"/>
               <a:t>表示模型對「保持不變」類別的辨識效果較差，誤判率較高。</a:t>
             </a:r>
-            <a:endParaRPr lang="zh-TW" altLang="en-US" dirty="0"/>
           </a:p>
           <a:p>
             <a:r>
@@ -1040,7 +1019,6 @@
               <a:rPr lang="zh-TW" altLang="en-US" dirty="0"/>
               <a:t>：</a:t>
             </a:r>
-            <a:endParaRPr lang="zh-TW" altLang="en-US" dirty="0"/>
           </a:p>
           <a:p>
             <a:r>
@@ -1051,7 +1029,6 @@
               <a:rPr lang="zh-TW" altLang="en-US" dirty="0"/>
               <a:t> 個樣本被正確分類為「減少」。</a:t>
             </a:r>
-            <a:endParaRPr lang="zh-TW" altLang="en-US" dirty="0"/>
           </a:p>
           <a:p>
             <a:r>
@@ -1074,14 +1051,12 @@
               <a:rPr lang="zh-TW" altLang="en-US" dirty="0"/>
               <a:t> 個被誤分類為「保持不變」。</a:t>
             </a:r>
-            <a:endParaRPr lang="zh-TW" altLang="en-US" dirty="0"/>
           </a:p>
           <a:p>
             <a:r>
               <a:rPr lang="zh-TW" altLang="en-US" dirty="0"/>
               <a:t>模型對「減少」類別預測還算不錯，但有一定誤分類現象。</a:t>
             </a:r>
-            <a:endParaRPr lang="zh-TW" altLang="en-US" dirty="0"/>
           </a:p>
           <a:p>
             <a:endParaRPr lang="zh-TW" altLang="en-US" dirty="0"/>
@@ -1105,6 +1080,7 @@
           <a:p>
             <a:fld id="{D4F1F71A-B430-45AA-867A-8EBFAD5078BA}" type="slidenum">
               <a:rPr lang="zh-TW" altLang="en-US" smtClean="0"/>
+              <a:t>12</a:t>
             </a:fld>
             <a:endParaRPr lang="zh-TW" altLang="en-US"/>
           </a:p>
@@ -1127,11 +1103,20 @@
         <p:cNvGrpSpPr/>
         <p:nvPr/>
       </p:nvGrpSpPr>
-      <p:grpSpPr/>
+      <p:grpSpPr>
+        <a:xfrm>
+          <a:off x="0" y="0"/>
+          <a:ext cx="0" cy="0"/>
+          <a:chOff x="0" y="0"/>
+          <a:chExt cx="0" cy="0"/>
+        </a:xfrm>
+      </p:grpSpPr>
       <p:sp>
         <p:nvSpPr>
           <p:cNvPr id="2" name="投影片圖像版面配置區 1"/>
-          <p:cNvSpPr/>
+          <p:cNvSpPr>
+            <a:spLocks noGrp="1" noRot="1" noChangeAspect="1"/>
+          </p:cNvSpPr>
           <p:nvPr>
             <p:ph type="sldImg" idx="2"/>
           </p:nvPr>
@@ -1141,7 +1126,9 @@
       <p:sp>
         <p:nvSpPr>
           <p:cNvPr id="3" name="文字版面配置區 2"/>
-          <p:cNvSpPr/>
+          <p:cNvSpPr>
+            <a:spLocks noGrp="1"/>
+          </p:cNvSpPr>
           <p:nvPr>
             <p:ph type="body" idx="3"/>
           </p:nvPr>
@@ -1149,6 +1136,7 @@
         <p:spPr/>
         <p:txBody>
           <a:bodyPr/>
+          <a:lstStyle/>
           <a:p>
             <a:endParaRPr lang="zh-TW" altLang="en-US"/>
           </a:p>
@@ -1163,7 +1151,7 @@
 </file>
 
 <file path=ppt/slideLayouts/slideLayout1.xml><?xml version="1.0" encoding="utf-8"?>
-<p:sldLayout xmlns:a="http://schemas.openxmlformats.org/drawingml/2006/main" xmlns:r="http://schemas.openxmlformats.org/officeDocument/2006/relationships" xmlns:p="http://schemas.openxmlformats.org/presentationml/2006/main" type="title" preserve="1" showMasterSp="0">
+<p:sldLayout xmlns:a="http://schemas.openxmlformats.org/drawingml/2006/main" xmlns:r="http://schemas.openxmlformats.org/officeDocument/2006/relationships" xmlns:p="http://schemas.openxmlformats.org/presentationml/2006/main" showMasterSp="0" type="title" preserve="1">
   <p:cSld name="標題投影片">
     <p:spTree>
       <p:nvGrpSpPr>
@@ -1388,6 +1376,7 @@
           <a:p>
             <a:fld id="{B18E1FDE-DAE6-48C1-9253-ABC673793861}" type="datetimeFigureOut">
               <a:rPr lang="zh-TW" altLang="en-US" smtClean="0"/>
+              <a:t>2024/12/18</a:t>
             </a:fld>
             <a:endParaRPr lang="zh-TW" altLang="en-US"/>
           </a:p>
@@ -1429,6 +1418,7 @@
           <a:p>
             <a:fld id="{9951BBF5-78C6-41D8-B2B9-17873B17A19E}" type="slidenum">
               <a:rPr lang="zh-TW" altLang="en-US" smtClean="0"/>
+              <a:t>‹#›</a:t>
             </a:fld>
             <a:endParaRPr lang="zh-TW" altLang="en-US"/>
           </a:p>
@@ -1502,7 +1492,6 @@
               <a:rPr lang="zh-TW" altLang="en-US"/>
               <a:t>編輯母片文字樣式</a:t>
             </a:r>
-            <a:endParaRPr lang="zh-TW" altLang="en-US"/>
           </a:p>
           <a:p>
             <a:pPr lvl="1"/>
@@ -1510,7 +1499,6 @@
               <a:rPr lang="zh-TW" altLang="en-US"/>
               <a:t>第二層</a:t>
             </a:r>
-            <a:endParaRPr lang="zh-TW" altLang="en-US"/>
           </a:p>
           <a:p>
             <a:pPr lvl="2"/>
@@ -1518,7 +1506,6 @@
               <a:rPr lang="zh-TW" altLang="en-US"/>
               <a:t>第三層</a:t>
             </a:r>
-            <a:endParaRPr lang="zh-TW" altLang="en-US"/>
           </a:p>
           <a:p>
             <a:pPr lvl="3"/>
@@ -1526,7 +1513,6 @@
               <a:rPr lang="zh-TW" altLang="en-US"/>
               <a:t>第四層</a:t>
             </a:r>
-            <a:endParaRPr lang="zh-TW" altLang="en-US"/>
           </a:p>
           <a:p>
             <a:pPr lvl="4"/>
@@ -1555,6 +1541,7 @@
           <a:p>
             <a:fld id="{B18E1FDE-DAE6-48C1-9253-ABC673793861}" type="datetimeFigureOut">
               <a:rPr lang="zh-TW" altLang="en-US" smtClean="0"/>
+              <a:t>2024/12/18</a:t>
             </a:fld>
             <a:endParaRPr lang="zh-TW" altLang="en-US"/>
           </a:p>
@@ -1596,6 +1583,7 @@
           <a:p>
             <a:fld id="{9951BBF5-78C6-41D8-B2B9-17873B17A19E}" type="slidenum">
               <a:rPr lang="zh-TW" altLang="en-US" smtClean="0"/>
+              <a:t>‹#›</a:t>
             </a:fld>
             <a:endParaRPr lang="zh-TW" altLang="en-US"/>
           </a:p>
@@ -1755,7 +1743,6 @@
               <a:rPr lang="zh-TW" altLang="en-US"/>
               <a:t>編輯母片文字樣式</a:t>
             </a:r>
-            <a:endParaRPr lang="zh-TW" altLang="en-US"/>
           </a:p>
           <a:p>
             <a:pPr lvl="1"/>
@@ -1763,7 +1750,6 @@
               <a:rPr lang="zh-TW" altLang="en-US"/>
               <a:t>第二層</a:t>
             </a:r>
-            <a:endParaRPr lang="zh-TW" altLang="en-US"/>
           </a:p>
           <a:p>
             <a:pPr lvl="2"/>
@@ -1771,7 +1757,6 @@
               <a:rPr lang="zh-TW" altLang="en-US"/>
               <a:t>第三層</a:t>
             </a:r>
-            <a:endParaRPr lang="zh-TW" altLang="en-US"/>
           </a:p>
           <a:p>
             <a:pPr lvl="3"/>
@@ -1779,7 +1764,6 @@
               <a:rPr lang="zh-TW" altLang="en-US"/>
               <a:t>第四層</a:t>
             </a:r>
-            <a:endParaRPr lang="zh-TW" altLang="en-US"/>
           </a:p>
           <a:p>
             <a:pPr lvl="4"/>
@@ -1808,6 +1792,7 @@
           <a:p>
             <a:fld id="{B18E1FDE-DAE6-48C1-9253-ABC673793861}" type="datetimeFigureOut">
               <a:rPr lang="zh-TW" altLang="en-US" smtClean="0"/>
+              <a:t>2024/12/18</a:t>
             </a:fld>
             <a:endParaRPr lang="zh-TW" altLang="en-US"/>
           </a:p>
@@ -1849,6 +1834,7 @@
           <a:p>
             <a:fld id="{9951BBF5-78C6-41D8-B2B9-17873B17A19E}" type="slidenum">
               <a:rPr lang="zh-TW" altLang="en-US" smtClean="0"/>
+              <a:t>‹#›</a:t>
             </a:fld>
             <a:endParaRPr lang="zh-TW" altLang="en-US"/>
           </a:p>
@@ -1931,7 +1917,6 @@
               <a:rPr lang="zh-TW" altLang="en-US"/>
               <a:t>編輯母片文字樣式</a:t>
             </a:r>
-            <a:endParaRPr lang="zh-TW" altLang="en-US"/>
           </a:p>
           <a:p>
             <a:pPr lvl="1"/>
@@ -1939,7 +1924,6 @@
               <a:rPr lang="zh-TW" altLang="en-US"/>
               <a:t>第二層</a:t>
             </a:r>
-            <a:endParaRPr lang="zh-TW" altLang="en-US"/>
           </a:p>
           <a:p>
             <a:pPr lvl="2"/>
@@ -1947,7 +1931,6 @@
               <a:rPr lang="zh-TW" altLang="en-US"/>
               <a:t>第三層</a:t>
             </a:r>
-            <a:endParaRPr lang="zh-TW" altLang="en-US"/>
           </a:p>
           <a:p>
             <a:pPr lvl="3"/>
@@ -1955,7 +1938,6 @@
               <a:rPr lang="zh-TW" altLang="en-US"/>
               <a:t>第四層</a:t>
             </a:r>
-            <a:endParaRPr lang="zh-TW" altLang="en-US"/>
           </a:p>
           <a:p>
             <a:pPr lvl="4"/>
@@ -1984,6 +1966,7 @@
           <a:p>
             <a:fld id="{B18E1FDE-DAE6-48C1-9253-ABC673793861}" type="datetimeFigureOut">
               <a:rPr lang="zh-TW" altLang="en-US" smtClean="0"/>
+              <a:t>2024/12/18</a:t>
             </a:fld>
             <a:endParaRPr lang="zh-TW" altLang="en-US"/>
           </a:p>
@@ -2025,6 +2008,7 @@
           <a:p>
             <a:fld id="{9951BBF5-78C6-41D8-B2B9-17873B17A19E}" type="slidenum">
               <a:rPr lang="zh-TW" altLang="en-US" smtClean="0"/>
+              <a:t>‹#›</a:t>
             </a:fld>
             <a:endParaRPr lang="zh-TW" altLang="en-US"/>
           </a:p>
@@ -2330,7 +2314,6 @@
               <a:rPr lang="zh-TW" altLang="en-US"/>
               <a:t>編輯母片文字樣式</a:t>
             </a:r>
-            <a:endParaRPr lang="zh-TW" altLang="en-US"/>
           </a:p>
         </p:txBody>
       </p:sp>
@@ -2351,6 +2334,7 @@
           <a:p>
             <a:fld id="{B18E1FDE-DAE6-48C1-9253-ABC673793861}" type="datetimeFigureOut">
               <a:rPr lang="zh-TW" altLang="en-US" smtClean="0"/>
+              <a:t>2024/12/18</a:t>
             </a:fld>
             <a:endParaRPr lang="zh-TW" altLang="en-US"/>
           </a:p>
@@ -2392,6 +2376,7 @@
           <a:p>
             <a:fld id="{9951BBF5-78C6-41D8-B2B9-17873B17A19E}" type="slidenum">
               <a:rPr lang="zh-TW" altLang="en-US" smtClean="0"/>
+              <a:t>‹#›</a:t>
             </a:fld>
             <a:endParaRPr lang="zh-TW" altLang="en-US"/>
           </a:p>
@@ -2513,7 +2498,6 @@
               <a:rPr lang="zh-TW" altLang="en-US"/>
               <a:t>編輯母片文字樣式</a:t>
             </a:r>
-            <a:endParaRPr lang="zh-TW" altLang="en-US"/>
           </a:p>
           <a:p>
             <a:pPr lvl="1"/>
@@ -2521,7 +2505,6 @@
               <a:rPr lang="zh-TW" altLang="en-US"/>
               <a:t>第二層</a:t>
             </a:r>
-            <a:endParaRPr lang="zh-TW" altLang="en-US"/>
           </a:p>
           <a:p>
             <a:pPr lvl="2"/>
@@ -2529,7 +2512,6 @@
               <a:rPr lang="zh-TW" altLang="en-US"/>
               <a:t>第三層</a:t>
             </a:r>
-            <a:endParaRPr lang="zh-TW" altLang="en-US"/>
           </a:p>
           <a:p>
             <a:pPr lvl="3"/>
@@ -2537,7 +2519,6 @@
               <a:rPr lang="zh-TW" altLang="en-US"/>
               <a:t>第四層</a:t>
             </a:r>
-            <a:endParaRPr lang="zh-TW" altLang="en-US"/>
           </a:p>
           <a:p>
             <a:pPr lvl="4"/>
@@ -2574,7 +2555,6 @@
               <a:rPr lang="zh-TW" altLang="en-US"/>
               <a:t>編輯母片文字樣式</a:t>
             </a:r>
-            <a:endParaRPr lang="zh-TW" altLang="en-US"/>
           </a:p>
           <a:p>
             <a:pPr lvl="1"/>
@@ -2582,7 +2562,6 @@
               <a:rPr lang="zh-TW" altLang="en-US"/>
               <a:t>第二層</a:t>
             </a:r>
-            <a:endParaRPr lang="zh-TW" altLang="en-US"/>
           </a:p>
           <a:p>
             <a:pPr lvl="2"/>
@@ -2590,7 +2569,6 @@
               <a:rPr lang="zh-TW" altLang="en-US"/>
               <a:t>第三層</a:t>
             </a:r>
-            <a:endParaRPr lang="zh-TW" altLang="en-US"/>
           </a:p>
           <a:p>
             <a:pPr lvl="3"/>
@@ -2598,7 +2576,6 @@
               <a:rPr lang="zh-TW" altLang="en-US"/>
               <a:t>第四層</a:t>
             </a:r>
-            <a:endParaRPr lang="zh-TW" altLang="en-US"/>
           </a:p>
           <a:p>
             <a:pPr lvl="4"/>
@@ -2627,6 +2604,7 @@
           <a:p>
             <a:fld id="{B18E1FDE-DAE6-48C1-9253-ABC673793861}" type="datetimeFigureOut">
               <a:rPr lang="zh-TW" altLang="en-US" smtClean="0"/>
+              <a:t>2024/12/18</a:t>
             </a:fld>
             <a:endParaRPr lang="zh-TW" altLang="en-US"/>
           </a:p>
@@ -2668,6 +2646,7 @@
           <a:p>
             <a:fld id="{9951BBF5-78C6-41D8-B2B9-17873B17A19E}" type="slidenum">
               <a:rPr lang="zh-TW" altLang="en-US" smtClean="0"/>
+              <a:t>‹#›</a:t>
             </a:fld>
             <a:endParaRPr lang="zh-TW" altLang="en-US"/>
           </a:p>
@@ -2794,7 +2773,6 @@
               <a:rPr lang="zh-TW" altLang="en-US"/>
               <a:t>編輯母片文字樣式</a:t>
             </a:r>
-            <a:endParaRPr lang="zh-TW" altLang="en-US"/>
           </a:p>
         </p:txBody>
       </p:sp>
@@ -2823,7 +2801,6 @@
               <a:rPr lang="zh-TW" altLang="en-US"/>
               <a:t>編輯母片文字樣式</a:t>
             </a:r>
-            <a:endParaRPr lang="zh-TW" altLang="en-US"/>
           </a:p>
           <a:p>
             <a:pPr lvl="1"/>
@@ -2831,7 +2808,6 @@
               <a:rPr lang="zh-TW" altLang="en-US"/>
               <a:t>第二層</a:t>
             </a:r>
-            <a:endParaRPr lang="zh-TW" altLang="en-US"/>
           </a:p>
           <a:p>
             <a:pPr lvl="2"/>
@@ -2839,7 +2815,6 @@
               <a:rPr lang="zh-TW" altLang="en-US"/>
               <a:t>第三層</a:t>
             </a:r>
-            <a:endParaRPr lang="zh-TW" altLang="en-US"/>
           </a:p>
           <a:p>
             <a:pPr lvl="3"/>
@@ -2847,7 +2822,6 @@
               <a:rPr lang="zh-TW" altLang="en-US"/>
               <a:t>第四層</a:t>
             </a:r>
-            <a:endParaRPr lang="zh-TW" altLang="en-US"/>
           </a:p>
           <a:p>
             <a:pPr lvl="4"/>
@@ -2927,7 +2901,6 @@
               <a:rPr lang="zh-TW" altLang="en-US"/>
               <a:t>編輯母片文字樣式</a:t>
             </a:r>
-            <a:endParaRPr lang="zh-TW" altLang="en-US"/>
           </a:p>
         </p:txBody>
       </p:sp>
@@ -2956,7 +2929,6 @@
               <a:rPr lang="zh-TW" altLang="en-US"/>
               <a:t>編輯母片文字樣式</a:t>
             </a:r>
-            <a:endParaRPr lang="zh-TW" altLang="en-US"/>
           </a:p>
           <a:p>
             <a:pPr lvl="1"/>
@@ -2964,7 +2936,6 @@
               <a:rPr lang="zh-TW" altLang="en-US"/>
               <a:t>第二層</a:t>
             </a:r>
-            <a:endParaRPr lang="zh-TW" altLang="en-US"/>
           </a:p>
           <a:p>
             <a:pPr lvl="2"/>
@@ -2972,7 +2943,6 @@
               <a:rPr lang="zh-TW" altLang="en-US"/>
               <a:t>第三層</a:t>
             </a:r>
-            <a:endParaRPr lang="zh-TW" altLang="en-US"/>
           </a:p>
           <a:p>
             <a:pPr lvl="3"/>
@@ -2980,7 +2950,6 @@
               <a:rPr lang="zh-TW" altLang="en-US"/>
               <a:t>第四層</a:t>
             </a:r>
-            <a:endParaRPr lang="zh-TW" altLang="en-US"/>
           </a:p>
           <a:p>
             <a:pPr lvl="4"/>
@@ -3009,6 +2978,7 @@
           <a:p>
             <a:fld id="{B18E1FDE-DAE6-48C1-9253-ABC673793861}" type="datetimeFigureOut">
               <a:rPr lang="zh-TW" altLang="en-US" smtClean="0"/>
+              <a:t>2024/12/18</a:t>
             </a:fld>
             <a:endParaRPr lang="zh-TW" altLang="en-US"/>
           </a:p>
@@ -3050,6 +3020,7 @@
           <a:p>
             <a:fld id="{9951BBF5-78C6-41D8-B2B9-17873B17A19E}" type="slidenum">
               <a:rPr lang="zh-TW" altLang="en-US" smtClean="0"/>
+              <a:t>‹#›</a:t>
             </a:fld>
             <a:endParaRPr lang="zh-TW" altLang="en-US"/>
           </a:p>
@@ -3120,6 +3091,7 @@
           <a:p>
             <a:fld id="{B18E1FDE-DAE6-48C1-9253-ABC673793861}" type="datetimeFigureOut">
               <a:rPr lang="zh-TW" altLang="en-US" smtClean="0"/>
+              <a:t>2024/12/18</a:t>
             </a:fld>
             <a:endParaRPr lang="zh-TW" altLang="en-US"/>
           </a:p>
@@ -3161,6 +3133,7 @@
           <a:p>
             <a:fld id="{9951BBF5-78C6-41D8-B2B9-17873B17A19E}" type="slidenum">
               <a:rPr lang="zh-TW" altLang="en-US" smtClean="0"/>
+              <a:t>‹#›</a:t>
             </a:fld>
             <a:endParaRPr lang="zh-TW" altLang="en-US"/>
           </a:p>
@@ -3284,6 +3257,7 @@
           <a:p>
             <a:fld id="{B18E1FDE-DAE6-48C1-9253-ABC673793861}" type="datetimeFigureOut">
               <a:rPr lang="zh-TW" altLang="en-US" smtClean="0"/>
+              <a:t>2024/12/18</a:t>
             </a:fld>
             <a:endParaRPr lang="zh-TW" altLang="en-US"/>
           </a:p>
@@ -3333,6 +3307,7 @@
           <a:p>
             <a:fld id="{9951BBF5-78C6-41D8-B2B9-17873B17A19E}" type="slidenum">
               <a:rPr lang="zh-TW" altLang="en-US" smtClean="0"/>
+              <a:t>‹#›</a:t>
             </a:fld>
             <a:endParaRPr lang="zh-TW" altLang="en-US"/>
           </a:p>
@@ -3502,7 +3477,6 @@
               <a:rPr lang="zh-TW" altLang="en-US"/>
               <a:t>編輯母片文字樣式</a:t>
             </a:r>
-            <a:endParaRPr lang="zh-TW" altLang="en-US"/>
           </a:p>
           <a:p>
             <a:pPr lvl="1"/>
@@ -3510,7 +3484,6 @@
               <a:rPr lang="zh-TW" altLang="en-US"/>
               <a:t>第二層</a:t>
             </a:r>
-            <a:endParaRPr lang="zh-TW" altLang="en-US"/>
           </a:p>
           <a:p>
             <a:pPr lvl="2"/>
@@ -3518,7 +3491,6 @@
               <a:rPr lang="zh-TW" altLang="en-US"/>
               <a:t>第三層</a:t>
             </a:r>
-            <a:endParaRPr lang="zh-TW" altLang="en-US"/>
           </a:p>
           <a:p>
             <a:pPr lvl="3"/>
@@ -3526,7 +3498,6 @@
               <a:rPr lang="zh-TW" altLang="en-US"/>
               <a:t>第四層</a:t>
             </a:r>
-            <a:endParaRPr lang="zh-TW" altLang="en-US"/>
           </a:p>
           <a:p>
             <a:pPr lvl="4"/>
@@ -3606,7 +3577,6 @@
               <a:rPr lang="zh-TW" altLang="en-US"/>
               <a:t>編輯母片文字樣式</a:t>
             </a:r>
-            <a:endParaRPr lang="zh-TW" altLang="en-US"/>
           </a:p>
         </p:txBody>
       </p:sp>
@@ -3636,6 +3606,7 @@
           <a:p>
             <a:fld id="{B18E1FDE-DAE6-48C1-9253-ABC673793861}" type="datetimeFigureOut">
               <a:rPr lang="zh-TW" altLang="en-US" smtClean="0"/>
+              <a:t>2024/12/18</a:t>
             </a:fld>
             <a:endParaRPr lang="zh-TW" altLang="en-US"/>
           </a:p>
@@ -3698,6 +3669,7 @@
           <a:p>
             <a:fld id="{9951BBF5-78C6-41D8-B2B9-17873B17A19E}" type="slidenum">
               <a:rPr lang="zh-TW" altLang="en-US" smtClean="0"/>
+              <a:t>‹#›</a:t>
             </a:fld>
             <a:endParaRPr lang="zh-TW" altLang="en-US"/>
           </a:p>
@@ -3991,7 +3963,6 @@
               <a:rPr lang="zh-TW" altLang="en-US"/>
               <a:t>編輯母片文字樣式</a:t>
             </a:r>
-            <a:endParaRPr lang="zh-TW" altLang="en-US"/>
           </a:p>
         </p:txBody>
       </p:sp>
@@ -4012,6 +3983,7 @@
           <a:p>
             <a:fld id="{B18E1FDE-DAE6-48C1-9253-ABC673793861}" type="datetimeFigureOut">
               <a:rPr lang="zh-TW" altLang="en-US" smtClean="0"/>
+              <a:t>2024/12/18</a:t>
             </a:fld>
             <a:endParaRPr lang="zh-TW" altLang="en-US"/>
           </a:p>
@@ -4053,6 +4025,7 @@
           <a:p>
             <a:fld id="{9951BBF5-78C6-41D8-B2B9-17873B17A19E}" type="slidenum">
               <a:rPr lang="zh-TW" altLang="en-US" smtClean="0"/>
+              <a:t>‹#›</a:t>
             </a:fld>
             <a:endParaRPr lang="zh-TW" altLang="en-US"/>
           </a:p>
@@ -4257,7 +4230,6 @@
               <a:rPr lang="zh-TW" altLang="en-US"/>
               <a:t>編輯母片文字樣式</a:t>
             </a:r>
-            <a:endParaRPr lang="zh-TW" altLang="en-US"/>
           </a:p>
           <a:p>
             <a:pPr lvl="1"/>
@@ -4265,7 +4237,6 @@
               <a:rPr lang="zh-TW" altLang="en-US"/>
               <a:t>第二層</a:t>
             </a:r>
-            <a:endParaRPr lang="zh-TW" altLang="en-US"/>
           </a:p>
           <a:p>
             <a:pPr lvl="2"/>
@@ -4273,7 +4244,6 @@
               <a:rPr lang="zh-TW" altLang="en-US"/>
               <a:t>第三層</a:t>
             </a:r>
-            <a:endParaRPr lang="zh-TW" altLang="en-US"/>
           </a:p>
           <a:p>
             <a:pPr lvl="3"/>
@@ -4281,7 +4251,6 @@
               <a:rPr lang="zh-TW" altLang="en-US"/>
               <a:t>第四層</a:t>
             </a:r>
-            <a:endParaRPr lang="zh-TW" altLang="en-US"/>
           </a:p>
           <a:p>
             <a:pPr lvl="4"/>
@@ -4326,6 +4295,7 @@
           <a:p>
             <a:fld id="{B18E1FDE-DAE6-48C1-9253-ABC673793861}" type="datetimeFigureOut">
               <a:rPr lang="zh-TW" altLang="en-US" smtClean="0"/>
+              <a:t>2024/12/18</a:t>
             </a:fld>
             <a:endParaRPr lang="zh-TW" altLang="en-US"/>
           </a:p>
@@ -4399,6 +4369,7 @@
           <a:p>
             <a:fld id="{9951BBF5-78C6-41D8-B2B9-17873B17A19E}" type="slidenum">
               <a:rPr lang="zh-TW" altLang="en-US" smtClean="0"/>
+              <a:t>‹#›</a:t>
             </a:fld>
             <a:endParaRPr lang="zh-TW" altLang="en-US"/>
           </a:p>
@@ -4863,15 +4834,6 @@
               </a:rPr>
               <a:t>電動機車充電站設點規劃</a:t>
             </a:r>
-            <a:endParaRPr lang="zh-TW" altLang="en-US" sz="4000" dirty="0">
-              <a:solidFill>
-                <a:schemeClr val="accent3">
-                  <a:lumMod val="75000"/>
-                </a:schemeClr>
-              </a:solidFill>
-              <a:latin typeface="標楷體" panose="03000509000000000000" pitchFamily="65" charset="-120"/>
-              <a:ea typeface="標楷體" panose="03000509000000000000" pitchFamily="65" charset="-120"/>
-            </a:endParaRPr>
           </a:p>
         </p:txBody>
       </p:sp>
@@ -4966,13 +4928,6 @@
               </a:rPr>
               <a:t>孫榕陽、賴豐文</a:t>
             </a:r>
-            <a:endParaRPr lang="zh-TW" altLang="en-US" sz="3200" dirty="0">
-              <a:solidFill>
-                <a:schemeClr val="tx1"/>
-              </a:solidFill>
-              <a:latin typeface="標楷體" panose="03000509000000000000" pitchFamily="65" charset="-120"/>
-              <a:ea typeface="標楷體" panose="03000509000000000000" pitchFamily="65" charset="-120"/>
-            </a:endParaRPr>
           </a:p>
         </p:txBody>
       </p:sp>
@@ -4985,7 +4940,7 @@
           <p:nvPr/>
         </p:nvPicPr>
         <p:blipFill>
-          <a:blip r:embed="rId1">
+          <a:blip r:embed="rId2">
             <a:extLst>
               <a:ext uri="{28A0092B-C50C-407E-A947-70E740481C1C}">
                 <a14:useLocalDpi xmlns:a14="http://schemas.microsoft.com/office/drawing/2010/main" val="0"/>
@@ -5181,10 +5136,6 @@
               </a:rPr>
               <a:t>:</a:t>
             </a:r>
-            <a:endParaRPr lang="en-US" altLang="zh-TW" b="1" dirty="0">
-              <a:latin typeface="微軟正黑體" panose="020B0604030504040204" pitchFamily="34" charset="-120"/>
-              <a:ea typeface="微軟正黑體" panose="020B0604030504040204" pitchFamily="34" charset="-120"/>
-            </a:endParaRPr>
           </a:p>
           <a:p>
             <a:pPr>
@@ -5279,10 +5230,6 @@
               </a:rPr>
               <a:t>（宏平均）</a:t>
             </a:r>
-            <a:endParaRPr lang="zh-TW" altLang="en-US" b="1" dirty="0">
-              <a:latin typeface="微軟正黑體" panose="020B0604030504040204" pitchFamily="34" charset="-120"/>
-              <a:ea typeface="微軟正黑體" panose="020B0604030504040204" pitchFamily="34" charset="-120"/>
-            </a:endParaRPr>
           </a:p>
           <a:p>
             <a:pPr>
@@ -5425,10 +5372,6 @@
               </a:rPr>
               <a:t>（加權平均）</a:t>
             </a:r>
-            <a:endParaRPr lang="zh-TW" altLang="en-US" b="1" dirty="0">
-              <a:latin typeface="微軟正黑體" panose="020B0604030504040204" pitchFamily="34" charset="-120"/>
-              <a:ea typeface="微軟正黑體" panose="020B0604030504040204" pitchFamily="34" charset="-120"/>
-            </a:endParaRPr>
           </a:p>
           <a:p>
             <a:pPr>
@@ -5476,7 +5419,7 @@
           <p:nvPr/>
         </p:nvPicPr>
         <p:blipFill>
-          <a:blip r:embed="rId1"/>
+          <a:blip r:embed="rId3"/>
           <a:stretch>
             <a:fillRect/>
           </a:stretch>
@@ -5538,10 +5481,6 @@
               </a:rPr>
               <a:t>熱力圖</a:t>
             </a:r>
-            <a:endParaRPr lang="zh-TW" altLang="en-US" dirty="0">
-              <a:latin typeface="標楷體" panose="03000509000000000000" pitchFamily="65" charset="-120"/>
-              <a:ea typeface="標楷體" panose="03000509000000000000" pitchFamily="65" charset="-120"/>
-            </a:endParaRPr>
           </a:p>
         </p:txBody>
       </p:sp>
@@ -5758,10 +5697,6 @@
               </a:rPr>
               <a:t>人口數 和 站點小計 可以作為重要特徵。</a:t>
             </a:r>
-            <a:endParaRPr lang="zh-TW" altLang="en-US" sz="1600" dirty="0">
-              <a:latin typeface="微軟正黑體" panose="020B0604030504040204" pitchFamily="34" charset="-120"/>
-              <a:ea typeface="微軟正黑體" panose="020B0604030504040204" pitchFamily="34" charset="-120"/>
-            </a:endParaRPr>
           </a:p>
         </p:txBody>
       </p:sp>
@@ -5774,7 +5709,7 @@
           <p:nvPr/>
         </p:nvPicPr>
         <p:blipFill rotWithShape="1">
-          <a:blip r:embed="rId1"/>
+          <a:blip r:embed="rId3"/>
           <a:srcRect r="7117"/>
           <a:stretch>
             <a:fillRect/>
@@ -5837,10 +5772,6 @@
               </a:rPr>
               <a:t>混淆矩陣</a:t>
             </a:r>
-            <a:endParaRPr lang="zh-TW" altLang="en-US" dirty="0">
-              <a:latin typeface="標楷體" panose="03000509000000000000" pitchFamily="65" charset="-120"/>
-              <a:ea typeface="標楷體" panose="03000509000000000000" pitchFamily="65" charset="-120"/>
-            </a:endParaRPr>
           </a:p>
         </p:txBody>
       </p:sp>
@@ -5853,7 +5784,7 @@
           <p:nvPr/>
         </p:nvPicPr>
         <p:blipFill rotWithShape="1">
-          <a:blip r:embed="rId1"/>
+          <a:blip r:embed="rId3"/>
           <a:srcRect r="10064"/>
           <a:stretch>
             <a:fillRect/>
@@ -5970,10 +5901,6 @@
               </a:rPr>
               <a:t>模型對「新增」類別的預測效果最好，正確率高，誤分類很少。</a:t>
             </a:r>
-            <a:endParaRPr lang="zh-TW" altLang="zh-TW" sz="1600" dirty="0">
-              <a:latin typeface="微軟正黑體" panose="020B0604030504040204" pitchFamily="34" charset="-120"/>
-              <a:ea typeface="微軟正黑體" panose="020B0604030504040204" pitchFamily="34" charset="-120"/>
-            </a:endParaRPr>
           </a:p>
           <a:p>
             <a:pPr marL="0" marR="0" lvl="0" indent="0" algn="l" defTabSz="914400" rtl="0" eaLnBrk="0" fontAlgn="base" latinLnBrk="0" hangingPunct="0">
@@ -6019,10 +5946,6 @@
               </a:rPr>
               <a:t>模型對「保持不變」類別辨識較差，容易被誤判為其他類別。</a:t>
             </a:r>
-            <a:endParaRPr lang="zh-TW" altLang="zh-TW" sz="1600" dirty="0">
-              <a:latin typeface="微軟正黑體" panose="020B0604030504040204" pitchFamily="34" charset="-120"/>
-              <a:ea typeface="微軟正黑體" panose="020B0604030504040204" pitchFamily="34" charset="-120"/>
-            </a:endParaRPr>
           </a:p>
           <a:p>
             <a:pPr marL="0" marR="0" lvl="0" indent="0" algn="l" defTabSz="914400" rtl="0" eaLnBrk="0" fontAlgn="base" latinLnBrk="0" hangingPunct="0">
@@ -6068,10 +5991,6 @@
               </a:rPr>
               <a:t>對角線的數值 表示預測正確的樣本數量。</a:t>
             </a:r>
-            <a:endParaRPr lang="zh-TW" altLang="zh-TW" sz="1600" dirty="0">
-              <a:latin typeface="微軟正黑體" panose="020B0604030504040204" pitchFamily="34" charset="-120"/>
-              <a:ea typeface="微軟正黑體" panose="020B0604030504040204" pitchFamily="34" charset="-120"/>
-            </a:endParaRPr>
           </a:p>
           <a:p>
             <a:pPr marR="0" lvl="0" algn="l" defTabSz="914400" rtl="0" eaLnBrk="0" fontAlgn="base" latinLnBrk="0" hangingPunct="0">
@@ -6124,10 +6043,6 @@
               </a:rPr>
               <a:t>藍色越深表示數量越多，從圖中可以看到「新增」類別的預測正確性最好。</a:t>
             </a:r>
-            <a:endParaRPr lang="zh-TW" altLang="zh-TW" sz="1600" dirty="0">
-              <a:latin typeface="微軟正黑體" panose="020B0604030504040204" pitchFamily="34" charset="-120"/>
-              <a:ea typeface="微軟正黑體" panose="020B0604030504040204" pitchFamily="34" charset="-120"/>
-            </a:endParaRPr>
           </a:p>
         </p:txBody>
       </p:sp>
@@ -6268,47 +6183,8 @@
                 <a:latin typeface="微軟正黑體" panose="020B0604030504040204" pitchFamily="34" charset="-120"/>
                 <a:ea typeface="微軟正黑體" panose="020B0604030504040204" pitchFamily="34" charset="-120"/>
               </a:rPr>
-              <a:t>透過上面的分析</a:t>
-            </a:r>
-            <a:r>
-              <a:rPr kumimoji="0" lang="zh-TW" altLang="zh-TW" b="0" i="0" u="none" strike="noStrike" cap="none" normalizeH="0" baseline="0" dirty="0">
-                <a:ln>
-                  <a:noFill/>
-                </a:ln>
-                <a:solidFill>
-                  <a:schemeClr val="tx1"/>
-                </a:solidFill>
-                <a:effectLst/>
-                <a:latin typeface="微軟正黑體" panose="020B0604030504040204" pitchFamily="34" charset="-120"/>
-                <a:ea typeface="微軟正黑體" panose="020B0604030504040204" pitchFamily="34" charset="-120"/>
-              </a:rPr>
-              <a:t>我們可以發現新增跟減少的兩個分類誤判數量不多，保持不變的誤判數量反而很多</a:t>
-            </a:r>
-            <a:r>
-              <a:rPr kumimoji="0" lang="zh-TW" altLang="zh-TW" b="0" i="0" u="none" strike="noStrike" cap="none" normalizeH="0" baseline="0" dirty="0">
-                <a:ln>
-                  <a:noFill/>
-                </a:ln>
-                <a:solidFill>
-                  <a:schemeClr val="tx1"/>
-                </a:solidFill>
-                <a:effectLst/>
-                <a:latin typeface="微軟正黑體" panose="020B0604030504040204" pitchFamily="34" charset="-120"/>
-                <a:ea typeface="微軟正黑體" panose="020B0604030504040204" pitchFamily="34" charset="-120"/>
-              </a:rPr>
-              <a:t>。</a:t>
-            </a:r>
-            <a:endParaRPr kumimoji="0" lang="zh-TW" altLang="zh-TW" b="0" i="0" u="none" strike="noStrike" cap="none" normalizeH="0" baseline="0" dirty="0">
-              <a:ln>
-                <a:noFill/>
-              </a:ln>
-              <a:solidFill>
-                <a:schemeClr val="tx1"/>
-              </a:solidFill>
-              <a:effectLst/>
-              <a:latin typeface="微軟正黑體" panose="020B0604030504040204" pitchFamily="34" charset="-120"/>
-              <a:ea typeface="微軟正黑體" panose="020B0604030504040204" pitchFamily="34" charset="-120"/>
-            </a:endParaRPr>
+              <a:t>透過上面的分析我們可以發現新增跟減少的兩個分類誤判數量不多，保持不變的誤判數量反而很多。</a:t>
+            </a:r>
           </a:p>
           <a:p>
             <a:pPr marL="0" lvl="0" indent="0" eaLnBrk="0" fontAlgn="base" hangingPunct="0">
@@ -6353,17 +6229,6 @@
               </a:rPr>
               <a:t>:</a:t>
             </a:r>
-            <a:endParaRPr kumimoji="0" lang="en-US" altLang="zh-TW" b="0" i="0" u="none" strike="noStrike" cap="none" normalizeH="0" baseline="0" dirty="0">
-              <a:ln>
-                <a:noFill/>
-              </a:ln>
-              <a:solidFill>
-                <a:schemeClr val="tx1"/>
-              </a:solidFill>
-              <a:effectLst/>
-              <a:latin typeface="微軟正黑體" panose="020B0604030504040204" pitchFamily="34" charset="-120"/>
-              <a:ea typeface="微軟正黑體" panose="020B0604030504040204" pitchFamily="34" charset="-120"/>
-            </a:endParaRPr>
           </a:p>
           <a:p>
             <a:pPr marL="0" lvl="0" indent="0" eaLnBrk="0" fontAlgn="base" hangingPunct="0">
@@ -6394,17 +6259,6 @@
               </a:rPr>
               <a:t>1.增加樣本數，但是台灣行政區有限。</a:t>
             </a:r>
-            <a:endParaRPr kumimoji="0" lang="zh-TW" altLang="zh-TW" b="0" i="0" u="none" strike="noStrike" cap="none" normalizeH="0" baseline="0" dirty="0">
-              <a:ln>
-                <a:noFill/>
-              </a:ln>
-              <a:solidFill>
-                <a:schemeClr val="tx1"/>
-              </a:solidFill>
-              <a:effectLst/>
-              <a:latin typeface="微軟正黑體" panose="020B0604030504040204" pitchFamily="34" charset="-120"/>
-              <a:ea typeface="微軟正黑體" panose="020B0604030504040204" pitchFamily="34" charset="-120"/>
-            </a:endParaRPr>
           </a:p>
           <a:p>
             <a:pPr marL="0" lvl="0" indent="0" eaLnBrk="0" fontAlgn="base" hangingPunct="0">
@@ -6435,17 +6289,6 @@
               </a:rPr>
               <a:t>2.用更適合的分類模型或是調整參數</a:t>
             </a:r>
-            <a:endParaRPr kumimoji="0" lang="zh-TW" altLang="zh-TW" b="0" i="0" u="none" strike="noStrike" cap="none" normalizeH="0" baseline="0" dirty="0">
-              <a:ln>
-                <a:noFill/>
-              </a:ln>
-              <a:solidFill>
-                <a:schemeClr val="tx1"/>
-              </a:solidFill>
-              <a:effectLst/>
-              <a:latin typeface="微軟正黑體" panose="020B0604030504040204" pitchFamily="34" charset="-120"/>
-              <a:ea typeface="微軟正黑體" panose="020B0604030504040204" pitchFamily="34" charset="-120"/>
-            </a:endParaRPr>
           </a:p>
           <a:p>
             <a:pPr marL="0" lvl="0" indent="0" eaLnBrk="0" fontAlgn="base" hangingPunct="0">
@@ -6504,17 +6347,6 @@
               </a:rPr>
               <a:t>類別的特徵</a:t>
             </a:r>
-            <a:endParaRPr kumimoji="0" lang="zh-TW" altLang="zh-TW" b="0" i="0" u="none" strike="noStrike" cap="none" normalizeH="0" baseline="0" dirty="0">
-              <a:ln>
-                <a:noFill/>
-              </a:ln>
-              <a:solidFill>
-                <a:schemeClr val="tx1"/>
-              </a:solidFill>
-              <a:effectLst/>
-              <a:latin typeface="微軟正黑體" panose="020B0604030504040204" pitchFamily="34" charset="-120"/>
-              <a:ea typeface="微軟正黑體" panose="020B0604030504040204" pitchFamily="34" charset="-120"/>
-            </a:endParaRPr>
           </a:p>
           <a:p>
             <a:pPr marL="0" lvl="0" indent="0" eaLnBrk="0" fontAlgn="base" hangingPunct="0">
@@ -6543,33 +6375,8 @@
                 <a:latin typeface="微軟正黑體" panose="020B0604030504040204" pitchFamily="34" charset="-120"/>
                 <a:ea typeface="微軟正黑體" panose="020B0604030504040204" pitchFamily="34" charset="-120"/>
               </a:rPr>
-              <a:t>例如氣候、經濟、</a:t>
-            </a:r>
-            <a:r>
-              <a:rPr kumimoji="0" lang="zh-TW" altLang="en-US" b="0" i="0" u="none" strike="noStrike" cap="none" normalizeH="0" baseline="0" dirty="0">
-                <a:ln>
-                  <a:noFill/>
-                </a:ln>
-                <a:solidFill>
-                  <a:schemeClr val="tx1"/>
-                </a:solidFill>
-                <a:effectLst/>
-                <a:latin typeface="微軟正黑體" panose="020B0604030504040204" pitchFamily="34" charset="-120"/>
-                <a:ea typeface="微軟正黑體" panose="020B0604030504040204" pitchFamily="34" charset="-120"/>
-              </a:rPr>
-              <a:t>政策</a:t>
-            </a:r>
-            <a:endParaRPr kumimoji="0" lang="zh-TW" altLang="en-US" b="0" i="0" u="none" strike="noStrike" cap="none" normalizeH="0" baseline="0" dirty="0">
-              <a:ln>
-                <a:noFill/>
-              </a:ln>
-              <a:solidFill>
-                <a:schemeClr val="tx1"/>
-              </a:solidFill>
-              <a:effectLst/>
-              <a:latin typeface="微軟正黑體" panose="020B0604030504040204" pitchFamily="34" charset="-120"/>
-              <a:ea typeface="微軟正黑體" panose="020B0604030504040204" pitchFamily="34" charset="-120"/>
-            </a:endParaRPr>
+              <a:t>例如氣候、經濟、政策</a:t>
+            </a:r>
           </a:p>
         </p:txBody>
       </p:sp>
@@ -6596,7 +6403,7 @@
             <p:nvPr/>
           </p:nvPicPr>
           <p:blipFill>
-            <a:blip r:embed="rId1">
+            <a:blip r:embed="rId2">
               <a:extLst>
                 <a:ext uri="{28A0092B-C50C-407E-A947-70E740481C1C}">
                   <a14:useLocalDpi xmlns:a14="http://schemas.microsoft.com/office/drawing/2010/main" val="0"/>
@@ -6818,17 +6625,6 @@
               </a:rPr>
               <a:t>交通部公路局 統計查詢網</a:t>
             </a:r>
-            <a:endParaRPr lang="zh-TW" altLang="en-US">
-              <a:solidFill>
-                <a:schemeClr val="tx1">
-                  <a:lumMod val="75000"/>
-                  <a:lumOff val="25000"/>
-                </a:schemeClr>
-              </a:solidFill>
-              <a:uFillTx/>
-              <a:latin typeface="Arial" panose="020B0604020202020204" pitchFamily="34" charset="0"/>
-              <a:ea typeface="標楷體" panose="03000509000000000000" pitchFamily="65" charset="-120"/>
-            </a:endParaRPr>
           </a:p>
           <a:p>
             <a:pPr marL="0" indent="0" fontAlgn="auto">
@@ -6854,22 +6650,10 @@
                 <a:uFillTx/>
                 <a:latin typeface="Arial" panose="020B0604020202020204" pitchFamily="34" charset="0"/>
                 <a:ea typeface="標楷體" panose="03000509000000000000" pitchFamily="65" charset="-120"/>
-                <a:hlinkClick r:id="rId1" tooltip="" action="ppaction://hlinkfile"/>
+                <a:hlinkClick r:id="rId3" action="ppaction://hlinkfile"/>
               </a:rPr>
               <a:t>https://stat.thb.gov.tw/hb01/webMain.aspx?sys=100&amp;funid=11100</a:t>
             </a:r>
-            <a:endParaRPr lang="en-US" altLang="zh-TW">
-              <a:solidFill>
-                <a:schemeClr val="tx1">
-                  <a:lumMod val="75000"/>
-                  <a:lumOff val="25000"/>
-                </a:schemeClr>
-              </a:solidFill>
-              <a:uFillTx/>
-              <a:latin typeface="Arial" panose="020B0604020202020204" pitchFamily="34" charset="0"/>
-              <a:ea typeface="標楷體" panose="03000509000000000000" pitchFamily="65" charset="-120"/>
-              <a:hlinkClick r:id="rId1" tooltip="" action="ppaction://hlinkfile"/>
-            </a:endParaRPr>
           </a:p>
           <a:p>
             <a:pPr marL="0" indent="0" fontAlgn="auto">
@@ -6912,17 +6696,6 @@
               </a:rPr>
               <a:t>官方網站</a:t>
             </a:r>
-            <a:endParaRPr lang="zh-TW" altLang="en-US">
-              <a:solidFill>
-                <a:schemeClr val="tx1">
-                  <a:lumMod val="75000"/>
-                  <a:lumOff val="25000"/>
-                </a:schemeClr>
-              </a:solidFill>
-              <a:uFillTx/>
-              <a:latin typeface="Arial" panose="020B0604020202020204" pitchFamily="34" charset="0"/>
-              <a:ea typeface="標楷體" panose="03000509000000000000" pitchFamily="65" charset="-120"/>
-            </a:endParaRPr>
           </a:p>
           <a:p>
             <a:pPr marL="0" indent="0" fontAlgn="auto">
@@ -6948,22 +6721,10 @@
                 <a:uFillTx/>
                 <a:latin typeface="Arial" panose="020B0604020202020204" pitchFamily="34" charset="0"/>
                 <a:ea typeface="標楷體" panose="03000509000000000000" pitchFamily="65" charset="-120"/>
-                <a:hlinkClick r:id="rId2" tooltip="" action="ppaction://hlinkfile"/>
+                <a:hlinkClick r:id="rId4" action="ppaction://hlinkfile"/>
               </a:rPr>
               <a:t>https://www.gogoro.com/tw/findus/</a:t>
             </a:r>
-            <a:endParaRPr lang="en-US" altLang="zh-TW">
-              <a:solidFill>
-                <a:schemeClr val="tx1">
-                  <a:lumMod val="75000"/>
-                  <a:lumOff val="25000"/>
-                </a:schemeClr>
-              </a:solidFill>
-              <a:uFillTx/>
-              <a:latin typeface="Arial" panose="020B0604020202020204" pitchFamily="34" charset="0"/>
-              <a:ea typeface="標楷體" panose="03000509000000000000" pitchFamily="65" charset="-120"/>
-              <a:hlinkClick r:id="rId2" tooltip="" action="ppaction://hlinkfile"/>
-            </a:endParaRPr>
           </a:p>
           <a:p>
             <a:pPr marL="0" indent="0" fontAlgn="auto">
@@ -6992,17 +6753,6 @@
               </a:rPr>
               <a:t>ChatGPT</a:t>
             </a:r>
-            <a:endParaRPr lang="en-US" altLang="zh-TW">
-              <a:solidFill>
-                <a:schemeClr val="tx1">
-                  <a:lumMod val="75000"/>
-                  <a:lumOff val="25000"/>
-                </a:schemeClr>
-              </a:solidFill>
-              <a:uFillTx/>
-              <a:latin typeface="Arial" panose="020B0604020202020204" pitchFamily="34" charset="0"/>
-              <a:ea typeface="標楷體" panose="03000509000000000000" pitchFamily="65" charset="-120"/>
-            </a:endParaRPr>
           </a:p>
           <a:p>
             <a:pPr marL="0" indent="0" fontAlgn="auto">
@@ -7028,22 +6778,10 @@
                 <a:uFillTx/>
                 <a:latin typeface="Arial" panose="020B0604020202020204" pitchFamily="34" charset="0"/>
                 <a:ea typeface="標楷體" panose="03000509000000000000" pitchFamily="65" charset="-120"/>
-                <a:hlinkClick r:id="rId3" tooltip="" action="ppaction://hlinkfile"/>
+                <a:hlinkClick r:id="rId5" action="ppaction://hlinkfile"/>
               </a:rPr>
               <a:t>https://openai.com/index/gpt-4/</a:t>
             </a:r>
-            <a:endParaRPr lang="en-US" altLang="zh-TW">
-              <a:solidFill>
-                <a:schemeClr val="tx1">
-                  <a:lumMod val="75000"/>
-                  <a:lumOff val="25000"/>
-                </a:schemeClr>
-              </a:solidFill>
-              <a:uFillTx/>
-              <a:latin typeface="Arial" panose="020B0604020202020204" pitchFamily="34" charset="0"/>
-              <a:ea typeface="標楷體" panose="03000509000000000000" pitchFamily="65" charset="-120"/>
-              <a:hlinkClick r:id="rId3" tooltip="" action="ppaction://hlinkfile"/>
-            </a:endParaRPr>
           </a:p>
           <a:p>
             <a:pPr marL="0" indent="0" fontAlgn="auto">
@@ -7072,17 +6810,6 @@
               </a:rPr>
               <a:t>內政部戶政司</a:t>
             </a:r>
-            <a:endParaRPr lang="zh-TW" altLang="en-US">
-              <a:solidFill>
-                <a:schemeClr val="tx1">
-                  <a:lumMod val="75000"/>
-                  <a:lumOff val="25000"/>
-                </a:schemeClr>
-              </a:solidFill>
-              <a:uFillTx/>
-              <a:latin typeface="Arial" panose="020B0604020202020204" pitchFamily="34" charset="0"/>
-              <a:ea typeface="標楷體" panose="03000509000000000000" pitchFamily="65" charset="-120"/>
-            </a:endParaRPr>
           </a:p>
           <a:p>
             <a:pPr marL="0" indent="0" fontAlgn="auto">
@@ -7108,22 +6835,10 @@
                 <a:uFillTx/>
                 <a:latin typeface="Arial" panose="020B0604020202020204" pitchFamily="34" charset="0"/>
                 <a:ea typeface="標楷體" panose="03000509000000000000" pitchFamily="65" charset="-120"/>
-                <a:hlinkClick r:id="rId4" tooltip="" action="ppaction://hlinkfile"/>
+                <a:hlinkClick r:id="rId6" action="ppaction://hlinkfile"/>
               </a:rPr>
               <a:t>https://www.ris.gov.tw/app/portal/346</a:t>
             </a:r>
-            <a:endParaRPr lang="zh-TW" altLang="en-US">
-              <a:solidFill>
-                <a:schemeClr val="tx1">
-                  <a:lumMod val="75000"/>
-                  <a:lumOff val="25000"/>
-                </a:schemeClr>
-              </a:solidFill>
-              <a:uFillTx/>
-              <a:latin typeface="Arial" panose="020B0604020202020204" pitchFamily="34" charset="0"/>
-              <a:ea typeface="標楷體" panose="03000509000000000000" pitchFamily="65" charset="-120"/>
-              <a:hlinkClick r:id="rId4" tooltip="" action="ppaction://hlinkfile"/>
-            </a:endParaRPr>
           </a:p>
           <a:p>
             <a:pPr marL="0" indent="0" fontAlgn="auto">
@@ -7191,7 +6906,7 @@
                 <a:uFillTx/>
                 <a:latin typeface="Arial" panose="020B0604020202020204" pitchFamily="34" charset="0"/>
                 <a:ea typeface="標楷體" panose="03000509000000000000" pitchFamily="65" charset="-120"/>
-                <a:hlinkClick r:id="rId5" tooltip="" action="ppaction://hlinkfile"/>
+                <a:hlinkClick r:id="rId7" action="ppaction://hlinkfile"/>
               </a:rPr>
               <a:t>https://www.post.gov.tw/post/download/1050429_%E8%A1%8C%E6%94%BF%E5%8D%80%E7%B6%93%E7%B7%AF%E5%BA%A6%28toPost%29.ods</a:t>
             </a:r>
@@ -7205,7 +6920,7 @@
               <a:uFillTx/>
               <a:latin typeface="Arial" panose="020B0604020202020204" pitchFamily="34" charset="0"/>
               <a:ea typeface="標楷體" panose="03000509000000000000" pitchFamily="65" charset="-120"/>
-              <a:hlinkClick r:id="rId5" tooltip="" action="ppaction://hlinkfile"/>
+              <a:hlinkClick r:id="rId7" action="ppaction://hlinkfile"/>
             </a:endParaRPr>
           </a:p>
         </p:txBody>
@@ -7313,10 +7028,6 @@
               </a:rPr>
               <a:t>報告大綱</a:t>
             </a:r>
-            <a:endParaRPr lang="zh-TW" altLang="en-US" sz="3800" dirty="0">
-              <a:latin typeface="標楷體" panose="03000509000000000000" pitchFamily="65" charset="-120"/>
-              <a:ea typeface="標楷體" panose="03000509000000000000" pitchFamily="65" charset="-120"/>
-            </a:endParaRPr>
           </a:p>
         </p:txBody>
       </p:sp>
@@ -7540,10 +7251,6 @@
               </a:rPr>
               <a:t>提案動機</a:t>
             </a:r>
-            <a:endParaRPr lang="zh-TW" altLang="en-US" dirty="0">
-              <a:latin typeface="標楷體" panose="03000509000000000000" pitchFamily="65" charset="-120"/>
-              <a:ea typeface="標楷體" panose="03000509000000000000" pitchFamily="65" charset="-120"/>
-            </a:endParaRPr>
           </a:p>
         </p:txBody>
       </p:sp>
@@ -7575,10 +7282,6 @@
               </a:rPr>
               <a:t>充電站設點策略分析</a:t>
             </a:r>
-            <a:endParaRPr lang="zh-TW" altLang="en-US" sz="3300" b="1" dirty="0">
-              <a:latin typeface="標楷體" panose="03000509000000000000" pitchFamily="65" charset="-120"/>
-              <a:ea typeface="標楷體" panose="03000509000000000000" pitchFamily="65" charset="-120"/>
-            </a:endParaRPr>
           </a:p>
           <a:p>
             <a:pPr marL="0" lvl="0" indent="0" eaLnBrk="0" fontAlgn="base" hangingPunct="0">
@@ -7601,10 +7304,6 @@
               </a:rPr>
               <a:t>分析現有充電站分布的效率與不足之處。</a:t>
             </a:r>
-            <a:endParaRPr lang="zh-TW" altLang="zh-TW" sz="2800" dirty="0">
-              <a:latin typeface="微軟正黑體" panose="020B0604030504040204" pitchFamily="34" charset="-120"/>
-              <a:ea typeface="微軟正黑體" panose="020B0604030504040204" pitchFamily="34" charset="-120"/>
-            </a:endParaRPr>
           </a:p>
           <a:p>
             <a:pPr marL="0" lvl="0" indent="0" eaLnBrk="0" fontAlgn="base" hangingPunct="0">
@@ -7627,10 +7326,6 @@
               </a:rPr>
               <a:t>預測未來可能需要新增的站點位置。</a:t>
             </a:r>
-            <a:endParaRPr lang="zh-TW" altLang="zh-TW" sz="2800" dirty="0">
-              <a:latin typeface="微軟正黑體" panose="020B0604030504040204" pitchFamily="34" charset="-120"/>
-              <a:ea typeface="微軟正黑體" panose="020B0604030504040204" pitchFamily="34" charset="-120"/>
-            </a:endParaRPr>
           </a:p>
           <a:p>
             <a:pPr marL="0" lvl="0" indent="0" eaLnBrk="0" fontAlgn="base" hangingPunct="0">
@@ -7653,10 +7348,6 @@
               </a:rPr>
               <a:t>提供策略建議，優化充電站設點的規劃。 </a:t>
             </a:r>
-            <a:endParaRPr lang="zh-TW" altLang="zh-TW" sz="2800" dirty="0">
-              <a:latin typeface="微軟正黑體" panose="020B0604030504040204" pitchFamily="34" charset="-120"/>
-              <a:ea typeface="微軟正黑體" panose="020B0604030504040204" pitchFamily="34" charset="-120"/>
-            </a:endParaRPr>
           </a:p>
         </p:txBody>
       </p:sp>
@@ -7669,11 +7360,11 @@
           <p:nvPr/>
         </p:nvPicPr>
         <p:blipFill>
-          <a:blip r:embed="rId1">
+          <a:blip r:embed="rId2">
             <a:extLst>
               <a:ext uri="{BEBA8EAE-BF5A-486C-A8C5-ECC9F3942E4B}">
                 <a14:imgProps xmlns:a14="http://schemas.microsoft.com/office/drawing/2010/main">
-                  <a14:imgLayer r:embed="rId2">
+                  <a14:imgLayer r:embed="rId3">
                     <a14:imgEffect>
                       <a14:backgroundRemoval t="2353" b="97353" l="5340" r="99757">
                         <a14:foregroundMark x1="41748" y1="12647" x2="94660" y2="2941"/>
@@ -7789,10 +7480,6 @@
               </a:rPr>
               <a:t>專案時程進度表</a:t>
             </a:r>
-            <a:endParaRPr lang="zh-TW" altLang="en-US" dirty="0">
-              <a:latin typeface="標楷體" panose="03000509000000000000" pitchFamily="65" charset="-120"/>
-              <a:ea typeface="標楷體" panose="03000509000000000000" pitchFamily="65" charset="-120"/>
-            </a:endParaRPr>
           </a:p>
         </p:txBody>
       </p:sp>
@@ -7807,7 +7494,7 @@
           </p:nvPr>
         </p:nvPicPr>
         <p:blipFill>
-          <a:blip r:embed="rId1">
+          <a:blip r:embed="rId2">
             <a:extLst>
               <a:ext uri="{28A0092B-C50C-407E-A947-70E740481C1C}">
                 <a14:useLocalDpi xmlns:a14="http://schemas.microsoft.com/office/drawing/2010/main" val="0"/>
@@ -7872,10 +7559,6 @@
               </a:rPr>
               <a:t>數據來源及分析工具</a:t>
             </a:r>
-            <a:endParaRPr lang="zh-TW" altLang="en-US" dirty="0">
-              <a:latin typeface="標楷體" panose="03000509000000000000" pitchFamily="65" charset="-120"/>
-              <a:ea typeface="標楷體" panose="03000509000000000000" pitchFamily="65" charset="-120"/>
-            </a:endParaRPr>
           </a:p>
         </p:txBody>
       </p:sp>
@@ -7999,10 +7682,6 @@
               </a:rPr>
               <a:t>第三方平台（Google Maps API）。</a:t>
             </a:r>
-            <a:endParaRPr lang="zh-TW" altLang="zh-TW" sz="2800" dirty="0">
-              <a:latin typeface="微軟正黑體" panose="020B0604030504040204" pitchFamily="34" charset="-120"/>
-              <a:ea typeface="微軟正黑體" panose="020B0604030504040204" pitchFamily="34" charset="-120"/>
-            </a:endParaRPr>
           </a:p>
           <a:p>
             <a:pPr marL="0" lvl="0" indent="0" eaLnBrk="0" fontAlgn="base" hangingPunct="0">
@@ -8076,9 +7755,27 @@
                 <a:tableStyleId>{5C22544A-7EE6-4342-B048-85BDC9FD1C3A}</a:tableStyleId>
               </a:tblPr>
               <a:tblGrid>
-                <a:gridCol w="2632821"/>
-                <a:gridCol w="4181475"/>
-                <a:gridCol w="4230222"/>
+                <a:gridCol w="2632821">
+                  <a:extLst>
+                    <a:ext uri="{9D8B030D-6E8A-4147-A177-3AD203B41FA5}">
+                      <a16:colId xmlns:a16="http://schemas.microsoft.com/office/drawing/2014/main" val="20000"/>
+                    </a:ext>
+                  </a:extLst>
+                </a:gridCol>
+                <a:gridCol w="4181475">
+                  <a:extLst>
+                    <a:ext uri="{9D8B030D-6E8A-4147-A177-3AD203B41FA5}">
+                      <a16:colId xmlns:a16="http://schemas.microsoft.com/office/drawing/2014/main" val="20001"/>
+                    </a:ext>
+                  </a:extLst>
+                </a:gridCol>
+                <a:gridCol w="4230222">
+                  <a:extLst>
+                    <a:ext uri="{9D8B030D-6E8A-4147-A177-3AD203B41FA5}">
+                      <a16:colId xmlns:a16="http://schemas.microsoft.com/office/drawing/2014/main" val="20002"/>
+                    </a:ext>
+                  </a:extLst>
+                </a:gridCol>
               </a:tblGrid>
               <a:tr h="608623">
                 <a:tc>
@@ -8151,6 +7848,11 @@
                   </a:txBody>
                   <a:tcPr marL="9525" marR="9525" marT="9525" marB="0" anchor="ctr"/>
                 </a:tc>
+                <a:extLst>
+                  <a:ext uri="{0D108BD9-81ED-4DB2-BD59-A6C34878D82A}">
+                    <a16:rowId xmlns:a16="http://schemas.microsoft.com/office/drawing/2014/main" val="10000"/>
+                  </a:ext>
+                </a:extLst>
               </a:tr>
               <a:tr h="756442">
                 <a:tc>
@@ -8248,6 +7950,11 @@
                   </a:txBody>
                   <a:tcPr marL="9525" marR="9525" marT="9525" marB="0" anchor="ctr"/>
                 </a:tc>
+                <a:extLst>
+                  <a:ext uri="{0D108BD9-81ED-4DB2-BD59-A6C34878D82A}">
+                    <a16:rowId xmlns:a16="http://schemas.microsoft.com/office/drawing/2014/main" val="10001"/>
+                  </a:ext>
+                </a:extLst>
               </a:tr>
               <a:tr h="756442">
                 <a:tc>
@@ -8343,6 +8050,11 @@
                   </a:txBody>
                   <a:tcPr marL="9525" marR="9525" marT="9525" marB="0" anchor="ctr"/>
                 </a:tc>
+                <a:extLst>
+                  <a:ext uri="{0D108BD9-81ED-4DB2-BD59-A6C34878D82A}">
+                    <a16:rowId xmlns:a16="http://schemas.microsoft.com/office/drawing/2014/main" val="10002"/>
+                  </a:ext>
+                </a:extLst>
               </a:tr>
               <a:tr h="642056">
                 <a:tc>
@@ -8422,6 +8134,11 @@
                   </a:txBody>
                   <a:tcPr marL="9525" marR="9525" marT="9525" marB="0" anchor="ctr"/>
                 </a:tc>
+                <a:extLst>
+                  <a:ext uri="{0D108BD9-81ED-4DB2-BD59-A6C34878D82A}">
+                    <a16:rowId xmlns:a16="http://schemas.microsoft.com/office/drawing/2014/main" val="10003"/>
+                  </a:ext>
+                </a:extLst>
               </a:tr>
               <a:tr h="756442">
                 <a:tc>
@@ -8517,6 +8234,11 @@
                   </a:txBody>
                   <a:tcPr marL="9525" marR="9525" marT="9525" marB="0" anchor="ctr"/>
                 </a:tc>
+                <a:extLst>
+                  <a:ext uri="{0D108BD9-81ED-4DB2-BD59-A6C34878D82A}">
+                    <a16:rowId xmlns:a16="http://schemas.microsoft.com/office/drawing/2014/main" val="10004"/>
+                  </a:ext>
+                </a:extLst>
               </a:tr>
               <a:tr h="687207">
                 <a:tc>
@@ -8596,6 +8318,11 @@
                   </a:txBody>
                   <a:tcPr marL="9525" marR="9525" marT="9525" marB="0" anchor="ctr"/>
                 </a:tc>
+                <a:extLst>
+                  <a:ext uri="{0D108BD9-81ED-4DB2-BD59-A6C34878D82A}">
+                    <a16:rowId xmlns:a16="http://schemas.microsoft.com/office/drawing/2014/main" val="10005"/>
+                  </a:ext>
+                </a:extLst>
               </a:tr>
               <a:tr h="773723">
                 <a:tc>
@@ -8675,6 +8402,11 @@
                   </a:txBody>
                   <a:tcPr marL="9525" marR="9525" marT="9525" marB="0" anchor="ctr"/>
                 </a:tc>
+                <a:extLst>
+                  <a:ext uri="{0D108BD9-81ED-4DB2-BD59-A6C34878D82A}">
+                    <a16:rowId xmlns:a16="http://schemas.microsoft.com/office/drawing/2014/main" val="10006"/>
+                  </a:ext>
+                </a:extLst>
               </a:tr>
             </a:tbl>
           </a:graphicData>
@@ -8732,10 +8464,6 @@
               </a:rPr>
               <a:t>資料處理流程</a:t>
             </a:r>
-            <a:endParaRPr lang="zh-TW" altLang="en-US" dirty="0">
-              <a:latin typeface="微軟正黑體" panose="020B0604030504040204" pitchFamily="34" charset="-120"/>
-              <a:ea typeface="微軟正黑體" panose="020B0604030504040204" pitchFamily="34" charset="-120"/>
-            </a:endParaRPr>
           </a:p>
         </p:txBody>
       </p:sp>
@@ -8835,10 +8563,6 @@
               </a:rPr>
               <a:t>進行站點增減設的判斷</a:t>
             </a:r>
-            <a:endParaRPr lang="zh-TW" altLang="en-US" sz="2400" dirty="0">
-              <a:latin typeface="微軟正黑體" panose="020B0604030504040204" pitchFamily="34" charset="-120"/>
-              <a:ea typeface="微軟正黑體" panose="020B0604030504040204" pitchFamily="34" charset="-120"/>
-            </a:endParaRPr>
           </a:p>
         </p:txBody>
       </p:sp>
@@ -9176,10 +8900,6 @@
                   </a:rPr>
                   <a:t>模型訓練</a:t>
                 </a:r>
-                <a:endParaRPr lang="zh-TW" altLang="en-US" sz="1400" b="1" dirty="0">
-                  <a:latin typeface="微軟正黑體" panose="020B0604030504040204" pitchFamily="34" charset="-120"/>
-                  <a:ea typeface="微軟正黑體" panose="020B0604030504040204" pitchFamily="34" charset="-120"/>
-                </a:endParaRPr>
               </a:p>
             </p:txBody>
           </p:sp>
@@ -9652,7 +9372,7 @@
           </p:nvPr>
         </p:nvPicPr>
         <p:blipFill rotWithShape="1">
-          <a:blip r:embed="rId1">
+          <a:blip r:embed="rId2">
             <a:extLst>
               <a:ext uri="{28A0092B-C50C-407E-A947-70E740481C1C}">
                 <a14:useLocalDpi xmlns:a14="http://schemas.microsoft.com/office/drawing/2010/main" val="0"/>
@@ -9952,10 +9672,6 @@
               </a:rPr>
               <a:t>是正確的。</a:t>
             </a:r>
-            <a:endParaRPr lang="zh-TW" altLang="en-US" dirty="0">
-              <a:latin typeface="微軟正黑體" panose="020B0604030504040204" pitchFamily="34" charset="-120"/>
-              <a:ea typeface="微軟正黑體" panose="020B0604030504040204" pitchFamily="34" charset="-120"/>
-            </a:endParaRPr>
           </a:p>
           <a:p>
             <a:pPr>
@@ -9996,19 +9712,8 @@
                 <a:latin typeface="微軟正黑體" panose="020B0604030504040204" pitchFamily="34" charset="-120"/>
                 <a:ea typeface="微軟正黑體" panose="020B0604030504040204" pitchFamily="34" charset="-120"/>
               </a:rPr>
-              <a:t>被正確預測</a:t>
-            </a:r>
-            <a:r>
-              <a:rPr lang="zh-TW" altLang="en-US" dirty="0">
-                <a:latin typeface="微軟正黑體" panose="020B0604030504040204" pitchFamily="34" charset="-120"/>
-                <a:ea typeface="微軟正黑體" panose="020B0604030504040204" pitchFamily="34" charset="-120"/>
-              </a:rPr>
-              <a:t>。</a:t>
-            </a:r>
-            <a:endParaRPr lang="zh-TW" altLang="en-US" dirty="0">
-              <a:latin typeface="微軟正黑體" panose="020B0604030504040204" pitchFamily="34" charset="-120"/>
-              <a:ea typeface="微軟正黑體" panose="020B0604030504040204" pitchFamily="34" charset="-120"/>
-            </a:endParaRPr>
+              <a:t>被正確預測。</a:t>
+            </a:r>
           </a:p>
           <a:p>
             <a:pPr>
@@ -10060,7 +9765,7 @@
           <p:nvPr/>
         </p:nvPicPr>
         <p:blipFill>
-          <a:blip r:embed="rId1"/>
+          <a:blip r:embed="rId2"/>
           <a:stretch>
             <a:fillRect/>
           </a:stretch>
@@ -10356,6 +10061,8 @@
       </a:bgFillStyleLst>
     </a:fmtScheme>
   </a:themeElements>
+  <a:objectDefaults/>
+  <a:extraClrSchemeLst/>
   <a:extLst>
     <a:ext uri="{05A4C25C-085E-4340-85A3-A5531E510DB2}">
       <thm15:themeFamily xmlns:thm15="http://schemas.microsoft.com/office/thememl/2012/main" name="Office Theme" id="{62F939B6-93AF-4DB8-9C6B-D6C7DFDC589F}" vid="{4A3C46E8-61CC-4603-A589-7422A47A8E4A}"/>
@@ -10615,6 +10322,8 @@
       </a:bgFillStyleLst>
     </a:fmtScheme>
   </a:themeElements>
+  <a:objectDefaults/>
+  <a:extraClrSchemeLst/>
   <a:extLst>
     <a:ext uri="{05A4C25C-085E-4340-85A3-A5531E510DB2}">
       <thm15:themeFamily xmlns:thm15="http://schemas.microsoft.com/office/thememl/2012/main" name="Office Theme" id="{62F939B6-93AF-4DB8-9C6B-D6C7DFDC589F}" vid="{4A3C46E8-61CC-4603-A589-7422A47A8E4A}"/>
